--- a/alyssia/project5_intro.pptx
+++ b/alyssia/project5_intro.pptx
@@ -17392,7 +17392,7 @@
                   <a:schemeClr val="bg1"/>
                 </a:solidFill>
               </a:rPr>
-              <a:t>Federal Distribution</a:t>
+              <a:t>Federal Allocation</a:t>
             </a:r>
           </a:p>
           <a:p>
@@ -17694,7 +17694,7 @@
                   <a:schemeClr val="bg1"/>
                 </a:solidFill>
               </a:rPr>
-              <a:t>State Administration</a:t>
+              <a:t>State Distribution</a:t>
             </a:r>
           </a:p>
           <a:p>

--- a/alyssia/project5_intro.pptx
+++ b/alyssia/project5_intro.pptx
@@ -5,48 +5,54 @@
     <p:sldMasterId id="2147483670" r:id="rId1"/>
   </p:sldMasterIdLst>
   <p:notesMasterIdLst>
-    <p:notesMasterId r:id="rId10"/>
+    <p:notesMasterId r:id="rId16"/>
   </p:notesMasterIdLst>
   <p:sldIdLst>
     <p:sldId id="256" r:id="rId2"/>
     <p:sldId id="259" r:id="rId3"/>
     <p:sldId id="258" r:id="rId4"/>
     <p:sldId id="260" r:id="rId5"/>
-    <p:sldId id="301" r:id="rId6"/>
-    <p:sldId id="313" r:id="rId7"/>
-    <p:sldId id="311" r:id="rId8"/>
-    <p:sldId id="312" r:id="rId9"/>
+    <p:sldId id="261" r:id="rId6"/>
+    <p:sldId id="262" r:id="rId7"/>
+    <p:sldId id="263" r:id="rId8"/>
+    <p:sldId id="317" r:id="rId9"/>
+    <p:sldId id="318" r:id="rId10"/>
+    <p:sldId id="316" r:id="rId11"/>
+    <p:sldId id="311" r:id="rId12"/>
+    <p:sldId id="301" r:id="rId13"/>
+    <p:sldId id="315" r:id="rId14"/>
+    <p:sldId id="312" r:id="rId15"/>
   </p:sldIdLst>
   <p:sldSz cx="9144000" cy="5143500" type="screen16x9"/>
   <p:notesSz cx="6858000" cy="9144000"/>
   <p:embeddedFontLst>
     <p:embeddedFont>
       <p:font typeface="Advent Pro SemiBold" panose="02000506040000020004" pitchFamily="2" charset="77"/>
-      <p:regular r:id="rId11"/>
-      <p:bold r:id="rId12"/>
+      <p:regular r:id="rId17"/>
+      <p:bold r:id="rId18"/>
     </p:embeddedFont>
     <p:embeddedFont>
       <p:font typeface="Fira Sans Condensed Medium" panose="020B0603050000020004" pitchFamily="34" charset="0"/>
-      <p:regular r:id="rId13"/>
-      <p:bold r:id="rId14"/>
-      <p:italic r:id="rId15"/>
-      <p:boldItalic r:id="rId16"/>
+      <p:regular r:id="rId19"/>
+      <p:bold r:id="rId20"/>
+      <p:italic r:id="rId21"/>
+      <p:boldItalic r:id="rId22"/>
     </p:embeddedFont>
     <p:embeddedFont>
       <p:font typeface="Fira Sans Extra Condensed Medium" panose="020B0603050000020004" pitchFamily="34" charset="0"/>
-      <p:regular r:id="rId17"/>
-      <p:bold r:id="rId18"/>
-      <p:italic r:id="rId19"/>
-      <p:boldItalic r:id="rId20"/>
+      <p:regular r:id="rId23"/>
+      <p:bold r:id="rId24"/>
+      <p:italic r:id="rId25"/>
+      <p:boldItalic r:id="rId26"/>
     </p:embeddedFont>
     <p:embeddedFont>
       <p:font typeface="Maven Pro" pitchFamily="2" charset="77"/>
-      <p:regular r:id="rId21"/>
-      <p:bold r:id="rId22"/>
+      <p:regular r:id="rId27"/>
+      <p:bold r:id="rId28"/>
     </p:embeddedFont>
     <p:embeddedFont>
       <p:font typeface="Share Tech" pitchFamily="2" charset="77"/>
-      <p:regular r:id="rId23"/>
+      <p:regular r:id="rId29"/>
     </p:embeddedFont>
   </p:embeddedFontLst>
   <p:defaultTextStyle>
@@ -5377,6 +5383,152 @@
 </p:notes>
 </file>
 
+<file path=ppt/notesSlides/notesSlide10.xml><?xml version="1.0" encoding="utf-8"?>
+<p:notes xmlns:a="http://schemas.openxmlformats.org/drawingml/2006/main" xmlns:r="http://schemas.openxmlformats.org/officeDocument/2006/relationships" xmlns:p="http://schemas.openxmlformats.org/presentationml/2006/main" showMasterSp="0" showMasterPhAnim="0">
+  <p:cSld>
+    <p:spTree>
+      <p:nvGrpSpPr>
+        <p:cNvPr id="1" name="Shape 502"/>
+        <p:cNvGrpSpPr/>
+        <p:nvPr/>
+      </p:nvGrpSpPr>
+      <p:grpSpPr>
+        <a:xfrm>
+          <a:off x="0" y="0"/>
+          <a:ext cx="0" cy="0"/>
+          <a:chOff x="0" y="0"/>
+          <a:chExt cx="0" cy="0"/>
+        </a:xfrm>
+      </p:grpSpPr>
+      <p:sp>
+        <p:nvSpPr>
+          <p:cNvPr id="503" name="Google Shape;503;g6c4305b01e_0_5:notes"/>
+          <p:cNvSpPr>
+            <a:spLocks noGrp="1" noRot="1" noChangeAspect="1"/>
+          </p:cNvSpPr>
+          <p:nvPr>
+            <p:ph type="sldImg" idx="2"/>
+          </p:nvPr>
+        </p:nvSpPr>
+        <p:spPr>
+          <a:xfrm>
+            <a:off x="381000" y="685800"/>
+            <a:ext cx="6096000" cy="3429000"/>
+          </a:xfrm>
+          <a:custGeom>
+            <a:avLst/>
+            <a:gdLst/>
+            <a:ahLst/>
+            <a:cxnLst/>
+            <a:rect l="l" t="t" r="r" b="b"/>
+            <a:pathLst>
+              <a:path w="120000" h="120000" extrusionOk="0">
+                <a:moveTo>
+                  <a:pt x="0" y="0"/>
+                </a:moveTo>
+                <a:lnTo>
+                  <a:pt x="120000" y="0"/>
+                </a:lnTo>
+                <a:lnTo>
+                  <a:pt x="120000" y="120000"/>
+                </a:lnTo>
+                <a:lnTo>
+                  <a:pt x="0" y="120000"/>
+                </a:lnTo>
+                <a:close/>
+              </a:path>
+            </a:pathLst>
+          </a:custGeom>
+        </p:spPr>
+      </p:sp>
+      <p:sp>
+        <p:nvSpPr>
+          <p:cNvPr id="504" name="Google Shape;504;g6c4305b01e_0_5:notes"/>
+          <p:cNvSpPr txBox="1">
+            <a:spLocks noGrp="1"/>
+          </p:cNvSpPr>
+          <p:nvPr>
+            <p:ph type="body" idx="1"/>
+          </p:nvPr>
+        </p:nvSpPr>
+        <p:spPr>
+          <a:xfrm>
+            <a:off x="685800" y="4343400"/>
+            <a:ext cx="5486400" cy="4114800"/>
+          </a:xfrm>
+          <a:prstGeom prst="rect">
+            <a:avLst/>
+          </a:prstGeom>
+        </p:spPr>
+        <p:txBody>
+          <a:bodyPr spcFirstLastPara="1" wrap="square" lIns="91425" tIns="91425" rIns="91425" bIns="91425" anchor="t" anchorCtr="0">
+            <a:noAutofit/>
+          </a:bodyPr>
+          <a:lstStyle/>
+          <a:p>
+            <a:pPr marL="171450" lvl="0" indent="-171450" algn="l" rtl="0">
+              <a:spcBef>
+                <a:spcPts val="0"/>
+              </a:spcBef>
+              <a:spcAft>
+                <a:spcPts val="0"/>
+              </a:spcAft>
+              <a:buFontTx/>
+              <a:buChar char="-"/>
+            </a:pPr>
+            <a:r>
+              <a:rPr lang="en-US" dirty="0"/>
+              <a:t>None of the models predict the actual change very well</a:t>
+            </a:r>
+          </a:p>
+          <a:p>
+            <a:pPr marL="171450" lvl="0" indent="-171450" algn="l" rtl="0">
+              <a:spcBef>
+                <a:spcPts val="0"/>
+              </a:spcBef>
+              <a:spcAft>
+                <a:spcPts val="0"/>
+              </a:spcAft>
+              <a:buFontTx/>
+              <a:buChar char="-"/>
+            </a:pPr>
+            <a:r>
+              <a:rPr lang="en-US" dirty="0"/>
+              <a:t>May need to consider numerous other factors to consider</a:t>
+            </a:r>
+          </a:p>
+          <a:p>
+            <a:pPr marL="171450" lvl="0" indent="-171450" algn="l" rtl="0">
+              <a:spcBef>
+                <a:spcPts val="0"/>
+              </a:spcBef>
+              <a:spcAft>
+                <a:spcPts val="0"/>
+              </a:spcAft>
+              <a:buFontTx/>
+              <a:buChar char="-"/>
+            </a:pPr>
+            <a:r>
+              <a:rPr lang="en-US" dirty="0"/>
+              <a:t> </a:t>
+            </a:r>
+            <a:endParaRPr dirty="0"/>
+          </a:p>
+        </p:txBody>
+      </p:sp>
+    </p:spTree>
+    <p:extLst>
+      <p:ext uri="{BB962C8B-B14F-4D97-AF65-F5344CB8AC3E}">
+        <p14:creationId xmlns:p14="http://schemas.microsoft.com/office/powerpoint/2010/main" val="2533486135"/>
+      </p:ext>
+    </p:extLst>
+  </p:cSld>
+  <p:clrMapOvr>
+    <a:masterClrMapping/>
+  </p:clrMapOvr>
+</p:notes>
+</file>
+
 <file path=ppt/notesSlides/notesSlide2.xml><?xml version="1.0" encoding="utf-8"?>
 <p:notes xmlns:a="http://schemas.openxmlformats.org/drawingml/2006/main" xmlns:r="http://schemas.openxmlformats.org/officeDocument/2006/relationships" xmlns:p="http://schemas.openxmlformats.org/presentationml/2006/main" showMasterSp="0" showMasterPhAnim="0">
   <p:cSld>
@@ -5775,6 +5927,394 @@
 </file>
 
 <file path=ppt/notesSlides/notesSlide5.xml><?xml version="1.0" encoding="utf-8"?>
+<p:notes xmlns:a="http://schemas.openxmlformats.org/drawingml/2006/main" xmlns:r="http://schemas.openxmlformats.org/officeDocument/2006/relationships" xmlns:p="http://schemas.openxmlformats.org/presentationml/2006/main">
+  <p:cSld>
+    <p:spTree>
+      <p:nvGrpSpPr>
+        <p:cNvPr id="1" name=""/>
+        <p:cNvGrpSpPr/>
+        <p:nvPr/>
+      </p:nvGrpSpPr>
+      <p:grpSpPr>
+        <a:xfrm>
+          <a:off x="0" y="0"/>
+          <a:ext cx="0" cy="0"/>
+          <a:chOff x="0" y="0"/>
+          <a:chExt cx="0" cy="0"/>
+        </a:xfrm>
+      </p:grpSpPr>
+      <p:sp>
+        <p:nvSpPr>
+          <p:cNvPr id="2" name="Slide Image Placeholder 1"/>
+          <p:cNvSpPr>
+            <a:spLocks noGrp="1" noRot="1" noChangeAspect="1"/>
+          </p:cNvSpPr>
+          <p:nvPr>
+            <p:ph type="sldImg"/>
+          </p:nvPr>
+        </p:nvSpPr>
+        <p:spPr>
+          <a:xfrm>
+            <a:off x="381000" y="685800"/>
+            <a:ext cx="6096000" cy="3429000"/>
+          </a:xfrm>
+        </p:spPr>
+      </p:sp>
+      <p:sp>
+        <p:nvSpPr>
+          <p:cNvPr id="3" name="Notes Placeholder 2"/>
+          <p:cNvSpPr>
+            <a:spLocks noGrp="1"/>
+          </p:cNvSpPr>
+          <p:nvPr>
+            <p:ph type="body" idx="1"/>
+          </p:nvPr>
+        </p:nvSpPr>
+        <p:spPr/>
+        <p:txBody>
+          <a:bodyPr/>
+          <a:lstStyle/>
+          <a:p>
+            <a:pPr lvl="2"/>
+            <a:endParaRPr lang="en-US" dirty="0"/>
+          </a:p>
+        </p:txBody>
+      </p:sp>
+    </p:spTree>
+    <p:extLst>
+      <p:ext uri="{BB962C8B-B14F-4D97-AF65-F5344CB8AC3E}">
+        <p14:creationId xmlns:p14="http://schemas.microsoft.com/office/powerpoint/2010/main" val="4205464597"/>
+      </p:ext>
+    </p:extLst>
+  </p:cSld>
+  <p:clrMapOvr>
+    <a:masterClrMapping/>
+  </p:clrMapOvr>
+</p:notes>
+</file>
+
+<file path=ppt/notesSlides/notesSlide6.xml><?xml version="1.0" encoding="utf-8"?>
+<p:notes xmlns:a="http://schemas.openxmlformats.org/drawingml/2006/main" xmlns:r="http://schemas.openxmlformats.org/officeDocument/2006/relationships" xmlns:p="http://schemas.openxmlformats.org/presentationml/2006/main">
+  <p:cSld>
+    <p:spTree>
+      <p:nvGrpSpPr>
+        <p:cNvPr id="1" name=""/>
+        <p:cNvGrpSpPr/>
+        <p:nvPr/>
+      </p:nvGrpSpPr>
+      <p:grpSpPr>
+        <a:xfrm>
+          <a:off x="0" y="0"/>
+          <a:ext cx="0" cy="0"/>
+          <a:chOff x="0" y="0"/>
+          <a:chExt cx="0" cy="0"/>
+        </a:xfrm>
+      </p:grpSpPr>
+      <p:sp>
+        <p:nvSpPr>
+          <p:cNvPr id="2" name="Slide Image Placeholder 1"/>
+          <p:cNvSpPr>
+            <a:spLocks noGrp="1" noRot="1" noChangeAspect="1"/>
+          </p:cNvSpPr>
+          <p:nvPr>
+            <p:ph type="sldImg"/>
+          </p:nvPr>
+        </p:nvSpPr>
+        <p:spPr>
+          <a:xfrm>
+            <a:off x="381000" y="685800"/>
+            <a:ext cx="6096000" cy="3429000"/>
+          </a:xfrm>
+        </p:spPr>
+      </p:sp>
+      <p:sp>
+        <p:nvSpPr>
+          <p:cNvPr id="3" name="Notes Placeholder 2"/>
+          <p:cNvSpPr>
+            <a:spLocks noGrp="1"/>
+          </p:cNvSpPr>
+          <p:nvPr>
+            <p:ph type="body" idx="1"/>
+          </p:nvPr>
+        </p:nvSpPr>
+        <p:spPr/>
+        <p:txBody>
+          <a:bodyPr/>
+          <a:lstStyle/>
+          <a:p>
+            <a:endParaRPr lang="en-US" dirty="0"/>
+          </a:p>
+        </p:txBody>
+      </p:sp>
+    </p:spTree>
+    <p:extLst>
+      <p:ext uri="{BB962C8B-B14F-4D97-AF65-F5344CB8AC3E}">
+        <p14:creationId xmlns:p14="http://schemas.microsoft.com/office/powerpoint/2010/main" val="879001645"/>
+      </p:ext>
+    </p:extLst>
+  </p:cSld>
+  <p:clrMapOvr>
+    <a:masterClrMapping/>
+  </p:clrMapOvr>
+</p:notes>
+</file>
+
+<file path=ppt/notesSlides/notesSlide7.xml><?xml version="1.0" encoding="utf-8"?>
+<p:notes xmlns:a="http://schemas.openxmlformats.org/drawingml/2006/main" xmlns:r="http://schemas.openxmlformats.org/officeDocument/2006/relationships" xmlns:p="http://schemas.openxmlformats.org/presentationml/2006/main" showMasterSp="0" showMasterPhAnim="0">
+  <p:cSld>
+    <p:spTree>
+      <p:nvGrpSpPr>
+        <p:cNvPr id="1" name="Shape 190"/>
+        <p:cNvGrpSpPr/>
+        <p:nvPr/>
+      </p:nvGrpSpPr>
+      <p:grpSpPr>
+        <a:xfrm>
+          <a:off x="0" y="0"/>
+          <a:ext cx="0" cy="0"/>
+          <a:chOff x="0" y="0"/>
+          <a:chExt cx="0" cy="0"/>
+        </a:xfrm>
+      </p:grpSpPr>
+      <p:sp>
+        <p:nvSpPr>
+          <p:cNvPr id="191" name="Google Shape;191;g798d2677c3_0_0:notes"/>
+          <p:cNvSpPr>
+            <a:spLocks noGrp="1" noRot="1" noChangeAspect="1"/>
+          </p:cNvSpPr>
+          <p:nvPr>
+            <p:ph type="sldImg" idx="2"/>
+          </p:nvPr>
+        </p:nvSpPr>
+        <p:spPr>
+          <a:xfrm>
+            <a:off x="381000" y="685800"/>
+            <a:ext cx="6096000" cy="3429000"/>
+          </a:xfrm>
+          <a:custGeom>
+            <a:avLst/>
+            <a:gdLst/>
+            <a:ahLst/>
+            <a:cxnLst/>
+            <a:rect l="l" t="t" r="r" b="b"/>
+            <a:pathLst>
+              <a:path w="120000" h="120000" extrusionOk="0">
+                <a:moveTo>
+                  <a:pt x="0" y="0"/>
+                </a:moveTo>
+                <a:lnTo>
+                  <a:pt x="120000" y="0"/>
+                </a:lnTo>
+                <a:lnTo>
+                  <a:pt x="120000" y="120000"/>
+                </a:lnTo>
+                <a:lnTo>
+                  <a:pt x="0" y="120000"/>
+                </a:lnTo>
+                <a:close/>
+              </a:path>
+            </a:pathLst>
+          </a:custGeom>
+        </p:spPr>
+      </p:sp>
+      <p:sp>
+        <p:nvSpPr>
+          <p:cNvPr id="192" name="Google Shape;192;g798d2677c3_0_0:notes"/>
+          <p:cNvSpPr txBox="1">
+            <a:spLocks noGrp="1"/>
+          </p:cNvSpPr>
+          <p:nvPr>
+            <p:ph type="body" idx="1"/>
+          </p:nvPr>
+        </p:nvSpPr>
+        <p:spPr>
+          <a:xfrm>
+            <a:off x="685800" y="4343400"/>
+            <a:ext cx="5486400" cy="4114800"/>
+          </a:xfrm>
+          <a:prstGeom prst="rect">
+            <a:avLst/>
+          </a:prstGeom>
+        </p:spPr>
+        <p:txBody>
+          <a:bodyPr spcFirstLastPara="1" wrap="square" lIns="91425" tIns="91425" rIns="91425" bIns="91425" anchor="t" anchorCtr="0">
+            <a:noAutofit/>
+          </a:bodyPr>
+          <a:lstStyle/>
+          <a:p>
+            <a:pPr marL="0" lvl="0" indent="0" algn="l" rtl="0">
+              <a:spcBef>
+                <a:spcPts val="0"/>
+              </a:spcBef>
+              <a:spcAft>
+                <a:spcPts val="0"/>
+              </a:spcAft>
+              <a:buNone/>
+            </a:pPr>
+            <a:endParaRPr/>
+          </a:p>
+        </p:txBody>
+      </p:sp>
+    </p:spTree>
+    <p:extLst>
+      <p:ext uri="{BB962C8B-B14F-4D97-AF65-F5344CB8AC3E}">
+        <p14:creationId xmlns:p14="http://schemas.microsoft.com/office/powerpoint/2010/main" val="862913384"/>
+      </p:ext>
+    </p:extLst>
+  </p:cSld>
+  <p:clrMapOvr>
+    <a:masterClrMapping/>
+  </p:clrMapOvr>
+</p:notes>
+</file>
+
+<file path=ppt/notesSlides/notesSlide8.xml><?xml version="1.0" encoding="utf-8"?>
+<p:notes xmlns:a="http://schemas.openxmlformats.org/drawingml/2006/main" xmlns:r="http://schemas.openxmlformats.org/officeDocument/2006/relationships" xmlns:p="http://schemas.openxmlformats.org/presentationml/2006/main" showMasterSp="0" showMasterPhAnim="0">
+  <p:cSld>
+    <p:spTree>
+      <p:nvGrpSpPr>
+        <p:cNvPr id="1" name="Shape 502"/>
+        <p:cNvGrpSpPr/>
+        <p:nvPr/>
+      </p:nvGrpSpPr>
+      <p:grpSpPr>
+        <a:xfrm>
+          <a:off x="0" y="0"/>
+          <a:ext cx="0" cy="0"/>
+          <a:chOff x="0" y="0"/>
+          <a:chExt cx="0" cy="0"/>
+        </a:xfrm>
+      </p:grpSpPr>
+      <p:sp>
+        <p:nvSpPr>
+          <p:cNvPr id="503" name="Google Shape;503;g6c4305b01e_0_5:notes"/>
+          <p:cNvSpPr>
+            <a:spLocks noGrp="1" noRot="1" noChangeAspect="1"/>
+          </p:cNvSpPr>
+          <p:nvPr>
+            <p:ph type="sldImg" idx="2"/>
+          </p:nvPr>
+        </p:nvSpPr>
+        <p:spPr>
+          <a:xfrm>
+            <a:off x="381000" y="685800"/>
+            <a:ext cx="6096000" cy="3429000"/>
+          </a:xfrm>
+          <a:custGeom>
+            <a:avLst/>
+            <a:gdLst/>
+            <a:ahLst/>
+            <a:cxnLst/>
+            <a:rect l="l" t="t" r="r" b="b"/>
+            <a:pathLst>
+              <a:path w="120000" h="120000" extrusionOk="0">
+                <a:moveTo>
+                  <a:pt x="0" y="0"/>
+                </a:moveTo>
+                <a:lnTo>
+                  <a:pt x="120000" y="0"/>
+                </a:lnTo>
+                <a:lnTo>
+                  <a:pt x="120000" y="120000"/>
+                </a:lnTo>
+                <a:lnTo>
+                  <a:pt x="0" y="120000"/>
+                </a:lnTo>
+                <a:close/>
+              </a:path>
+            </a:pathLst>
+          </a:custGeom>
+        </p:spPr>
+      </p:sp>
+      <p:sp>
+        <p:nvSpPr>
+          <p:cNvPr id="504" name="Google Shape;504;g6c4305b01e_0_5:notes"/>
+          <p:cNvSpPr txBox="1">
+            <a:spLocks noGrp="1"/>
+          </p:cNvSpPr>
+          <p:nvPr>
+            <p:ph type="body" idx="1"/>
+          </p:nvPr>
+        </p:nvSpPr>
+        <p:spPr>
+          <a:xfrm>
+            <a:off x="685800" y="4343400"/>
+            <a:ext cx="5486400" cy="4114800"/>
+          </a:xfrm>
+          <a:prstGeom prst="rect">
+            <a:avLst/>
+          </a:prstGeom>
+        </p:spPr>
+        <p:txBody>
+          <a:bodyPr spcFirstLastPara="1" wrap="square" lIns="91425" tIns="91425" rIns="91425" bIns="91425" anchor="t" anchorCtr="0">
+            <a:noAutofit/>
+          </a:bodyPr>
+          <a:lstStyle/>
+          <a:p>
+            <a:pPr marL="171450" lvl="0" indent="-171450" algn="l" rtl="0">
+              <a:spcBef>
+                <a:spcPts val="0"/>
+              </a:spcBef>
+              <a:spcAft>
+                <a:spcPts val="0"/>
+              </a:spcAft>
+              <a:buFontTx/>
+              <a:buChar char="-"/>
+            </a:pPr>
+            <a:r>
+              <a:rPr lang="en-US" dirty="0"/>
+              <a:t>None of the models predict the actual change very well</a:t>
+            </a:r>
+          </a:p>
+          <a:p>
+            <a:pPr marL="171450" lvl="0" indent="-171450" algn="l" rtl="0">
+              <a:spcBef>
+                <a:spcPts val="0"/>
+              </a:spcBef>
+              <a:spcAft>
+                <a:spcPts val="0"/>
+              </a:spcAft>
+              <a:buFontTx/>
+              <a:buChar char="-"/>
+            </a:pPr>
+            <a:r>
+              <a:rPr lang="en-US" dirty="0"/>
+              <a:t>May need to consider numerous other factors to consider</a:t>
+            </a:r>
+          </a:p>
+          <a:p>
+            <a:pPr marL="171450" lvl="0" indent="-171450" algn="l" rtl="0">
+              <a:spcBef>
+                <a:spcPts val="0"/>
+              </a:spcBef>
+              <a:spcAft>
+                <a:spcPts val="0"/>
+              </a:spcAft>
+              <a:buFontTx/>
+              <a:buChar char="-"/>
+            </a:pPr>
+            <a:r>
+              <a:rPr lang="en-US" dirty="0"/>
+              <a:t> </a:t>
+            </a:r>
+            <a:endParaRPr dirty="0"/>
+          </a:p>
+        </p:txBody>
+      </p:sp>
+    </p:spTree>
+    <p:extLst>
+      <p:ext uri="{BB962C8B-B14F-4D97-AF65-F5344CB8AC3E}">
+        <p14:creationId xmlns:p14="http://schemas.microsoft.com/office/powerpoint/2010/main" val="1028171827"/>
+      </p:ext>
+    </p:extLst>
+  </p:cSld>
+  <p:clrMapOvr>
+    <a:masterClrMapping/>
+  </p:clrMapOvr>
+</p:notes>
+</file>
+
+<file path=ppt/notesSlides/notesSlide9.xml><?xml version="1.0" encoding="utf-8"?>
 <p:notes xmlns:a="http://schemas.openxmlformats.org/drawingml/2006/main" xmlns:r="http://schemas.openxmlformats.org/officeDocument/2006/relationships" xmlns:p="http://schemas.openxmlformats.org/presentationml/2006/main" showMasterSp="0" showMasterPhAnim="0">
   <p:cSld>
     <p:spTree>
@@ -5910,298 +6450,6 @@
     <p:extLst>
       <p:ext uri="{BB962C8B-B14F-4D97-AF65-F5344CB8AC3E}">
         <p14:creationId xmlns:p14="http://schemas.microsoft.com/office/powerpoint/2010/main" val="1857633158"/>
-      </p:ext>
-    </p:extLst>
-  </p:cSld>
-  <p:clrMapOvr>
-    <a:masterClrMapping/>
-  </p:clrMapOvr>
-</p:notes>
-</file>
-
-<file path=ppt/notesSlides/notesSlide6.xml><?xml version="1.0" encoding="utf-8"?>
-<p:notes xmlns:a="http://schemas.openxmlformats.org/drawingml/2006/main" xmlns:r="http://schemas.openxmlformats.org/officeDocument/2006/relationships" xmlns:p="http://schemas.openxmlformats.org/presentationml/2006/main" showMasterSp="0" showMasterPhAnim="0">
-  <p:cSld>
-    <p:spTree>
-      <p:nvGrpSpPr>
-        <p:cNvPr id="1" name="Shape 502"/>
-        <p:cNvGrpSpPr/>
-        <p:nvPr/>
-      </p:nvGrpSpPr>
-      <p:grpSpPr>
-        <a:xfrm>
-          <a:off x="0" y="0"/>
-          <a:ext cx="0" cy="0"/>
-          <a:chOff x="0" y="0"/>
-          <a:chExt cx="0" cy="0"/>
-        </a:xfrm>
-      </p:grpSpPr>
-      <p:sp>
-        <p:nvSpPr>
-          <p:cNvPr id="503" name="Google Shape;503;g6c4305b01e_0_5:notes"/>
-          <p:cNvSpPr>
-            <a:spLocks noGrp="1" noRot="1" noChangeAspect="1"/>
-          </p:cNvSpPr>
-          <p:nvPr>
-            <p:ph type="sldImg" idx="2"/>
-          </p:nvPr>
-        </p:nvSpPr>
-        <p:spPr>
-          <a:xfrm>
-            <a:off x="381000" y="685800"/>
-            <a:ext cx="6096000" cy="3429000"/>
-          </a:xfrm>
-          <a:custGeom>
-            <a:avLst/>
-            <a:gdLst/>
-            <a:ahLst/>
-            <a:cxnLst/>
-            <a:rect l="l" t="t" r="r" b="b"/>
-            <a:pathLst>
-              <a:path w="120000" h="120000" extrusionOk="0">
-                <a:moveTo>
-                  <a:pt x="0" y="0"/>
-                </a:moveTo>
-                <a:lnTo>
-                  <a:pt x="120000" y="0"/>
-                </a:lnTo>
-                <a:lnTo>
-                  <a:pt x="120000" y="120000"/>
-                </a:lnTo>
-                <a:lnTo>
-                  <a:pt x="0" y="120000"/>
-                </a:lnTo>
-                <a:close/>
-              </a:path>
-            </a:pathLst>
-          </a:custGeom>
-        </p:spPr>
-      </p:sp>
-      <p:sp>
-        <p:nvSpPr>
-          <p:cNvPr id="504" name="Google Shape;504;g6c4305b01e_0_5:notes"/>
-          <p:cNvSpPr txBox="1">
-            <a:spLocks noGrp="1"/>
-          </p:cNvSpPr>
-          <p:nvPr>
-            <p:ph type="body" idx="1"/>
-          </p:nvPr>
-        </p:nvSpPr>
-        <p:spPr>
-          <a:xfrm>
-            <a:off x="685800" y="4343400"/>
-            <a:ext cx="5486400" cy="4114800"/>
-          </a:xfrm>
-          <a:prstGeom prst="rect">
-            <a:avLst/>
-          </a:prstGeom>
-        </p:spPr>
-        <p:txBody>
-          <a:bodyPr spcFirstLastPara="1" wrap="square" lIns="91425" tIns="91425" rIns="91425" bIns="91425" anchor="t" anchorCtr="0">
-            <a:noAutofit/>
-          </a:bodyPr>
-          <a:lstStyle/>
-          <a:p>
-            <a:pPr marL="171450" lvl="0" indent="-171450" algn="l" rtl="0">
-              <a:spcBef>
-                <a:spcPts val="0"/>
-              </a:spcBef>
-              <a:spcAft>
-                <a:spcPts val="0"/>
-              </a:spcAft>
-              <a:buFontTx/>
-              <a:buChar char="-"/>
-            </a:pPr>
-            <a:r>
-              <a:rPr lang="en-US" dirty="0"/>
-              <a:t>None of the models predict the actual change very well</a:t>
-            </a:r>
-          </a:p>
-          <a:p>
-            <a:pPr marL="171450" lvl="0" indent="-171450" algn="l" rtl="0">
-              <a:spcBef>
-                <a:spcPts val="0"/>
-              </a:spcBef>
-              <a:spcAft>
-                <a:spcPts val="0"/>
-              </a:spcAft>
-              <a:buFontTx/>
-              <a:buChar char="-"/>
-            </a:pPr>
-            <a:r>
-              <a:rPr lang="en-US" dirty="0"/>
-              <a:t>May need to consider numerous other factors to consider</a:t>
-            </a:r>
-          </a:p>
-          <a:p>
-            <a:pPr marL="171450" lvl="0" indent="-171450" algn="l" rtl="0">
-              <a:spcBef>
-                <a:spcPts val="0"/>
-              </a:spcBef>
-              <a:spcAft>
-                <a:spcPts val="0"/>
-              </a:spcAft>
-              <a:buFontTx/>
-              <a:buChar char="-"/>
-            </a:pPr>
-            <a:r>
-              <a:rPr lang="en-US" dirty="0"/>
-              <a:t> </a:t>
-            </a:r>
-            <a:endParaRPr dirty="0"/>
-          </a:p>
-        </p:txBody>
-      </p:sp>
-    </p:spTree>
-    <p:extLst>
-      <p:ext uri="{BB962C8B-B14F-4D97-AF65-F5344CB8AC3E}">
-        <p14:creationId xmlns:p14="http://schemas.microsoft.com/office/powerpoint/2010/main" val="1028171827"/>
-      </p:ext>
-    </p:extLst>
-  </p:cSld>
-  <p:clrMapOvr>
-    <a:masterClrMapping/>
-  </p:clrMapOvr>
-</p:notes>
-</file>
-
-<file path=ppt/notesSlides/notesSlide7.xml><?xml version="1.0" encoding="utf-8"?>
-<p:notes xmlns:a="http://schemas.openxmlformats.org/drawingml/2006/main" xmlns:r="http://schemas.openxmlformats.org/officeDocument/2006/relationships" xmlns:p="http://schemas.openxmlformats.org/presentationml/2006/main" showMasterSp="0" showMasterPhAnim="0">
-  <p:cSld>
-    <p:spTree>
-      <p:nvGrpSpPr>
-        <p:cNvPr id="1" name="Shape 502"/>
-        <p:cNvGrpSpPr/>
-        <p:nvPr/>
-      </p:nvGrpSpPr>
-      <p:grpSpPr>
-        <a:xfrm>
-          <a:off x="0" y="0"/>
-          <a:ext cx="0" cy="0"/>
-          <a:chOff x="0" y="0"/>
-          <a:chExt cx="0" cy="0"/>
-        </a:xfrm>
-      </p:grpSpPr>
-      <p:sp>
-        <p:nvSpPr>
-          <p:cNvPr id="503" name="Google Shape;503;g6c4305b01e_0_5:notes"/>
-          <p:cNvSpPr>
-            <a:spLocks noGrp="1" noRot="1" noChangeAspect="1"/>
-          </p:cNvSpPr>
-          <p:nvPr>
-            <p:ph type="sldImg" idx="2"/>
-          </p:nvPr>
-        </p:nvSpPr>
-        <p:spPr>
-          <a:xfrm>
-            <a:off x="381000" y="685800"/>
-            <a:ext cx="6096000" cy="3429000"/>
-          </a:xfrm>
-          <a:custGeom>
-            <a:avLst/>
-            <a:gdLst/>
-            <a:ahLst/>
-            <a:cxnLst/>
-            <a:rect l="l" t="t" r="r" b="b"/>
-            <a:pathLst>
-              <a:path w="120000" h="120000" extrusionOk="0">
-                <a:moveTo>
-                  <a:pt x="0" y="0"/>
-                </a:moveTo>
-                <a:lnTo>
-                  <a:pt x="120000" y="0"/>
-                </a:lnTo>
-                <a:lnTo>
-                  <a:pt x="120000" y="120000"/>
-                </a:lnTo>
-                <a:lnTo>
-                  <a:pt x="0" y="120000"/>
-                </a:lnTo>
-                <a:close/>
-              </a:path>
-            </a:pathLst>
-          </a:custGeom>
-        </p:spPr>
-      </p:sp>
-      <p:sp>
-        <p:nvSpPr>
-          <p:cNvPr id="504" name="Google Shape;504;g6c4305b01e_0_5:notes"/>
-          <p:cNvSpPr txBox="1">
-            <a:spLocks noGrp="1"/>
-          </p:cNvSpPr>
-          <p:nvPr>
-            <p:ph type="body" idx="1"/>
-          </p:nvPr>
-        </p:nvSpPr>
-        <p:spPr>
-          <a:xfrm>
-            <a:off x="685800" y="4343400"/>
-            <a:ext cx="5486400" cy="4114800"/>
-          </a:xfrm>
-          <a:prstGeom prst="rect">
-            <a:avLst/>
-          </a:prstGeom>
-        </p:spPr>
-        <p:txBody>
-          <a:bodyPr spcFirstLastPara="1" wrap="square" lIns="91425" tIns="91425" rIns="91425" bIns="91425" anchor="t" anchorCtr="0">
-            <a:noAutofit/>
-          </a:bodyPr>
-          <a:lstStyle/>
-          <a:p>
-            <a:pPr marL="171450" lvl="0" indent="-171450" algn="l" rtl="0">
-              <a:spcBef>
-                <a:spcPts val="0"/>
-              </a:spcBef>
-              <a:spcAft>
-                <a:spcPts val="0"/>
-              </a:spcAft>
-              <a:buFontTx/>
-              <a:buChar char="-"/>
-            </a:pPr>
-            <a:r>
-              <a:rPr lang="en-US" dirty="0"/>
-              <a:t>None of the models predict the actual change very well</a:t>
-            </a:r>
-          </a:p>
-          <a:p>
-            <a:pPr marL="171450" lvl="0" indent="-171450" algn="l" rtl="0">
-              <a:spcBef>
-                <a:spcPts val="0"/>
-              </a:spcBef>
-              <a:spcAft>
-                <a:spcPts val="0"/>
-              </a:spcAft>
-              <a:buFontTx/>
-              <a:buChar char="-"/>
-            </a:pPr>
-            <a:r>
-              <a:rPr lang="en-US" dirty="0"/>
-              <a:t>May need to consider numerous other factors to consider</a:t>
-            </a:r>
-          </a:p>
-          <a:p>
-            <a:pPr marL="171450" lvl="0" indent="-171450" algn="l" rtl="0">
-              <a:spcBef>
-                <a:spcPts val="0"/>
-              </a:spcBef>
-              <a:spcAft>
-                <a:spcPts val="0"/>
-              </a:spcAft>
-              <a:buFontTx/>
-              <a:buChar char="-"/>
-            </a:pPr>
-            <a:r>
-              <a:rPr lang="en-US" dirty="0"/>
-              <a:t> </a:t>
-            </a:r>
-            <a:endParaRPr dirty="0"/>
-          </a:p>
-        </p:txBody>
-      </p:sp>
-    </p:spTree>
-    <p:extLst>
-      <p:ext uri="{BB962C8B-B14F-4D97-AF65-F5344CB8AC3E}">
-        <p14:creationId xmlns:p14="http://schemas.microsoft.com/office/powerpoint/2010/main" val="2533486135"/>
       </p:ext>
     </p:extLst>
   </p:cSld>
@@ -16979,6 +17227,4660 @@
 </p:sld>
 </file>
 
+<file path=ppt/slides/slide10.xml><?xml version="1.0" encoding="utf-8"?>
+<p:sld xmlns:a="http://schemas.openxmlformats.org/drawingml/2006/main" xmlns:r="http://schemas.openxmlformats.org/officeDocument/2006/relationships" xmlns:p="http://schemas.openxmlformats.org/presentationml/2006/main">
+  <p:cSld>
+    <p:spTree>
+      <p:nvGrpSpPr>
+        <p:cNvPr id="1" name=""/>
+        <p:cNvGrpSpPr/>
+        <p:nvPr/>
+      </p:nvGrpSpPr>
+      <p:grpSpPr>
+        <a:xfrm>
+          <a:off x="0" y="0"/>
+          <a:ext cx="0" cy="0"/>
+          <a:chOff x="0" y="0"/>
+          <a:chExt cx="0" cy="0"/>
+        </a:xfrm>
+      </p:grpSpPr>
+      <p:sp>
+        <p:nvSpPr>
+          <p:cNvPr id="21" name="Rectangle 20">
+            <a:extLst>
+              <a:ext uri="{FF2B5EF4-FFF2-40B4-BE49-F238E27FC236}">
+                <a16:creationId xmlns:a16="http://schemas.microsoft.com/office/drawing/2014/main" id="{2E2ED01A-53CA-0F46-B363-733847E6AB86}"/>
+              </a:ext>
+            </a:extLst>
+          </p:cNvPr>
+          <p:cNvSpPr/>
+          <p:nvPr/>
+        </p:nvSpPr>
+        <p:spPr>
+          <a:xfrm>
+            <a:off x="71120" y="945515"/>
+            <a:ext cx="9001760" cy="4012565"/>
+          </a:xfrm>
+          <a:prstGeom prst="rect">
+            <a:avLst/>
+          </a:prstGeom>
+          <a:solidFill>
+            <a:schemeClr val="bg1"/>
+          </a:solidFill>
+          <a:ln>
+            <a:noFill/>
+          </a:ln>
+        </p:spPr>
+        <p:style>
+          <a:lnRef idx="2">
+            <a:schemeClr val="accent1">
+              <a:shade val="50000"/>
+            </a:schemeClr>
+          </a:lnRef>
+          <a:fillRef idx="1">
+            <a:schemeClr val="accent1"/>
+          </a:fillRef>
+          <a:effectRef idx="0">
+            <a:schemeClr val="accent1"/>
+          </a:effectRef>
+          <a:fontRef idx="minor">
+            <a:schemeClr val="lt1"/>
+          </a:fontRef>
+        </p:style>
+        <p:txBody>
+          <a:bodyPr rtlCol="0" anchor="ctr"/>
+          <a:lstStyle/>
+          <a:p>
+            <a:pPr algn="ctr"/>
+            <a:endParaRPr lang="en-US"/>
+          </a:p>
+        </p:txBody>
+      </p:sp>
+      <p:sp>
+        <p:nvSpPr>
+          <p:cNvPr id="5" name="Google Shape;194;p26">
+            <a:extLst>
+              <a:ext uri="{FF2B5EF4-FFF2-40B4-BE49-F238E27FC236}">
+                <a16:creationId xmlns:a16="http://schemas.microsoft.com/office/drawing/2014/main" id="{E3A5686A-914D-004A-AF71-E84AA84B9029}"/>
+              </a:ext>
+            </a:extLst>
+          </p:cNvPr>
+          <p:cNvSpPr txBox="1">
+            <a:spLocks/>
+          </p:cNvSpPr>
+          <p:nvPr/>
+        </p:nvSpPr>
+        <p:spPr>
+          <a:xfrm>
+            <a:off x="274320" y="365760"/>
+            <a:ext cx="5913120" cy="577850"/>
+          </a:xfrm>
+          <a:prstGeom prst="rect">
+            <a:avLst/>
+          </a:prstGeom>
+          <a:noFill/>
+          <a:ln>
+            <a:noFill/>
+          </a:ln>
+        </p:spPr>
+        <p:txBody>
+          <a:bodyPr spcFirstLastPara="1" wrap="square" lIns="91425" tIns="91425" rIns="91425" bIns="91425" anchor="b" anchorCtr="0">
+            <a:noAutofit/>
+          </a:bodyPr>
+          <a:lstStyle>
+            <a:defPPr marR="0" lvl="0" algn="l" rtl="0">
+              <a:lnSpc>
+                <a:spcPct val="100000"/>
+              </a:lnSpc>
+              <a:spcBef>
+                <a:spcPts val="0"/>
+              </a:spcBef>
+              <a:spcAft>
+                <a:spcPts val="0"/>
+              </a:spcAft>
+            </a:defPPr>
+            <a:lvl1pPr marR="0" lvl="0" algn="l" rtl="0">
+              <a:lnSpc>
+                <a:spcPct val="100000"/>
+              </a:lnSpc>
+              <a:spcBef>
+                <a:spcPts val="0"/>
+              </a:spcBef>
+              <a:spcAft>
+                <a:spcPts val="0"/>
+              </a:spcAft>
+              <a:buClr>
+                <a:schemeClr val="lt1"/>
+              </a:buClr>
+              <a:buSzPts val="2800"/>
+              <a:buFont typeface="Share Tech"/>
+              <a:buNone/>
+              <a:defRPr sz="2800" b="0" i="0" u="none" strike="noStrike" cap="none">
+                <a:solidFill>
+                  <a:schemeClr val="lt1"/>
+                </a:solidFill>
+                <a:latin typeface="Share Tech"/>
+                <a:ea typeface="Share Tech"/>
+                <a:cs typeface="Share Tech"/>
+                <a:sym typeface="Share Tech"/>
+              </a:defRPr>
+            </a:lvl1pPr>
+            <a:lvl2pPr marR="0" lvl="1" algn="l" rtl="0">
+              <a:lnSpc>
+                <a:spcPct val="100000"/>
+              </a:lnSpc>
+              <a:spcBef>
+                <a:spcPts val="0"/>
+              </a:spcBef>
+              <a:spcAft>
+                <a:spcPts val="0"/>
+              </a:spcAft>
+              <a:buClr>
+                <a:schemeClr val="lt1"/>
+              </a:buClr>
+              <a:buSzPts val="2800"/>
+              <a:buFont typeface="Share Tech"/>
+              <a:buNone/>
+              <a:defRPr sz="2800" b="0" i="0" u="none" strike="noStrike" cap="none">
+                <a:solidFill>
+                  <a:schemeClr val="lt1"/>
+                </a:solidFill>
+                <a:latin typeface="Share Tech"/>
+                <a:ea typeface="Share Tech"/>
+                <a:cs typeface="Share Tech"/>
+                <a:sym typeface="Share Tech"/>
+              </a:defRPr>
+            </a:lvl2pPr>
+            <a:lvl3pPr marR="0" lvl="2" algn="l" rtl="0">
+              <a:lnSpc>
+                <a:spcPct val="100000"/>
+              </a:lnSpc>
+              <a:spcBef>
+                <a:spcPts val="0"/>
+              </a:spcBef>
+              <a:spcAft>
+                <a:spcPts val="0"/>
+              </a:spcAft>
+              <a:buClr>
+                <a:schemeClr val="lt1"/>
+              </a:buClr>
+              <a:buSzPts val="2800"/>
+              <a:buFont typeface="Share Tech"/>
+              <a:buNone/>
+              <a:defRPr sz="2800" b="0" i="0" u="none" strike="noStrike" cap="none">
+                <a:solidFill>
+                  <a:schemeClr val="lt1"/>
+                </a:solidFill>
+                <a:latin typeface="Share Tech"/>
+                <a:ea typeface="Share Tech"/>
+                <a:cs typeface="Share Tech"/>
+                <a:sym typeface="Share Tech"/>
+              </a:defRPr>
+            </a:lvl3pPr>
+            <a:lvl4pPr marR="0" lvl="3" algn="l" rtl="0">
+              <a:lnSpc>
+                <a:spcPct val="100000"/>
+              </a:lnSpc>
+              <a:spcBef>
+                <a:spcPts val="0"/>
+              </a:spcBef>
+              <a:spcAft>
+                <a:spcPts val="0"/>
+              </a:spcAft>
+              <a:buClr>
+                <a:schemeClr val="lt1"/>
+              </a:buClr>
+              <a:buSzPts val="2800"/>
+              <a:buFont typeface="Share Tech"/>
+              <a:buNone/>
+              <a:defRPr sz="2800" b="0" i="0" u="none" strike="noStrike" cap="none">
+                <a:solidFill>
+                  <a:schemeClr val="lt1"/>
+                </a:solidFill>
+                <a:latin typeface="Share Tech"/>
+                <a:ea typeface="Share Tech"/>
+                <a:cs typeface="Share Tech"/>
+                <a:sym typeface="Share Tech"/>
+              </a:defRPr>
+            </a:lvl4pPr>
+            <a:lvl5pPr marR="0" lvl="4" algn="l" rtl="0">
+              <a:lnSpc>
+                <a:spcPct val="100000"/>
+              </a:lnSpc>
+              <a:spcBef>
+                <a:spcPts val="0"/>
+              </a:spcBef>
+              <a:spcAft>
+                <a:spcPts val="0"/>
+              </a:spcAft>
+              <a:buClr>
+                <a:schemeClr val="lt1"/>
+              </a:buClr>
+              <a:buSzPts val="2800"/>
+              <a:buFont typeface="Share Tech"/>
+              <a:buNone/>
+              <a:defRPr sz="2800" b="0" i="0" u="none" strike="noStrike" cap="none">
+                <a:solidFill>
+                  <a:schemeClr val="lt1"/>
+                </a:solidFill>
+                <a:latin typeface="Share Tech"/>
+                <a:ea typeface="Share Tech"/>
+                <a:cs typeface="Share Tech"/>
+                <a:sym typeface="Share Tech"/>
+              </a:defRPr>
+            </a:lvl5pPr>
+            <a:lvl6pPr marR="0" lvl="5" algn="l" rtl="0">
+              <a:lnSpc>
+                <a:spcPct val="100000"/>
+              </a:lnSpc>
+              <a:spcBef>
+                <a:spcPts val="0"/>
+              </a:spcBef>
+              <a:spcAft>
+                <a:spcPts val="0"/>
+              </a:spcAft>
+              <a:buClr>
+                <a:schemeClr val="lt1"/>
+              </a:buClr>
+              <a:buSzPts val="2800"/>
+              <a:buFont typeface="Share Tech"/>
+              <a:buNone/>
+              <a:defRPr sz="2800" b="0" i="0" u="none" strike="noStrike" cap="none">
+                <a:solidFill>
+                  <a:schemeClr val="lt1"/>
+                </a:solidFill>
+                <a:latin typeface="Share Tech"/>
+                <a:ea typeface="Share Tech"/>
+                <a:cs typeface="Share Tech"/>
+                <a:sym typeface="Share Tech"/>
+              </a:defRPr>
+            </a:lvl6pPr>
+            <a:lvl7pPr marR="0" lvl="6" algn="l" rtl="0">
+              <a:lnSpc>
+                <a:spcPct val="100000"/>
+              </a:lnSpc>
+              <a:spcBef>
+                <a:spcPts val="0"/>
+              </a:spcBef>
+              <a:spcAft>
+                <a:spcPts val="0"/>
+              </a:spcAft>
+              <a:buClr>
+                <a:schemeClr val="lt1"/>
+              </a:buClr>
+              <a:buSzPts val="2800"/>
+              <a:buFont typeface="Share Tech"/>
+              <a:buNone/>
+              <a:defRPr sz="2800" b="0" i="0" u="none" strike="noStrike" cap="none">
+                <a:solidFill>
+                  <a:schemeClr val="lt1"/>
+                </a:solidFill>
+                <a:latin typeface="Share Tech"/>
+                <a:ea typeface="Share Tech"/>
+                <a:cs typeface="Share Tech"/>
+                <a:sym typeface="Share Tech"/>
+              </a:defRPr>
+            </a:lvl7pPr>
+            <a:lvl8pPr marR="0" lvl="7" algn="l" rtl="0">
+              <a:lnSpc>
+                <a:spcPct val="100000"/>
+              </a:lnSpc>
+              <a:spcBef>
+                <a:spcPts val="0"/>
+              </a:spcBef>
+              <a:spcAft>
+                <a:spcPts val="0"/>
+              </a:spcAft>
+              <a:buClr>
+                <a:schemeClr val="lt1"/>
+              </a:buClr>
+              <a:buSzPts val="2800"/>
+              <a:buFont typeface="Share Tech"/>
+              <a:buNone/>
+              <a:defRPr sz="2800" b="0" i="0" u="none" strike="noStrike" cap="none">
+                <a:solidFill>
+                  <a:schemeClr val="lt1"/>
+                </a:solidFill>
+                <a:latin typeface="Share Tech"/>
+                <a:ea typeface="Share Tech"/>
+                <a:cs typeface="Share Tech"/>
+                <a:sym typeface="Share Tech"/>
+              </a:defRPr>
+            </a:lvl8pPr>
+            <a:lvl9pPr marR="0" lvl="8" algn="l" rtl="0">
+              <a:lnSpc>
+                <a:spcPct val="100000"/>
+              </a:lnSpc>
+              <a:spcBef>
+                <a:spcPts val="0"/>
+              </a:spcBef>
+              <a:spcAft>
+                <a:spcPts val="0"/>
+              </a:spcAft>
+              <a:buClr>
+                <a:schemeClr val="lt1"/>
+              </a:buClr>
+              <a:buSzPts val="2800"/>
+              <a:buFont typeface="Share Tech"/>
+              <a:buNone/>
+              <a:defRPr sz="2800" b="0" i="0" u="none" strike="noStrike" cap="none">
+                <a:solidFill>
+                  <a:schemeClr val="lt1"/>
+                </a:solidFill>
+                <a:latin typeface="Share Tech"/>
+                <a:ea typeface="Share Tech"/>
+                <a:cs typeface="Share Tech"/>
+                <a:sym typeface="Share Tech"/>
+              </a:defRPr>
+            </a:lvl9pPr>
+          </a:lstStyle>
+          <a:p>
+            <a:r>
+              <a:rPr lang="en-US" sz="3000" dirty="0"/>
+              <a:t>Modeling –SARIMAX</a:t>
+            </a:r>
+          </a:p>
+        </p:txBody>
+      </p:sp>
+      <p:pic>
+        <p:nvPicPr>
+          <p:cNvPr id="4108" name="Picture 12">
+            <a:extLst>
+              <a:ext uri="{FF2B5EF4-FFF2-40B4-BE49-F238E27FC236}">
+                <a16:creationId xmlns:a16="http://schemas.microsoft.com/office/drawing/2014/main" id="{60DF385B-C5E8-3F47-9BAD-6921EA72B911}"/>
+              </a:ext>
+            </a:extLst>
+          </p:cNvPr>
+          <p:cNvPicPr>
+            <a:picLocks noChangeAspect="1" noChangeArrowheads="1"/>
+          </p:cNvPicPr>
+          <p:nvPr/>
+        </p:nvPicPr>
+        <p:blipFill>
+          <a:blip r:embed="rId2">
+            <a:extLst>
+              <a:ext uri="{28A0092B-C50C-407E-A947-70E740481C1C}">
+                <a14:useLocalDpi xmlns:a14="http://schemas.microsoft.com/office/drawing/2010/main" val="0"/>
+              </a:ext>
+            </a:extLst>
+          </a:blip>
+          <a:srcRect/>
+          <a:stretch>
+            <a:fillRect/>
+          </a:stretch>
+        </p:blipFill>
+        <p:spPr bwMode="auto">
+          <a:xfrm>
+            <a:off x="73151" y="941832"/>
+            <a:ext cx="4471416" cy="1822723"/>
+          </a:xfrm>
+          <a:prstGeom prst="rect">
+            <a:avLst/>
+          </a:prstGeom>
+          <a:noFill/>
+          <a:extLst>
+            <a:ext uri="{909E8E84-426E-40DD-AFC4-6F175D3DCCD1}">
+              <a14:hiddenFill xmlns:a14="http://schemas.microsoft.com/office/drawing/2010/main">
+                <a:solidFill>
+                  <a:srgbClr val="FFFFFF"/>
+                </a:solidFill>
+              </a14:hiddenFill>
+            </a:ext>
+          </a:extLst>
+        </p:spPr>
+      </p:pic>
+      <p:pic>
+        <p:nvPicPr>
+          <p:cNvPr id="4110" name="Picture 14">
+            <a:extLst>
+              <a:ext uri="{FF2B5EF4-FFF2-40B4-BE49-F238E27FC236}">
+                <a16:creationId xmlns:a16="http://schemas.microsoft.com/office/drawing/2014/main" id="{040C955A-071E-3B45-A190-15B065E1CBE5}"/>
+              </a:ext>
+            </a:extLst>
+          </p:cNvPr>
+          <p:cNvPicPr>
+            <a:picLocks noChangeAspect="1" noChangeArrowheads="1"/>
+          </p:cNvPicPr>
+          <p:nvPr/>
+        </p:nvPicPr>
+        <p:blipFill>
+          <a:blip r:embed="rId3">
+            <a:extLst>
+              <a:ext uri="{28A0092B-C50C-407E-A947-70E740481C1C}">
+                <a14:useLocalDpi xmlns:a14="http://schemas.microsoft.com/office/drawing/2010/main" val="0"/>
+              </a:ext>
+            </a:extLst>
+          </a:blip>
+          <a:srcRect/>
+          <a:stretch>
+            <a:fillRect/>
+          </a:stretch>
+        </p:blipFill>
+        <p:spPr bwMode="auto">
+          <a:xfrm>
+            <a:off x="73151" y="3136392"/>
+            <a:ext cx="4471416" cy="1822723"/>
+          </a:xfrm>
+          <a:prstGeom prst="rect">
+            <a:avLst/>
+          </a:prstGeom>
+          <a:noFill/>
+          <a:extLst>
+            <a:ext uri="{909E8E84-426E-40DD-AFC4-6F175D3DCCD1}">
+              <a14:hiddenFill xmlns:a14="http://schemas.microsoft.com/office/drawing/2010/main">
+                <a:solidFill>
+                  <a:srgbClr val="FFFFFF"/>
+                </a:solidFill>
+              </a14:hiddenFill>
+            </a:ext>
+          </a:extLst>
+        </p:spPr>
+      </p:pic>
+      <p:pic>
+        <p:nvPicPr>
+          <p:cNvPr id="4112" name="Picture 16">
+            <a:extLst>
+              <a:ext uri="{FF2B5EF4-FFF2-40B4-BE49-F238E27FC236}">
+                <a16:creationId xmlns:a16="http://schemas.microsoft.com/office/drawing/2014/main" id="{653E4604-2251-DC4B-B1AC-512A6E14CF6F}"/>
+              </a:ext>
+            </a:extLst>
+          </p:cNvPr>
+          <p:cNvPicPr>
+            <a:picLocks noChangeAspect="1" noChangeArrowheads="1"/>
+          </p:cNvPicPr>
+          <p:nvPr/>
+        </p:nvPicPr>
+        <p:blipFill>
+          <a:blip r:embed="rId4">
+            <a:extLst>
+              <a:ext uri="{28A0092B-C50C-407E-A947-70E740481C1C}">
+                <a14:useLocalDpi xmlns:a14="http://schemas.microsoft.com/office/drawing/2010/main" val="0"/>
+              </a:ext>
+            </a:extLst>
+          </a:blip>
+          <a:srcRect/>
+          <a:stretch>
+            <a:fillRect/>
+          </a:stretch>
+        </p:blipFill>
+        <p:spPr bwMode="auto">
+          <a:xfrm>
+            <a:off x="4517135" y="941832"/>
+            <a:ext cx="4471416" cy="1822723"/>
+          </a:xfrm>
+          <a:prstGeom prst="rect">
+            <a:avLst/>
+          </a:prstGeom>
+          <a:noFill/>
+          <a:extLst>
+            <a:ext uri="{909E8E84-426E-40DD-AFC4-6F175D3DCCD1}">
+              <a14:hiddenFill xmlns:a14="http://schemas.microsoft.com/office/drawing/2010/main">
+                <a:solidFill>
+                  <a:srgbClr val="FFFFFF"/>
+                </a:solidFill>
+              </a14:hiddenFill>
+            </a:ext>
+          </a:extLst>
+        </p:spPr>
+      </p:pic>
+      <p:pic>
+        <p:nvPicPr>
+          <p:cNvPr id="4114" name="Picture 18">
+            <a:extLst>
+              <a:ext uri="{FF2B5EF4-FFF2-40B4-BE49-F238E27FC236}">
+                <a16:creationId xmlns:a16="http://schemas.microsoft.com/office/drawing/2014/main" id="{0215EC91-EFA5-6040-865F-293D92B35320}"/>
+              </a:ext>
+            </a:extLst>
+          </p:cNvPr>
+          <p:cNvPicPr>
+            <a:picLocks noChangeAspect="1" noChangeArrowheads="1"/>
+          </p:cNvPicPr>
+          <p:nvPr/>
+        </p:nvPicPr>
+        <p:blipFill>
+          <a:blip r:embed="rId5">
+            <a:extLst>
+              <a:ext uri="{28A0092B-C50C-407E-A947-70E740481C1C}">
+                <a14:useLocalDpi xmlns:a14="http://schemas.microsoft.com/office/drawing/2010/main" val="0"/>
+              </a:ext>
+            </a:extLst>
+          </a:blip>
+          <a:srcRect/>
+          <a:stretch>
+            <a:fillRect/>
+          </a:stretch>
+        </p:blipFill>
+        <p:spPr bwMode="auto">
+          <a:xfrm>
+            <a:off x="4517135" y="3136392"/>
+            <a:ext cx="4471416" cy="1822723"/>
+          </a:xfrm>
+          <a:prstGeom prst="rect">
+            <a:avLst/>
+          </a:prstGeom>
+          <a:noFill/>
+          <a:extLst>
+            <a:ext uri="{909E8E84-426E-40DD-AFC4-6F175D3DCCD1}">
+              <a14:hiddenFill xmlns:a14="http://schemas.microsoft.com/office/drawing/2010/main">
+                <a:solidFill>
+                  <a:srgbClr val="FFFFFF"/>
+                </a:solidFill>
+              </a14:hiddenFill>
+            </a:ext>
+          </a:extLst>
+        </p:spPr>
+      </p:pic>
+      <p:sp>
+        <p:nvSpPr>
+          <p:cNvPr id="22" name="Google Shape;713;p34">
+            <a:extLst>
+              <a:ext uri="{FF2B5EF4-FFF2-40B4-BE49-F238E27FC236}">
+                <a16:creationId xmlns:a16="http://schemas.microsoft.com/office/drawing/2014/main" id="{6C76F209-B4AE-9A46-BFA3-F647033DA485}"/>
+              </a:ext>
+            </a:extLst>
+          </p:cNvPr>
+          <p:cNvSpPr txBox="1">
+            <a:spLocks/>
+          </p:cNvSpPr>
+          <p:nvPr/>
+        </p:nvSpPr>
+        <p:spPr>
+          <a:xfrm>
+            <a:off x="651418" y="2677795"/>
+            <a:ext cx="6330588" cy="1651000"/>
+          </a:xfrm>
+          <a:prstGeom prst="rect">
+            <a:avLst/>
+          </a:prstGeom>
+          <a:noFill/>
+          <a:ln>
+            <a:noFill/>
+          </a:ln>
+        </p:spPr>
+        <p:txBody>
+          <a:bodyPr spcFirstLastPara="1" wrap="square" lIns="182880" tIns="91425" rIns="91425" bIns="91425" anchor="b" anchorCtr="0">
+            <a:noAutofit/>
+          </a:bodyPr>
+          <a:lstStyle>
+            <a:defPPr marR="0" lvl="0" algn="l" rtl="0">
+              <a:lnSpc>
+                <a:spcPct val="100000"/>
+              </a:lnSpc>
+              <a:spcBef>
+                <a:spcPts val="0"/>
+              </a:spcBef>
+              <a:spcAft>
+                <a:spcPts val="0"/>
+              </a:spcAft>
+            </a:defPPr>
+            <a:lvl1pPr marR="0" lvl="0" algn="l" rtl="0">
+              <a:lnSpc>
+                <a:spcPct val="100000"/>
+              </a:lnSpc>
+              <a:spcBef>
+                <a:spcPts val="0"/>
+              </a:spcBef>
+              <a:spcAft>
+                <a:spcPts val="0"/>
+              </a:spcAft>
+              <a:buClr>
+                <a:srgbClr val="000000"/>
+              </a:buClr>
+              <a:buSzPts val="3600"/>
+              <a:buFont typeface="Share Tech"/>
+              <a:buNone/>
+              <a:defRPr sz="3000" b="0" i="0" u="none" strike="noStrike" cap="none">
+                <a:solidFill>
+                  <a:schemeClr val="lt1"/>
+                </a:solidFill>
+                <a:latin typeface="Share Tech"/>
+                <a:ea typeface="Share Tech"/>
+                <a:cs typeface="Share Tech"/>
+                <a:sym typeface="Share Tech"/>
+              </a:defRPr>
+            </a:lvl1pPr>
+            <a:lvl2pPr marR="0" lvl="1" algn="ctr" rtl="0">
+              <a:lnSpc>
+                <a:spcPct val="100000"/>
+              </a:lnSpc>
+              <a:spcBef>
+                <a:spcPts val="0"/>
+              </a:spcBef>
+              <a:spcAft>
+                <a:spcPts val="0"/>
+              </a:spcAft>
+              <a:buClr>
+                <a:srgbClr val="D9D9D9"/>
+              </a:buClr>
+              <a:buSzPts val="1800"/>
+              <a:buFont typeface="Share Tech"/>
+              <a:buNone/>
+              <a:defRPr sz="1800" b="0" i="0" u="none" strike="noStrike" cap="none">
+                <a:solidFill>
+                  <a:srgbClr val="D9D9D9"/>
+                </a:solidFill>
+                <a:latin typeface="Share Tech"/>
+                <a:ea typeface="Share Tech"/>
+                <a:cs typeface="Share Tech"/>
+                <a:sym typeface="Share Tech"/>
+              </a:defRPr>
+            </a:lvl2pPr>
+            <a:lvl3pPr marR="0" lvl="2" algn="ctr" rtl="0">
+              <a:lnSpc>
+                <a:spcPct val="100000"/>
+              </a:lnSpc>
+              <a:spcBef>
+                <a:spcPts val="0"/>
+              </a:spcBef>
+              <a:spcAft>
+                <a:spcPts val="0"/>
+              </a:spcAft>
+              <a:buClr>
+                <a:srgbClr val="D9D9D9"/>
+              </a:buClr>
+              <a:buSzPts val="1800"/>
+              <a:buFont typeface="Share Tech"/>
+              <a:buNone/>
+              <a:defRPr sz="1800" b="0" i="0" u="none" strike="noStrike" cap="none">
+                <a:solidFill>
+                  <a:srgbClr val="D9D9D9"/>
+                </a:solidFill>
+                <a:latin typeface="Share Tech"/>
+                <a:ea typeface="Share Tech"/>
+                <a:cs typeface="Share Tech"/>
+                <a:sym typeface="Share Tech"/>
+              </a:defRPr>
+            </a:lvl3pPr>
+            <a:lvl4pPr marR="0" lvl="3" algn="ctr" rtl="0">
+              <a:lnSpc>
+                <a:spcPct val="100000"/>
+              </a:lnSpc>
+              <a:spcBef>
+                <a:spcPts val="0"/>
+              </a:spcBef>
+              <a:spcAft>
+                <a:spcPts val="0"/>
+              </a:spcAft>
+              <a:buClr>
+                <a:srgbClr val="D9D9D9"/>
+              </a:buClr>
+              <a:buSzPts val="1800"/>
+              <a:buFont typeface="Share Tech"/>
+              <a:buNone/>
+              <a:defRPr sz="1800" b="0" i="0" u="none" strike="noStrike" cap="none">
+                <a:solidFill>
+                  <a:srgbClr val="D9D9D9"/>
+                </a:solidFill>
+                <a:latin typeface="Share Tech"/>
+                <a:ea typeface="Share Tech"/>
+                <a:cs typeface="Share Tech"/>
+                <a:sym typeface="Share Tech"/>
+              </a:defRPr>
+            </a:lvl4pPr>
+            <a:lvl5pPr marR="0" lvl="4" algn="ctr" rtl="0">
+              <a:lnSpc>
+                <a:spcPct val="100000"/>
+              </a:lnSpc>
+              <a:spcBef>
+                <a:spcPts val="0"/>
+              </a:spcBef>
+              <a:spcAft>
+                <a:spcPts val="0"/>
+              </a:spcAft>
+              <a:buClr>
+                <a:srgbClr val="D9D9D9"/>
+              </a:buClr>
+              <a:buSzPts val="1800"/>
+              <a:buFont typeface="Share Tech"/>
+              <a:buNone/>
+              <a:defRPr sz="1800" b="0" i="0" u="none" strike="noStrike" cap="none">
+                <a:solidFill>
+                  <a:srgbClr val="D9D9D9"/>
+                </a:solidFill>
+                <a:latin typeface="Share Tech"/>
+                <a:ea typeface="Share Tech"/>
+                <a:cs typeface="Share Tech"/>
+                <a:sym typeface="Share Tech"/>
+              </a:defRPr>
+            </a:lvl5pPr>
+            <a:lvl6pPr marR="0" lvl="5" algn="ctr" rtl="0">
+              <a:lnSpc>
+                <a:spcPct val="100000"/>
+              </a:lnSpc>
+              <a:spcBef>
+                <a:spcPts val="0"/>
+              </a:spcBef>
+              <a:spcAft>
+                <a:spcPts val="0"/>
+              </a:spcAft>
+              <a:buClr>
+                <a:srgbClr val="D9D9D9"/>
+              </a:buClr>
+              <a:buSzPts val="1800"/>
+              <a:buFont typeface="Share Tech"/>
+              <a:buNone/>
+              <a:defRPr sz="1800" b="0" i="0" u="none" strike="noStrike" cap="none">
+                <a:solidFill>
+                  <a:srgbClr val="D9D9D9"/>
+                </a:solidFill>
+                <a:latin typeface="Share Tech"/>
+                <a:ea typeface="Share Tech"/>
+                <a:cs typeface="Share Tech"/>
+                <a:sym typeface="Share Tech"/>
+              </a:defRPr>
+            </a:lvl6pPr>
+            <a:lvl7pPr marR="0" lvl="6" algn="ctr" rtl="0">
+              <a:lnSpc>
+                <a:spcPct val="100000"/>
+              </a:lnSpc>
+              <a:spcBef>
+                <a:spcPts val="0"/>
+              </a:spcBef>
+              <a:spcAft>
+                <a:spcPts val="0"/>
+              </a:spcAft>
+              <a:buClr>
+                <a:srgbClr val="D9D9D9"/>
+              </a:buClr>
+              <a:buSzPts val="1800"/>
+              <a:buFont typeface="Share Tech"/>
+              <a:buNone/>
+              <a:defRPr sz="1800" b="0" i="0" u="none" strike="noStrike" cap="none">
+                <a:solidFill>
+                  <a:srgbClr val="D9D9D9"/>
+                </a:solidFill>
+                <a:latin typeface="Share Tech"/>
+                <a:ea typeface="Share Tech"/>
+                <a:cs typeface="Share Tech"/>
+                <a:sym typeface="Share Tech"/>
+              </a:defRPr>
+            </a:lvl7pPr>
+            <a:lvl8pPr marR="0" lvl="7" algn="ctr" rtl="0">
+              <a:lnSpc>
+                <a:spcPct val="100000"/>
+              </a:lnSpc>
+              <a:spcBef>
+                <a:spcPts val="0"/>
+              </a:spcBef>
+              <a:spcAft>
+                <a:spcPts val="0"/>
+              </a:spcAft>
+              <a:buClr>
+                <a:srgbClr val="D9D9D9"/>
+              </a:buClr>
+              <a:buSzPts val="1800"/>
+              <a:buFont typeface="Share Tech"/>
+              <a:buNone/>
+              <a:defRPr sz="1800" b="0" i="0" u="none" strike="noStrike" cap="none">
+                <a:solidFill>
+                  <a:srgbClr val="D9D9D9"/>
+                </a:solidFill>
+                <a:latin typeface="Share Tech"/>
+                <a:ea typeface="Share Tech"/>
+                <a:cs typeface="Share Tech"/>
+                <a:sym typeface="Share Tech"/>
+              </a:defRPr>
+            </a:lvl8pPr>
+            <a:lvl9pPr marR="0" lvl="8" algn="ctr" rtl="0">
+              <a:lnSpc>
+                <a:spcPct val="100000"/>
+              </a:lnSpc>
+              <a:spcBef>
+                <a:spcPts val="0"/>
+              </a:spcBef>
+              <a:spcAft>
+                <a:spcPts val="0"/>
+              </a:spcAft>
+              <a:buClr>
+                <a:srgbClr val="D9D9D9"/>
+              </a:buClr>
+              <a:buSzPts val="1800"/>
+              <a:buFont typeface="Share Tech"/>
+              <a:buNone/>
+              <a:defRPr sz="1800" b="0" i="0" u="none" strike="noStrike" cap="none">
+                <a:solidFill>
+                  <a:srgbClr val="D9D9D9"/>
+                </a:solidFill>
+                <a:latin typeface="Share Tech"/>
+                <a:ea typeface="Share Tech"/>
+                <a:cs typeface="Share Tech"/>
+                <a:sym typeface="Share Tech"/>
+              </a:defRPr>
+            </a:lvl9pPr>
+          </a:lstStyle>
+          <a:p>
+            <a:pPr>
+              <a:buClr>
+                <a:schemeClr val="bg1"/>
+              </a:buClr>
+              <a:buSzPct val="100000"/>
+            </a:pPr>
+            <a:endParaRPr lang="en-US" sz="1800" b="1" dirty="0">
+              <a:solidFill>
+                <a:schemeClr val="bg2"/>
+              </a:solidFill>
+            </a:endParaRPr>
+          </a:p>
+          <a:p>
+            <a:pPr>
+              <a:buClr>
+                <a:schemeClr val="bg1"/>
+              </a:buClr>
+              <a:buSzPct val="100000"/>
+            </a:pPr>
+            <a:r>
+              <a:rPr lang="en-US" sz="1800" b="1" dirty="0">
+                <a:solidFill>
+                  <a:schemeClr val="bg2"/>
+                </a:solidFill>
+              </a:rPr>
+              <a:t>Los Angeles                                                             Inyo</a:t>
+            </a:r>
+          </a:p>
+          <a:p>
+            <a:pPr>
+              <a:buClr>
+                <a:schemeClr val="bg1"/>
+              </a:buClr>
+              <a:buSzPct val="100000"/>
+            </a:pPr>
+            <a:endParaRPr lang="en-US" sz="1800" b="1" dirty="0">
+              <a:solidFill>
+                <a:schemeClr val="bg2"/>
+              </a:solidFill>
+            </a:endParaRPr>
+          </a:p>
+          <a:p>
+            <a:pPr>
+              <a:buClr>
+                <a:schemeClr val="bg1"/>
+              </a:buClr>
+              <a:buSzPct val="100000"/>
+            </a:pPr>
+            <a:endParaRPr lang="en-US" sz="1800" b="1" dirty="0">
+              <a:solidFill>
+                <a:schemeClr val="bg2"/>
+              </a:solidFill>
+            </a:endParaRPr>
+          </a:p>
+          <a:p>
+            <a:pPr>
+              <a:buClr>
+                <a:schemeClr val="bg1"/>
+              </a:buClr>
+              <a:buSzPct val="100000"/>
+            </a:pPr>
+            <a:endParaRPr lang="en-US" sz="1800" b="1" dirty="0">
+              <a:solidFill>
+                <a:schemeClr val="bg2"/>
+              </a:solidFill>
+            </a:endParaRPr>
+          </a:p>
+          <a:p>
+            <a:pPr>
+              <a:buClr>
+                <a:schemeClr val="bg1"/>
+              </a:buClr>
+              <a:buSzPct val="100000"/>
+            </a:pPr>
+            <a:endParaRPr lang="en-US" sz="1800" b="1" dirty="0">
+              <a:solidFill>
+                <a:schemeClr val="bg2"/>
+              </a:solidFill>
+            </a:endParaRPr>
+          </a:p>
+          <a:p>
+            <a:pPr>
+              <a:buClr>
+                <a:schemeClr val="bg1"/>
+              </a:buClr>
+              <a:buSzPct val="100000"/>
+            </a:pPr>
+            <a:endParaRPr lang="en-US" sz="1800" b="1" dirty="0">
+              <a:solidFill>
+                <a:schemeClr val="bg2"/>
+              </a:solidFill>
+            </a:endParaRPr>
+          </a:p>
+          <a:p>
+            <a:pPr>
+              <a:buClr>
+                <a:schemeClr val="bg1"/>
+              </a:buClr>
+              <a:buSzPct val="100000"/>
+            </a:pPr>
+            <a:endParaRPr lang="en-US" sz="1800" b="1" dirty="0">
+              <a:solidFill>
+                <a:schemeClr val="bg2"/>
+              </a:solidFill>
+            </a:endParaRPr>
+          </a:p>
+          <a:p>
+            <a:pPr>
+              <a:buClr>
+                <a:schemeClr val="bg1"/>
+              </a:buClr>
+              <a:buSzPct val="100000"/>
+            </a:pPr>
+            <a:endParaRPr lang="en-US" sz="1800" b="1" dirty="0">
+              <a:solidFill>
+                <a:schemeClr val="bg2"/>
+              </a:solidFill>
+            </a:endParaRPr>
+          </a:p>
+          <a:p>
+            <a:pPr>
+              <a:buClr>
+                <a:schemeClr val="bg1"/>
+              </a:buClr>
+              <a:buSzPct val="100000"/>
+            </a:pPr>
+            <a:endParaRPr lang="en-US" sz="1800" b="1" dirty="0">
+              <a:solidFill>
+                <a:schemeClr val="bg2"/>
+              </a:solidFill>
+            </a:endParaRPr>
+          </a:p>
+          <a:p>
+            <a:pPr>
+              <a:buClr>
+                <a:schemeClr val="bg1"/>
+              </a:buClr>
+              <a:buSzPct val="100000"/>
+            </a:pPr>
+            <a:r>
+              <a:rPr lang="en-US" sz="1800" b="1" dirty="0">
+                <a:solidFill>
+                  <a:schemeClr val="bg2"/>
+                </a:solidFill>
+              </a:rPr>
+              <a:t>Colusa                                                                     Riverside</a:t>
+            </a:r>
+          </a:p>
+        </p:txBody>
+      </p:sp>
+    </p:spTree>
+    <p:extLst>
+      <p:ext uri="{BB962C8B-B14F-4D97-AF65-F5344CB8AC3E}">
+        <p14:creationId xmlns:p14="http://schemas.microsoft.com/office/powerpoint/2010/main" val="4254326216"/>
+      </p:ext>
+    </p:extLst>
+  </p:cSld>
+  <p:clrMapOvr>
+    <a:masterClrMapping/>
+  </p:clrMapOvr>
+</p:sld>
+</file>
+
+<file path=ppt/slides/slide11.xml><?xml version="1.0" encoding="utf-8"?>
+<p:sld xmlns:a="http://schemas.openxmlformats.org/drawingml/2006/main" xmlns:r="http://schemas.openxmlformats.org/officeDocument/2006/relationships" xmlns:p="http://schemas.openxmlformats.org/presentationml/2006/main" showMasterSp="0">
+  <p:cSld>
+    <p:spTree>
+      <p:nvGrpSpPr>
+        <p:cNvPr id="1" name="Shape 505"/>
+        <p:cNvGrpSpPr/>
+        <p:nvPr/>
+      </p:nvGrpSpPr>
+      <p:grpSpPr>
+        <a:xfrm>
+          <a:off x="0" y="0"/>
+          <a:ext cx="0" cy="0"/>
+          <a:chOff x="0" y="0"/>
+          <a:chExt cx="0" cy="0"/>
+        </a:xfrm>
+      </p:grpSpPr>
+      <p:sp>
+        <p:nvSpPr>
+          <p:cNvPr id="15" name="Rectangle 14">
+            <a:extLst>
+              <a:ext uri="{FF2B5EF4-FFF2-40B4-BE49-F238E27FC236}">
+                <a16:creationId xmlns:a16="http://schemas.microsoft.com/office/drawing/2014/main" id="{165259A7-898E-4F41-A0EE-E2E87B2956E9}"/>
+              </a:ext>
+            </a:extLst>
+          </p:cNvPr>
+          <p:cNvSpPr/>
+          <p:nvPr/>
+        </p:nvSpPr>
+        <p:spPr>
+          <a:xfrm>
+            <a:off x="71120" y="945515"/>
+            <a:ext cx="9001760" cy="4012565"/>
+          </a:xfrm>
+          <a:prstGeom prst="rect">
+            <a:avLst/>
+          </a:prstGeom>
+          <a:solidFill>
+            <a:schemeClr val="bg1"/>
+          </a:solidFill>
+          <a:ln>
+            <a:noFill/>
+          </a:ln>
+        </p:spPr>
+        <p:style>
+          <a:lnRef idx="2">
+            <a:schemeClr val="accent1">
+              <a:shade val="50000"/>
+            </a:schemeClr>
+          </a:lnRef>
+          <a:fillRef idx="1">
+            <a:schemeClr val="accent1"/>
+          </a:fillRef>
+          <a:effectRef idx="0">
+            <a:schemeClr val="accent1"/>
+          </a:effectRef>
+          <a:fontRef idx="minor">
+            <a:schemeClr val="lt1"/>
+          </a:fontRef>
+        </p:style>
+        <p:txBody>
+          <a:bodyPr rtlCol="0" anchor="ctr"/>
+          <a:lstStyle/>
+          <a:p>
+            <a:pPr algn="ctr"/>
+            <a:endParaRPr lang="en-US" dirty="0"/>
+          </a:p>
+        </p:txBody>
+      </p:sp>
+      <p:sp>
+        <p:nvSpPr>
+          <p:cNvPr id="507" name="Google Shape;507;p28"/>
+          <p:cNvSpPr txBox="1">
+            <a:spLocks noGrp="1"/>
+          </p:cNvSpPr>
+          <p:nvPr>
+            <p:ph type="ctrTitle"/>
+          </p:nvPr>
+        </p:nvSpPr>
+        <p:spPr>
+          <a:xfrm>
+            <a:off x="434875" y="401207"/>
+            <a:ext cx="8277325" cy="577800"/>
+          </a:xfrm>
+          <a:prstGeom prst="rect">
+            <a:avLst/>
+          </a:prstGeom>
+        </p:spPr>
+        <p:txBody>
+          <a:bodyPr spcFirstLastPara="1" wrap="square" lIns="91425" tIns="91425" rIns="91425" bIns="91425" anchor="b" anchorCtr="0">
+            <a:noAutofit/>
+          </a:bodyPr>
+          <a:lstStyle/>
+          <a:p>
+            <a:pPr marL="0" lvl="0" indent="0" algn="l" rtl="0">
+              <a:spcBef>
+                <a:spcPts val="0"/>
+              </a:spcBef>
+              <a:spcAft>
+                <a:spcPts val="0"/>
+              </a:spcAft>
+              <a:buNone/>
+            </a:pPr>
+            <a:r>
+              <a:rPr lang="en" dirty="0"/>
+              <a:t>How does our model compare to existing models? </a:t>
+            </a:r>
+            <a:endParaRPr dirty="0"/>
+          </a:p>
+        </p:txBody>
+      </p:sp>
+      <p:pic>
+        <p:nvPicPr>
+          <p:cNvPr id="3" name="Picture 2" descr="Chart, line chart&#10;&#10;Description automatically generated">
+            <a:extLst>
+              <a:ext uri="{FF2B5EF4-FFF2-40B4-BE49-F238E27FC236}">
+                <a16:creationId xmlns:a16="http://schemas.microsoft.com/office/drawing/2014/main" id="{3E124702-E373-864B-A3CD-3095309A5971}"/>
+              </a:ext>
+            </a:extLst>
+          </p:cNvPr>
+          <p:cNvPicPr>
+            <a:picLocks noChangeAspect="1"/>
+          </p:cNvPicPr>
+          <p:nvPr/>
+        </p:nvPicPr>
+        <p:blipFill rotWithShape="1">
+          <a:blip r:embed="rId3"/>
+          <a:srcRect t="7179" r="21430"/>
+          <a:stretch/>
+        </p:blipFill>
+        <p:spPr>
+          <a:xfrm>
+            <a:off x="416440" y="1440458"/>
+            <a:ext cx="3089315" cy="1612832"/>
+          </a:xfrm>
+          <a:prstGeom prst="rect">
+            <a:avLst/>
+          </a:prstGeom>
+        </p:spPr>
+      </p:pic>
+      <p:pic>
+        <p:nvPicPr>
+          <p:cNvPr id="8" name="Picture 7" descr="Chart, line chart&#10;&#10;Description automatically generated">
+            <a:extLst>
+              <a:ext uri="{FF2B5EF4-FFF2-40B4-BE49-F238E27FC236}">
+                <a16:creationId xmlns:a16="http://schemas.microsoft.com/office/drawing/2014/main" id="{2F715137-CD70-2B45-B83D-6BDC842C7A49}"/>
+              </a:ext>
+            </a:extLst>
+          </p:cNvPr>
+          <p:cNvPicPr>
+            <a:picLocks noChangeAspect="1"/>
+          </p:cNvPicPr>
+          <p:nvPr/>
+        </p:nvPicPr>
+        <p:blipFill rotWithShape="1">
+          <a:blip r:embed="rId4"/>
+          <a:srcRect t="7046" r="21430" b="1832"/>
+          <a:stretch/>
+        </p:blipFill>
+        <p:spPr>
+          <a:xfrm>
+            <a:off x="416439" y="3178025"/>
+            <a:ext cx="3089315" cy="1612832"/>
+          </a:xfrm>
+          <a:prstGeom prst="rect">
+            <a:avLst/>
+          </a:prstGeom>
+        </p:spPr>
+      </p:pic>
+      <p:pic>
+        <p:nvPicPr>
+          <p:cNvPr id="10" name="Picture 9" descr="Chart, line chart&#10;&#10;Description automatically generated">
+            <a:extLst>
+              <a:ext uri="{FF2B5EF4-FFF2-40B4-BE49-F238E27FC236}">
+                <a16:creationId xmlns:a16="http://schemas.microsoft.com/office/drawing/2014/main" id="{AE5BF972-6A31-DD48-A453-CEEA75E085D8}"/>
+              </a:ext>
+            </a:extLst>
+          </p:cNvPr>
+          <p:cNvPicPr>
+            <a:picLocks noChangeAspect="1"/>
+          </p:cNvPicPr>
+          <p:nvPr/>
+        </p:nvPicPr>
+        <p:blipFill rotWithShape="1">
+          <a:blip r:embed="rId5"/>
+          <a:srcRect t="6759" r="21430"/>
+          <a:stretch/>
+        </p:blipFill>
+        <p:spPr>
+          <a:xfrm>
+            <a:off x="3505754" y="3147262"/>
+            <a:ext cx="3089315" cy="1651000"/>
+          </a:xfrm>
+          <a:prstGeom prst="rect">
+            <a:avLst/>
+          </a:prstGeom>
+        </p:spPr>
+      </p:pic>
+      <p:pic>
+        <p:nvPicPr>
+          <p:cNvPr id="12" name="Picture 11" descr="Chart, line chart&#10;&#10;Description automatically generated">
+            <a:extLst>
+              <a:ext uri="{FF2B5EF4-FFF2-40B4-BE49-F238E27FC236}">
+                <a16:creationId xmlns:a16="http://schemas.microsoft.com/office/drawing/2014/main" id="{7C527A82-530E-4F4D-9D1D-4FBBB2B0F8EC}"/>
+              </a:ext>
+            </a:extLst>
+          </p:cNvPr>
+          <p:cNvPicPr>
+            <a:picLocks noChangeAspect="1"/>
+          </p:cNvPicPr>
+          <p:nvPr/>
+        </p:nvPicPr>
+        <p:blipFill rotWithShape="1">
+          <a:blip r:embed="rId6"/>
+          <a:srcRect t="8551" r="21430"/>
+          <a:stretch/>
+        </p:blipFill>
+        <p:spPr>
+          <a:xfrm>
+            <a:off x="3505754" y="1463444"/>
+            <a:ext cx="3089315" cy="1566861"/>
+          </a:xfrm>
+          <a:prstGeom prst="rect">
+            <a:avLst/>
+          </a:prstGeom>
+        </p:spPr>
+      </p:pic>
+      <p:pic>
+        <p:nvPicPr>
+          <p:cNvPr id="14" name="Picture 13" descr="Chart, line chart&#10;&#10;Description automatically generated">
+            <a:extLst>
+              <a:ext uri="{FF2B5EF4-FFF2-40B4-BE49-F238E27FC236}">
+                <a16:creationId xmlns:a16="http://schemas.microsoft.com/office/drawing/2014/main" id="{04681D61-8E34-F244-8C6E-29114E4FBD47}"/>
+              </a:ext>
+            </a:extLst>
+          </p:cNvPr>
+          <p:cNvPicPr>
+            <a:picLocks noChangeAspect="1"/>
+          </p:cNvPicPr>
+          <p:nvPr/>
+        </p:nvPicPr>
+        <p:blipFill rotWithShape="1">
+          <a:blip r:embed="rId5"/>
+          <a:srcRect l="77421" t="8370" b="9220"/>
+          <a:stretch/>
+        </p:blipFill>
+        <p:spPr>
+          <a:xfrm>
+            <a:off x="6593518" y="1315723"/>
+            <a:ext cx="2111478" cy="3470549"/>
+          </a:xfrm>
+          <a:prstGeom prst="rect">
+            <a:avLst/>
+          </a:prstGeom>
+        </p:spPr>
+      </p:pic>
+      <p:sp>
+        <p:nvSpPr>
+          <p:cNvPr id="16" name="Google Shape;713;p34">
+            <a:extLst>
+              <a:ext uri="{FF2B5EF4-FFF2-40B4-BE49-F238E27FC236}">
+                <a16:creationId xmlns:a16="http://schemas.microsoft.com/office/drawing/2014/main" id="{8763D540-CC60-3D4B-B233-BC336F58F292}"/>
+              </a:ext>
+            </a:extLst>
+          </p:cNvPr>
+          <p:cNvSpPr txBox="1">
+            <a:spLocks/>
+          </p:cNvSpPr>
+          <p:nvPr/>
+        </p:nvSpPr>
+        <p:spPr>
+          <a:xfrm>
+            <a:off x="685779" y="1736668"/>
+            <a:ext cx="6330588" cy="1651000"/>
+          </a:xfrm>
+          <a:prstGeom prst="rect">
+            <a:avLst/>
+          </a:prstGeom>
+          <a:noFill/>
+          <a:ln>
+            <a:noFill/>
+          </a:ln>
+        </p:spPr>
+        <p:txBody>
+          <a:bodyPr spcFirstLastPara="1" wrap="square" lIns="182880" tIns="91425" rIns="91425" bIns="91425" anchor="b" anchorCtr="0">
+            <a:noAutofit/>
+          </a:bodyPr>
+          <a:lstStyle>
+            <a:defPPr marR="0" lvl="0" algn="l" rtl="0">
+              <a:lnSpc>
+                <a:spcPct val="100000"/>
+              </a:lnSpc>
+              <a:spcBef>
+                <a:spcPts val="0"/>
+              </a:spcBef>
+              <a:spcAft>
+                <a:spcPts val="0"/>
+              </a:spcAft>
+            </a:defPPr>
+            <a:lvl1pPr marR="0" lvl="0" algn="l" rtl="0">
+              <a:lnSpc>
+                <a:spcPct val="100000"/>
+              </a:lnSpc>
+              <a:spcBef>
+                <a:spcPts val="0"/>
+              </a:spcBef>
+              <a:spcAft>
+                <a:spcPts val="0"/>
+              </a:spcAft>
+              <a:buClr>
+                <a:srgbClr val="000000"/>
+              </a:buClr>
+              <a:buSzPts val="3600"/>
+              <a:buFont typeface="Share Tech"/>
+              <a:buNone/>
+              <a:defRPr sz="3000" b="0" i="0" u="none" strike="noStrike" cap="none">
+                <a:solidFill>
+                  <a:schemeClr val="lt1"/>
+                </a:solidFill>
+                <a:latin typeface="Share Tech"/>
+                <a:ea typeface="Share Tech"/>
+                <a:cs typeface="Share Tech"/>
+                <a:sym typeface="Share Tech"/>
+              </a:defRPr>
+            </a:lvl1pPr>
+            <a:lvl2pPr marR="0" lvl="1" algn="ctr" rtl="0">
+              <a:lnSpc>
+                <a:spcPct val="100000"/>
+              </a:lnSpc>
+              <a:spcBef>
+                <a:spcPts val="0"/>
+              </a:spcBef>
+              <a:spcAft>
+                <a:spcPts val="0"/>
+              </a:spcAft>
+              <a:buClr>
+                <a:srgbClr val="D9D9D9"/>
+              </a:buClr>
+              <a:buSzPts val="1800"/>
+              <a:buFont typeface="Share Tech"/>
+              <a:buNone/>
+              <a:defRPr sz="1800" b="0" i="0" u="none" strike="noStrike" cap="none">
+                <a:solidFill>
+                  <a:srgbClr val="D9D9D9"/>
+                </a:solidFill>
+                <a:latin typeface="Share Tech"/>
+                <a:ea typeface="Share Tech"/>
+                <a:cs typeface="Share Tech"/>
+                <a:sym typeface="Share Tech"/>
+              </a:defRPr>
+            </a:lvl2pPr>
+            <a:lvl3pPr marR="0" lvl="2" algn="ctr" rtl="0">
+              <a:lnSpc>
+                <a:spcPct val="100000"/>
+              </a:lnSpc>
+              <a:spcBef>
+                <a:spcPts val="0"/>
+              </a:spcBef>
+              <a:spcAft>
+                <a:spcPts val="0"/>
+              </a:spcAft>
+              <a:buClr>
+                <a:srgbClr val="D9D9D9"/>
+              </a:buClr>
+              <a:buSzPts val="1800"/>
+              <a:buFont typeface="Share Tech"/>
+              <a:buNone/>
+              <a:defRPr sz="1800" b="0" i="0" u="none" strike="noStrike" cap="none">
+                <a:solidFill>
+                  <a:srgbClr val="D9D9D9"/>
+                </a:solidFill>
+                <a:latin typeface="Share Tech"/>
+                <a:ea typeface="Share Tech"/>
+                <a:cs typeface="Share Tech"/>
+                <a:sym typeface="Share Tech"/>
+              </a:defRPr>
+            </a:lvl3pPr>
+            <a:lvl4pPr marR="0" lvl="3" algn="ctr" rtl="0">
+              <a:lnSpc>
+                <a:spcPct val="100000"/>
+              </a:lnSpc>
+              <a:spcBef>
+                <a:spcPts val="0"/>
+              </a:spcBef>
+              <a:spcAft>
+                <a:spcPts val="0"/>
+              </a:spcAft>
+              <a:buClr>
+                <a:srgbClr val="D9D9D9"/>
+              </a:buClr>
+              <a:buSzPts val="1800"/>
+              <a:buFont typeface="Share Tech"/>
+              <a:buNone/>
+              <a:defRPr sz="1800" b="0" i="0" u="none" strike="noStrike" cap="none">
+                <a:solidFill>
+                  <a:srgbClr val="D9D9D9"/>
+                </a:solidFill>
+                <a:latin typeface="Share Tech"/>
+                <a:ea typeface="Share Tech"/>
+                <a:cs typeface="Share Tech"/>
+                <a:sym typeface="Share Tech"/>
+              </a:defRPr>
+            </a:lvl4pPr>
+            <a:lvl5pPr marR="0" lvl="4" algn="ctr" rtl="0">
+              <a:lnSpc>
+                <a:spcPct val="100000"/>
+              </a:lnSpc>
+              <a:spcBef>
+                <a:spcPts val="0"/>
+              </a:spcBef>
+              <a:spcAft>
+                <a:spcPts val="0"/>
+              </a:spcAft>
+              <a:buClr>
+                <a:srgbClr val="D9D9D9"/>
+              </a:buClr>
+              <a:buSzPts val="1800"/>
+              <a:buFont typeface="Share Tech"/>
+              <a:buNone/>
+              <a:defRPr sz="1800" b="0" i="0" u="none" strike="noStrike" cap="none">
+                <a:solidFill>
+                  <a:srgbClr val="D9D9D9"/>
+                </a:solidFill>
+                <a:latin typeface="Share Tech"/>
+                <a:ea typeface="Share Tech"/>
+                <a:cs typeface="Share Tech"/>
+                <a:sym typeface="Share Tech"/>
+              </a:defRPr>
+            </a:lvl5pPr>
+            <a:lvl6pPr marR="0" lvl="5" algn="ctr" rtl="0">
+              <a:lnSpc>
+                <a:spcPct val="100000"/>
+              </a:lnSpc>
+              <a:spcBef>
+                <a:spcPts val="0"/>
+              </a:spcBef>
+              <a:spcAft>
+                <a:spcPts val="0"/>
+              </a:spcAft>
+              <a:buClr>
+                <a:srgbClr val="D9D9D9"/>
+              </a:buClr>
+              <a:buSzPts val="1800"/>
+              <a:buFont typeface="Share Tech"/>
+              <a:buNone/>
+              <a:defRPr sz="1800" b="0" i="0" u="none" strike="noStrike" cap="none">
+                <a:solidFill>
+                  <a:srgbClr val="D9D9D9"/>
+                </a:solidFill>
+                <a:latin typeface="Share Tech"/>
+                <a:ea typeface="Share Tech"/>
+                <a:cs typeface="Share Tech"/>
+                <a:sym typeface="Share Tech"/>
+              </a:defRPr>
+            </a:lvl6pPr>
+            <a:lvl7pPr marR="0" lvl="6" algn="ctr" rtl="0">
+              <a:lnSpc>
+                <a:spcPct val="100000"/>
+              </a:lnSpc>
+              <a:spcBef>
+                <a:spcPts val="0"/>
+              </a:spcBef>
+              <a:spcAft>
+                <a:spcPts val="0"/>
+              </a:spcAft>
+              <a:buClr>
+                <a:srgbClr val="D9D9D9"/>
+              </a:buClr>
+              <a:buSzPts val="1800"/>
+              <a:buFont typeface="Share Tech"/>
+              <a:buNone/>
+              <a:defRPr sz="1800" b="0" i="0" u="none" strike="noStrike" cap="none">
+                <a:solidFill>
+                  <a:srgbClr val="D9D9D9"/>
+                </a:solidFill>
+                <a:latin typeface="Share Tech"/>
+                <a:ea typeface="Share Tech"/>
+                <a:cs typeface="Share Tech"/>
+                <a:sym typeface="Share Tech"/>
+              </a:defRPr>
+            </a:lvl7pPr>
+            <a:lvl8pPr marR="0" lvl="7" algn="ctr" rtl="0">
+              <a:lnSpc>
+                <a:spcPct val="100000"/>
+              </a:lnSpc>
+              <a:spcBef>
+                <a:spcPts val="0"/>
+              </a:spcBef>
+              <a:spcAft>
+                <a:spcPts val="0"/>
+              </a:spcAft>
+              <a:buClr>
+                <a:srgbClr val="D9D9D9"/>
+              </a:buClr>
+              <a:buSzPts val="1800"/>
+              <a:buFont typeface="Share Tech"/>
+              <a:buNone/>
+              <a:defRPr sz="1800" b="0" i="0" u="none" strike="noStrike" cap="none">
+                <a:solidFill>
+                  <a:srgbClr val="D9D9D9"/>
+                </a:solidFill>
+                <a:latin typeface="Share Tech"/>
+                <a:ea typeface="Share Tech"/>
+                <a:cs typeface="Share Tech"/>
+                <a:sym typeface="Share Tech"/>
+              </a:defRPr>
+            </a:lvl8pPr>
+            <a:lvl9pPr marR="0" lvl="8" algn="ctr" rtl="0">
+              <a:lnSpc>
+                <a:spcPct val="100000"/>
+              </a:lnSpc>
+              <a:spcBef>
+                <a:spcPts val="0"/>
+              </a:spcBef>
+              <a:spcAft>
+                <a:spcPts val="0"/>
+              </a:spcAft>
+              <a:buClr>
+                <a:srgbClr val="D9D9D9"/>
+              </a:buClr>
+              <a:buSzPts val="1800"/>
+              <a:buFont typeface="Share Tech"/>
+              <a:buNone/>
+              <a:defRPr sz="1800" b="0" i="0" u="none" strike="noStrike" cap="none">
+                <a:solidFill>
+                  <a:srgbClr val="D9D9D9"/>
+                </a:solidFill>
+                <a:latin typeface="Share Tech"/>
+                <a:ea typeface="Share Tech"/>
+                <a:cs typeface="Share Tech"/>
+                <a:sym typeface="Share Tech"/>
+              </a:defRPr>
+            </a:lvl9pPr>
+          </a:lstStyle>
+          <a:p>
+            <a:pPr>
+              <a:buClr>
+                <a:schemeClr val="bg1"/>
+              </a:buClr>
+              <a:buSzPct val="100000"/>
+            </a:pPr>
+            <a:endParaRPr lang="en-US" sz="1800" b="1" dirty="0">
+              <a:solidFill>
+                <a:schemeClr val="bg2"/>
+              </a:solidFill>
+            </a:endParaRPr>
+          </a:p>
+          <a:p>
+            <a:pPr>
+              <a:buClr>
+                <a:schemeClr val="bg1"/>
+              </a:buClr>
+              <a:buSzPct val="100000"/>
+            </a:pPr>
+            <a:r>
+              <a:rPr lang="en-US" sz="1800" b="1" dirty="0">
+                <a:solidFill>
+                  <a:schemeClr val="bg2"/>
+                </a:solidFill>
+              </a:rPr>
+              <a:t>Los Angeles                                       Inyo</a:t>
+            </a:r>
+          </a:p>
+          <a:p>
+            <a:pPr>
+              <a:buClr>
+                <a:schemeClr val="bg1"/>
+              </a:buClr>
+              <a:buSzPct val="100000"/>
+            </a:pPr>
+            <a:endParaRPr lang="en-US" sz="1800" b="1" dirty="0">
+              <a:solidFill>
+                <a:schemeClr val="bg2"/>
+              </a:solidFill>
+            </a:endParaRPr>
+          </a:p>
+          <a:p>
+            <a:pPr>
+              <a:buClr>
+                <a:schemeClr val="bg1"/>
+              </a:buClr>
+              <a:buSzPct val="100000"/>
+            </a:pPr>
+            <a:endParaRPr lang="en-US" sz="1800" b="1" dirty="0">
+              <a:solidFill>
+                <a:schemeClr val="bg2"/>
+              </a:solidFill>
+            </a:endParaRPr>
+          </a:p>
+          <a:p>
+            <a:pPr>
+              <a:buClr>
+                <a:schemeClr val="bg1"/>
+              </a:buClr>
+              <a:buSzPct val="100000"/>
+            </a:pPr>
+            <a:endParaRPr lang="en-US" sz="1800" b="1" dirty="0">
+              <a:solidFill>
+                <a:schemeClr val="bg2"/>
+              </a:solidFill>
+            </a:endParaRPr>
+          </a:p>
+          <a:p>
+            <a:pPr>
+              <a:buClr>
+                <a:schemeClr val="bg1"/>
+              </a:buClr>
+              <a:buSzPct val="100000"/>
+            </a:pPr>
+            <a:endParaRPr lang="en-US" sz="1800" b="1" dirty="0">
+              <a:solidFill>
+                <a:schemeClr val="bg2"/>
+              </a:solidFill>
+            </a:endParaRPr>
+          </a:p>
+          <a:p>
+            <a:pPr>
+              <a:buClr>
+                <a:schemeClr val="bg1"/>
+              </a:buClr>
+              <a:buSzPct val="100000"/>
+            </a:pPr>
+            <a:endParaRPr lang="en-US" sz="1800" b="1" dirty="0">
+              <a:solidFill>
+                <a:schemeClr val="bg2"/>
+              </a:solidFill>
+            </a:endParaRPr>
+          </a:p>
+          <a:p>
+            <a:pPr>
+              <a:buClr>
+                <a:schemeClr val="bg1"/>
+              </a:buClr>
+              <a:buSzPct val="100000"/>
+            </a:pPr>
+            <a:endParaRPr lang="en-US" sz="1800" b="1" dirty="0">
+              <a:solidFill>
+                <a:schemeClr val="bg2"/>
+              </a:solidFill>
+            </a:endParaRPr>
+          </a:p>
+          <a:p>
+            <a:pPr>
+              <a:buClr>
+                <a:schemeClr val="bg1"/>
+              </a:buClr>
+              <a:buSzPct val="100000"/>
+            </a:pPr>
+            <a:r>
+              <a:rPr lang="en-US" sz="1800" b="1" dirty="0">
+                <a:solidFill>
+                  <a:schemeClr val="bg2"/>
+                </a:solidFill>
+              </a:rPr>
+              <a:t>Colusa                                               Riverside</a:t>
+            </a:r>
+          </a:p>
+        </p:txBody>
+      </p:sp>
+    </p:spTree>
+    <p:extLst>
+      <p:ext uri="{BB962C8B-B14F-4D97-AF65-F5344CB8AC3E}">
+        <p14:creationId xmlns:p14="http://schemas.microsoft.com/office/powerpoint/2010/main" val="3134637107"/>
+      </p:ext>
+    </p:extLst>
+  </p:cSld>
+  <p:clrMapOvr>
+    <a:masterClrMapping/>
+  </p:clrMapOvr>
+</p:sld>
+</file>
+
+<file path=ppt/slides/slide12.xml><?xml version="1.0" encoding="utf-8"?>
+<p:sld xmlns:a="http://schemas.openxmlformats.org/drawingml/2006/main" xmlns:r="http://schemas.openxmlformats.org/officeDocument/2006/relationships" xmlns:p="http://schemas.openxmlformats.org/presentationml/2006/main" showMasterSp="0">
+  <p:cSld>
+    <p:spTree>
+      <p:nvGrpSpPr>
+        <p:cNvPr id="1" name="Shape 712"/>
+        <p:cNvGrpSpPr/>
+        <p:nvPr/>
+      </p:nvGrpSpPr>
+      <p:grpSpPr>
+        <a:xfrm>
+          <a:off x="0" y="0"/>
+          <a:ext cx="0" cy="0"/>
+          <a:chOff x="0" y="0"/>
+          <a:chExt cx="0" cy="0"/>
+        </a:xfrm>
+      </p:grpSpPr>
+      <p:graphicFrame>
+        <p:nvGraphicFramePr>
+          <p:cNvPr id="6" name="Diagram 5">
+            <a:extLst>
+              <a:ext uri="{FF2B5EF4-FFF2-40B4-BE49-F238E27FC236}">
+                <a16:creationId xmlns:a16="http://schemas.microsoft.com/office/drawing/2014/main" id="{3B89AC25-AEFE-2042-88B8-7EA0804CB202}"/>
+              </a:ext>
+            </a:extLst>
+          </p:cNvPr>
+          <p:cNvGraphicFramePr/>
+          <p:nvPr>
+            <p:extLst>
+              <p:ext uri="{D42A27DB-BD31-4B8C-83A1-F6EECF244321}">
+                <p14:modId xmlns:p14="http://schemas.microsoft.com/office/powerpoint/2010/main" val="3225560141"/>
+              </p:ext>
+            </p:extLst>
+          </p:nvPr>
+        </p:nvGraphicFramePr>
+        <p:xfrm>
+          <a:off x="354562" y="1023513"/>
+          <a:ext cx="8585421" cy="6161055"/>
+        </p:xfrm>
+        <a:graphic>
+          <a:graphicData uri="http://schemas.openxmlformats.org/drawingml/2006/diagram">
+            <dgm:relIds xmlns:dgm="http://schemas.openxmlformats.org/drawingml/2006/diagram" xmlns:r="http://schemas.openxmlformats.org/officeDocument/2006/relationships" r:dm="rId3" r:lo="rId4" r:qs="rId5" r:cs="rId6"/>
+          </a:graphicData>
+        </a:graphic>
+      </p:graphicFrame>
+      <p:sp>
+        <p:nvSpPr>
+          <p:cNvPr id="5" name="Google Shape;571;p29">
+            <a:extLst>
+              <a:ext uri="{FF2B5EF4-FFF2-40B4-BE49-F238E27FC236}">
+                <a16:creationId xmlns:a16="http://schemas.microsoft.com/office/drawing/2014/main" id="{A2CB7367-A508-2A4F-A1F5-4F047BADBFE8}"/>
+              </a:ext>
+            </a:extLst>
+          </p:cNvPr>
+          <p:cNvSpPr txBox="1">
+            <a:spLocks/>
+          </p:cNvSpPr>
+          <p:nvPr/>
+        </p:nvSpPr>
+        <p:spPr>
+          <a:xfrm>
+            <a:off x="704353" y="445713"/>
+            <a:ext cx="7885838" cy="577800"/>
+          </a:xfrm>
+          <a:prstGeom prst="rect">
+            <a:avLst/>
+          </a:prstGeom>
+          <a:noFill/>
+          <a:ln>
+            <a:noFill/>
+          </a:ln>
+        </p:spPr>
+        <p:txBody>
+          <a:bodyPr spcFirstLastPara="1" wrap="square" lIns="91425" tIns="91425" rIns="91425" bIns="91425" anchor="b" anchorCtr="0">
+            <a:noAutofit/>
+          </a:bodyPr>
+          <a:lstStyle>
+            <a:defPPr marR="0" lvl="0" algn="l" rtl="0">
+              <a:lnSpc>
+                <a:spcPct val="100000"/>
+              </a:lnSpc>
+              <a:spcBef>
+                <a:spcPts val="0"/>
+              </a:spcBef>
+              <a:spcAft>
+                <a:spcPts val="0"/>
+              </a:spcAft>
+            </a:defPPr>
+            <a:lvl1pPr marR="0" lvl="0" algn="l" rtl="0">
+              <a:lnSpc>
+                <a:spcPct val="100000"/>
+              </a:lnSpc>
+              <a:spcBef>
+                <a:spcPts val="0"/>
+              </a:spcBef>
+              <a:spcAft>
+                <a:spcPts val="0"/>
+              </a:spcAft>
+              <a:buClr>
+                <a:srgbClr val="000000"/>
+              </a:buClr>
+              <a:buSzPts val="3600"/>
+              <a:buFont typeface="Share Tech"/>
+              <a:buNone/>
+              <a:defRPr sz="3000" b="0" i="0" u="none" strike="noStrike" cap="none">
+                <a:solidFill>
+                  <a:schemeClr val="lt1"/>
+                </a:solidFill>
+                <a:latin typeface="Share Tech"/>
+                <a:ea typeface="Share Tech"/>
+                <a:cs typeface="Share Tech"/>
+                <a:sym typeface="Share Tech"/>
+              </a:defRPr>
+            </a:lvl1pPr>
+            <a:lvl2pPr marR="0" lvl="1" algn="ctr" rtl="0">
+              <a:lnSpc>
+                <a:spcPct val="100000"/>
+              </a:lnSpc>
+              <a:spcBef>
+                <a:spcPts val="0"/>
+              </a:spcBef>
+              <a:spcAft>
+                <a:spcPts val="0"/>
+              </a:spcAft>
+              <a:buClr>
+                <a:srgbClr val="D9D9D9"/>
+              </a:buClr>
+              <a:buSzPts val="1800"/>
+              <a:buFont typeface="Share Tech"/>
+              <a:buNone/>
+              <a:defRPr sz="1800" b="0" i="0" u="none" strike="noStrike" cap="none">
+                <a:solidFill>
+                  <a:srgbClr val="D9D9D9"/>
+                </a:solidFill>
+                <a:latin typeface="Share Tech"/>
+                <a:ea typeface="Share Tech"/>
+                <a:cs typeface="Share Tech"/>
+                <a:sym typeface="Share Tech"/>
+              </a:defRPr>
+            </a:lvl2pPr>
+            <a:lvl3pPr marR="0" lvl="2" algn="ctr" rtl="0">
+              <a:lnSpc>
+                <a:spcPct val="100000"/>
+              </a:lnSpc>
+              <a:spcBef>
+                <a:spcPts val="0"/>
+              </a:spcBef>
+              <a:spcAft>
+                <a:spcPts val="0"/>
+              </a:spcAft>
+              <a:buClr>
+                <a:srgbClr val="D9D9D9"/>
+              </a:buClr>
+              <a:buSzPts val="1800"/>
+              <a:buFont typeface="Share Tech"/>
+              <a:buNone/>
+              <a:defRPr sz="1800" b="0" i="0" u="none" strike="noStrike" cap="none">
+                <a:solidFill>
+                  <a:srgbClr val="D9D9D9"/>
+                </a:solidFill>
+                <a:latin typeface="Share Tech"/>
+                <a:ea typeface="Share Tech"/>
+                <a:cs typeface="Share Tech"/>
+                <a:sym typeface="Share Tech"/>
+              </a:defRPr>
+            </a:lvl3pPr>
+            <a:lvl4pPr marR="0" lvl="3" algn="ctr" rtl="0">
+              <a:lnSpc>
+                <a:spcPct val="100000"/>
+              </a:lnSpc>
+              <a:spcBef>
+                <a:spcPts val="0"/>
+              </a:spcBef>
+              <a:spcAft>
+                <a:spcPts val="0"/>
+              </a:spcAft>
+              <a:buClr>
+                <a:srgbClr val="D9D9D9"/>
+              </a:buClr>
+              <a:buSzPts val="1800"/>
+              <a:buFont typeface="Share Tech"/>
+              <a:buNone/>
+              <a:defRPr sz="1800" b="0" i="0" u="none" strike="noStrike" cap="none">
+                <a:solidFill>
+                  <a:srgbClr val="D9D9D9"/>
+                </a:solidFill>
+                <a:latin typeface="Share Tech"/>
+                <a:ea typeface="Share Tech"/>
+                <a:cs typeface="Share Tech"/>
+                <a:sym typeface="Share Tech"/>
+              </a:defRPr>
+            </a:lvl4pPr>
+            <a:lvl5pPr marR="0" lvl="4" algn="ctr" rtl="0">
+              <a:lnSpc>
+                <a:spcPct val="100000"/>
+              </a:lnSpc>
+              <a:spcBef>
+                <a:spcPts val="0"/>
+              </a:spcBef>
+              <a:spcAft>
+                <a:spcPts val="0"/>
+              </a:spcAft>
+              <a:buClr>
+                <a:srgbClr val="D9D9D9"/>
+              </a:buClr>
+              <a:buSzPts val="1800"/>
+              <a:buFont typeface="Share Tech"/>
+              <a:buNone/>
+              <a:defRPr sz="1800" b="0" i="0" u="none" strike="noStrike" cap="none">
+                <a:solidFill>
+                  <a:srgbClr val="D9D9D9"/>
+                </a:solidFill>
+                <a:latin typeface="Share Tech"/>
+                <a:ea typeface="Share Tech"/>
+                <a:cs typeface="Share Tech"/>
+                <a:sym typeface="Share Tech"/>
+              </a:defRPr>
+            </a:lvl5pPr>
+            <a:lvl6pPr marR="0" lvl="5" algn="ctr" rtl="0">
+              <a:lnSpc>
+                <a:spcPct val="100000"/>
+              </a:lnSpc>
+              <a:spcBef>
+                <a:spcPts val="0"/>
+              </a:spcBef>
+              <a:spcAft>
+                <a:spcPts val="0"/>
+              </a:spcAft>
+              <a:buClr>
+                <a:srgbClr val="D9D9D9"/>
+              </a:buClr>
+              <a:buSzPts val="1800"/>
+              <a:buFont typeface="Share Tech"/>
+              <a:buNone/>
+              <a:defRPr sz="1800" b="0" i="0" u="none" strike="noStrike" cap="none">
+                <a:solidFill>
+                  <a:srgbClr val="D9D9D9"/>
+                </a:solidFill>
+                <a:latin typeface="Share Tech"/>
+                <a:ea typeface="Share Tech"/>
+                <a:cs typeface="Share Tech"/>
+                <a:sym typeface="Share Tech"/>
+              </a:defRPr>
+            </a:lvl6pPr>
+            <a:lvl7pPr marR="0" lvl="6" algn="ctr" rtl="0">
+              <a:lnSpc>
+                <a:spcPct val="100000"/>
+              </a:lnSpc>
+              <a:spcBef>
+                <a:spcPts val="0"/>
+              </a:spcBef>
+              <a:spcAft>
+                <a:spcPts val="0"/>
+              </a:spcAft>
+              <a:buClr>
+                <a:srgbClr val="D9D9D9"/>
+              </a:buClr>
+              <a:buSzPts val="1800"/>
+              <a:buFont typeface="Share Tech"/>
+              <a:buNone/>
+              <a:defRPr sz="1800" b="0" i="0" u="none" strike="noStrike" cap="none">
+                <a:solidFill>
+                  <a:srgbClr val="D9D9D9"/>
+                </a:solidFill>
+                <a:latin typeface="Share Tech"/>
+                <a:ea typeface="Share Tech"/>
+                <a:cs typeface="Share Tech"/>
+                <a:sym typeface="Share Tech"/>
+              </a:defRPr>
+            </a:lvl7pPr>
+            <a:lvl8pPr marR="0" lvl="7" algn="ctr" rtl="0">
+              <a:lnSpc>
+                <a:spcPct val="100000"/>
+              </a:lnSpc>
+              <a:spcBef>
+                <a:spcPts val="0"/>
+              </a:spcBef>
+              <a:spcAft>
+                <a:spcPts val="0"/>
+              </a:spcAft>
+              <a:buClr>
+                <a:srgbClr val="D9D9D9"/>
+              </a:buClr>
+              <a:buSzPts val="1800"/>
+              <a:buFont typeface="Share Tech"/>
+              <a:buNone/>
+              <a:defRPr sz="1800" b="0" i="0" u="none" strike="noStrike" cap="none">
+                <a:solidFill>
+                  <a:srgbClr val="D9D9D9"/>
+                </a:solidFill>
+                <a:latin typeface="Share Tech"/>
+                <a:ea typeface="Share Tech"/>
+                <a:cs typeface="Share Tech"/>
+                <a:sym typeface="Share Tech"/>
+              </a:defRPr>
+            </a:lvl8pPr>
+            <a:lvl9pPr marR="0" lvl="8" algn="ctr" rtl="0">
+              <a:lnSpc>
+                <a:spcPct val="100000"/>
+              </a:lnSpc>
+              <a:spcBef>
+                <a:spcPts val="0"/>
+              </a:spcBef>
+              <a:spcAft>
+                <a:spcPts val="0"/>
+              </a:spcAft>
+              <a:buClr>
+                <a:srgbClr val="D9D9D9"/>
+              </a:buClr>
+              <a:buSzPts val="1800"/>
+              <a:buFont typeface="Share Tech"/>
+              <a:buNone/>
+              <a:defRPr sz="1800" b="0" i="0" u="none" strike="noStrike" cap="none">
+                <a:solidFill>
+                  <a:srgbClr val="D9D9D9"/>
+                </a:solidFill>
+                <a:latin typeface="Share Tech"/>
+                <a:ea typeface="Share Tech"/>
+                <a:cs typeface="Share Tech"/>
+                <a:sym typeface="Share Tech"/>
+              </a:defRPr>
+            </a:lvl9pPr>
+          </a:lstStyle>
+          <a:p>
+            <a:pPr algn="ctr"/>
+            <a:r>
+              <a:rPr lang="en-US" dirty="0"/>
+              <a:t>CA’s Vaccine Distribution Plan</a:t>
+            </a:r>
+          </a:p>
+        </p:txBody>
+      </p:sp>
+    </p:spTree>
+    <p:extLst>
+      <p:ext uri="{BB962C8B-B14F-4D97-AF65-F5344CB8AC3E}">
+        <p14:creationId xmlns:p14="http://schemas.microsoft.com/office/powerpoint/2010/main" val="2940985759"/>
+      </p:ext>
+    </p:extLst>
+  </p:cSld>
+  <p:clrMapOvr>
+    <a:masterClrMapping/>
+  </p:clrMapOvr>
+</p:sld>
+</file>
+
+<file path=ppt/slides/slide13.xml><?xml version="1.0" encoding="utf-8"?>
+<p:sld xmlns:a="http://schemas.openxmlformats.org/drawingml/2006/main" xmlns:r="http://schemas.openxmlformats.org/officeDocument/2006/relationships" xmlns:p="http://schemas.openxmlformats.org/presentationml/2006/main">
+  <p:cSld>
+    <p:spTree>
+      <p:nvGrpSpPr>
+        <p:cNvPr id="1" name=""/>
+        <p:cNvGrpSpPr/>
+        <p:nvPr/>
+      </p:nvGrpSpPr>
+      <p:grpSpPr>
+        <a:xfrm>
+          <a:off x="0" y="0"/>
+          <a:ext cx="0" cy="0"/>
+          <a:chOff x="0" y="0"/>
+          <a:chExt cx="0" cy="0"/>
+        </a:xfrm>
+      </p:grpSpPr>
+      <p:pic>
+        <p:nvPicPr>
+          <p:cNvPr id="20" name="Picture 19">
+            <a:extLst>
+              <a:ext uri="{FF2B5EF4-FFF2-40B4-BE49-F238E27FC236}">
+                <a16:creationId xmlns:a16="http://schemas.microsoft.com/office/drawing/2014/main" id="{B9192C34-FA20-B849-821C-A9CA0B51B2C4}"/>
+              </a:ext>
+            </a:extLst>
+          </p:cNvPr>
+          <p:cNvPicPr>
+            <a:picLocks noChangeAspect="1"/>
+          </p:cNvPicPr>
+          <p:nvPr/>
+        </p:nvPicPr>
+        <p:blipFill>
+          <a:blip r:embed="rId2">
+            <a:alphaModFix amt="30000"/>
+          </a:blip>
+          <a:stretch>
+            <a:fillRect/>
+          </a:stretch>
+        </p:blipFill>
+        <p:spPr>
+          <a:xfrm>
+            <a:off x="1473665" y="1981200"/>
+            <a:ext cx="975360" cy="975360"/>
+          </a:xfrm>
+          <a:prstGeom prst="rect">
+            <a:avLst/>
+          </a:prstGeom>
+        </p:spPr>
+      </p:pic>
+      <p:pic>
+        <p:nvPicPr>
+          <p:cNvPr id="40" name="Picture 39">
+            <a:extLst>
+              <a:ext uri="{FF2B5EF4-FFF2-40B4-BE49-F238E27FC236}">
+                <a16:creationId xmlns:a16="http://schemas.microsoft.com/office/drawing/2014/main" id="{F20BF631-C8DD-EF4C-8722-092E28CEB4BF}"/>
+              </a:ext>
+            </a:extLst>
+          </p:cNvPr>
+          <p:cNvPicPr>
+            <a:picLocks noChangeAspect="1"/>
+          </p:cNvPicPr>
+          <p:nvPr/>
+        </p:nvPicPr>
+        <p:blipFill>
+          <a:blip r:embed="rId2">
+            <a:alphaModFix amt="40000"/>
+          </a:blip>
+          <a:stretch>
+            <a:fillRect/>
+          </a:stretch>
+        </p:blipFill>
+        <p:spPr>
+          <a:xfrm>
+            <a:off x="1755939" y="1981200"/>
+            <a:ext cx="975360" cy="975360"/>
+          </a:xfrm>
+          <a:prstGeom prst="rect">
+            <a:avLst/>
+          </a:prstGeom>
+        </p:spPr>
+      </p:pic>
+      <p:pic>
+        <p:nvPicPr>
+          <p:cNvPr id="41" name="Picture 40">
+            <a:extLst>
+              <a:ext uri="{FF2B5EF4-FFF2-40B4-BE49-F238E27FC236}">
+                <a16:creationId xmlns:a16="http://schemas.microsoft.com/office/drawing/2014/main" id="{9B9DDE21-435A-B641-B812-2BD3585E94B6}"/>
+              </a:ext>
+            </a:extLst>
+          </p:cNvPr>
+          <p:cNvPicPr>
+            <a:picLocks noChangeAspect="1"/>
+          </p:cNvPicPr>
+          <p:nvPr/>
+        </p:nvPicPr>
+        <p:blipFill>
+          <a:blip r:embed="rId2">
+            <a:alphaModFix amt="60000"/>
+          </a:blip>
+          <a:stretch>
+            <a:fillRect/>
+          </a:stretch>
+        </p:blipFill>
+        <p:spPr>
+          <a:xfrm>
+            <a:off x="2022305" y="1981200"/>
+            <a:ext cx="975360" cy="975360"/>
+          </a:xfrm>
+          <a:prstGeom prst="rect">
+            <a:avLst/>
+          </a:prstGeom>
+        </p:spPr>
+      </p:pic>
+      <p:pic>
+        <p:nvPicPr>
+          <p:cNvPr id="42" name="Picture 41">
+            <a:extLst>
+              <a:ext uri="{FF2B5EF4-FFF2-40B4-BE49-F238E27FC236}">
+                <a16:creationId xmlns:a16="http://schemas.microsoft.com/office/drawing/2014/main" id="{736F617E-5451-DA4D-9585-F880E16C979C}"/>
+              </a:ext>
+            </a:extLst>
+          </p:cNvPr>
+          <p:cNvPicPr>
+            <a:picLocks noChangeAspect="1"/>
+          </p:cNvPicPr>
+          <p:nvPr/>
+        </p:nvPicPr>
+        <p:blipFill>
+          <a:blip r:embed="rId2">
+            <a:alphaModFix amt="80000"/>
+          </a:blip>
+          <a:stretch>
+            <a:fillRect/>
+          </a:stretch>
+        </p:blipFill>
+        <p:spPr>
+          <a:xfrm>
+            <a:off x="2296625" y="1981200"/>
+            <a:ext cx="975360" cy="975360"/>
+          </a:xfrm>
+          <a:prstGeom prst="rect">
+            <a:avLst/>
+          </a:prstGeom>
+        </p:spPr>
+      </p:pic>
+      <p:sp>
+        <p:nvSpPr>
+          <p:cNvPr id="2" name="Google Shape;571;p29">
+            <a:extLst>
+              <a:ext uri="{FF2B5EF4-FFF2-40B4-BE49-F238E27FC236}">
+                <a16:creationId xmlns:a16="http://schemas.microsoft.com/office/drawing/2014/main" id="{537F33F0-1825-F440-A532-3A986D6A4A09}"/>
+              </a:ext>
+            </a:extLst>
+          </p:cNvPr>
+          <p:cNvSpPr txBox="1">
+            <a:spLocks/>
+          </p:cNvSpPr>
+          <p:nvPr/>
+        </p:nvSpPr>
+        <p:spPr>
+          <a:xfrm>
+            <a:off x="654691" y="261167"/>
+            <a:ext cx="7885838" cy="577800"/>
+          </a:xfrm>
+          <a:prstGeom prst="rect">
+            <a:avLst/>
+          </a:prstGeom>
+          <a:noFill/>
+          <a:ln>
+            <a:noFill/>
+          </a:ln>
+        </p:spPr>
+        <p:txBody>
+          <a:bodyPr spcFirstLastPara="1" wrap="square" lIns="91425" tIns="91425" rIns="91425" bIns="91425" anchor="b" anchorCtr="0">
+            <a:noAutofit/>
+          </a:bodyPr>
+          <a:lstStyle>
+            <a:defPPr marR="0" lvl="0" algn="l" rtl="0">
+              <a:lnSpc>
+                <a:spcPct val="100000"/>
+              </a:lnSpc>
+              <a:spcBef>
+                <a:spcPts val="0"/>
+              </a:spcBef>
+              <a:spcAft>
+                <a:spcPts val="0"/>
+              </a:spcAft>
+            </a:defPPr>
+            <a:lvl1pPr marR="0" lvl="0" algn="l" rtl="0">
+              <a:lnSpc>
+                <a:spcPct val="100000"/>
+              </a:lnSpc>
+              <a:spcBef>
+                <a:spcPts val="0"/>
+              </a:spcBef>
+              <a:spcAft>
+                <a:spcPts val="0"/>
+              </a:spcAft>
+              <a:buClr>
+                <a:srgbClr val="000000"/>
+              </a:buClr>
+              <a:buSzPts val="3600"/>
+              <a:buFont typeface="Share Tech"/>
+              <a:buNone/>
+              <a:defRPr sz="3000" b="0" i="0" u="none" strike="noStrike" cap="none">
+                <a:solidFill>
+                  <a:schemeClr val="lt1"/>
+                </a:solidFill>
+                <a:latin typeface="Share Tech"/>
+                <a:ea typeface="Share Tech"/>
+                <a:cs typeface="Share Tech"/>
+                <a:sym typeface="Share Tech"/>
+              </a:defRPr>
+            </a:lvl1pPr>
+            <a:lvl2pPr marR="0" lvl="1" algn="ctr" rtl="0">
+              <a:lnSpc>
+                <a:spcPct val="100000"/>
+              </a:lnSpc>
+              <a:spcBef>
+                <a:spcPts val="0"/>
+              </a:spcBef>
+              <a:spcAft>
+                <a:spcPts val="0"/>
+              </a:spcAft>
+              <a:buClr>
+                <a:srgbClr val="D9D9D9"/>
+              </a:buClr>
+              <a:buSzPts val="1800"/>
+              <a:buFont typeface="Share Tech"/>
+              <a:buNone/>
+              <a:defRPr sz="1800" b="0" i="0" u="none" strike="noStrike" cap="none">
+                <a:solidFill>
+                  <a:srgbClr val="D9D9D9"/>
+                </a:solidFill>
+                <a:latin typeface="Share Tech"/>
+                <a:ea typeface="Share Tech"/>
+                <a:cs typeface="Share Tech"/>
+                <a:sym typeface="Share Tech"/>
+              </a:defRPr>
+            </a:lvl2pPr>
+            <a:lvl3pPr marR="0" lvl="2" algn="ctr" rtl="0">
+              <a:lnSpc>
+                <a:spcPct val="100000"/>
+              </a:lnSpc>
+              <a:spcBef>
+                <a:spcPts val="0"/>
+              </a:spcBef>
+              <a:spcAft>
+                <a:spcPts val="0"/>
+              </a:spcAft>
+              <a:buClr>
+                <a:srgbClr val="D9D9D9"/>
+              </a:buClr>
+              <a:buSzPts val="1800"/>
+              <a:buFont typeface="Share Tech"/>
+              <a:buNone/>
+              <a:defRPr sz="1800" b="0" i="0" u="none" strike="noStrike" cap="none">
+                <a:solidFill>
+                  <a:srgbClr val="D9D9D9"/>
+                </a:solidFill>
+                <a:latin typeface="Share Tech"/>
+                <a:ea typeface="Share Tech"/>
+                <a:cs typeface="Share Tech"/>
+                <a:sym typeface="Share Tech"/>
+              </a:defRPr>
+            </a:lvl3pPr>
+            <a:lvl4pPr marR="0" lvl="3" algn="ctr" rtl="0">
+              <a:lnSpc>
+                <a:spcPct val="100000"/>
+              </a:lnSpc>
+              <a:spcBef>
+                <a:spcPts val="0"/>
+              </a:spcBef>
+              <a:spcAft>
+                <a:spcPts val="0"/>
+              </a:spcAft>
+              <a:buClr>
+                <a:srgbClr val="D9D9D9"/>
+              </a:buClr>
+              <a:buSzPts val="1800"/>
+              <a:buFont typeface="Share Tech"/>
+              <a:buNone/>
+              <a:defRPr sz="1800" b="0" i="0" u="none" strike="noStrike" cap="none">
+                <a:solidFill>
+                  <a:srgbClr val="D9D9D9"/>
+                </a:solidFill>
+                <a:latin typeface="Share Tech"/>
+                <a:ea typeface="Share Tech"/>
+                <a:cs typeface="Share Tech"/>
+                <a:sym typeface="Share Tech"/>
+              </a:defRPr>
+            </a:lvl4pPr>
+            <a:lvl5pPr marR="0" lvl="4" algn="ctr" rtl="0">
+              <a:lnSpc>
+                <a:spcPct val="100000"/>
+              </a:lnSpc>
+              <a:spcBef>
+                <a:spcPts val="0"/>
+              </a:spcBef>
+              <a:spcAft>
+                <a:spcPts val="0"/>
+              </a:spcAft>
+              <a:buClr>
+                <a:srgbClr val="D9D9D9"/>
+              </a:buClr>
+              <a:buSzPts val="1800"/>
+              <a:buFont typeface="Share Tech"/>
+              <a:buNone/>
+              <a:defRPr sz="1800" b="0" i="0" u="none" strike="noStrike" cap="none">
+                <a:solidFill>
+                  <a:srgbClr val="D9D9D9"/>
+                </a:solidFill>
+                <a:latin typeface="Share Tech"/>
+                <a:ea typeface="Share Tech"/>
+                <a:cs typeface="Share Tech"/>
+                <a:sym typeface="Share Tech"/>
+              </a:defRPr>
+            </a:lvl5pPr>
+            <a:lvl6pPr marR="0" lvl="5" algn="ctr" rtl="0">
+              <a:lnSpc>
+                <a:spcPct val="100000"/>
+              </a:lnSpc>
+              <a:spcBef>
+                <a:spcPts val="0"/>
+              </a:spcBef>
+              <a:spcAft>
+                <a:spcPts val="0"/>
+              </a:spcAft>
+              <a:buClr>
+                <a:srgbClr val="D9D9D9"/>
+              </a:buClr>
+              <a:buSzPts val="1800"/>
+              <a:buFont typeface="Share Tech"/>
+              <a:buNone/>
+              <a:defRPr sz="1800" b="0" i="0" u="none" strike="noStrike" cap="none">
+                <a:solidFill>
+                  <a:srgbClr val="D9D9D9"/>
+                </a:solidFill>
+                <a:latin typeface="Share Tech"/>
+                <a:ea typeface="Share Tech"/>
+                <a:cs typeface="Share Tech"/>
+                <a:sym typeface="Share Tech"/>
+              </a:defRPr>
+            </a:lvl6pPr>
+            <a:lvl7pPr marR="0" lvl="6" algn="ctr" rtl="0">
+              <a:lnSpc>
+                <a:spcPct val="100000"/>
+              </a:lnSpc>
+              <a:spcBef>
+                <a:spcPts val="0"/>
+              </a:spcBef>
+              <a:spcAft>
+                <a:spcPts val="0"/>
+              </a:spcAft>
+              <a:buClr>
+                <a:srgbClr val="D9D9D9"/>
+              </a:buClr>
+              <a:buSzPts val="1800"/>
+              <a:buFont typeface="Share Tech"/>
+              <a:buNone/>
+              <a:defRPr sz="1800" b="0" i="0" u="none" strike="noStrike" cap="none">
+                <a:solidFill>
+                  <a:srgbClr val="D9D9D9"/>
+                </a:solidFill>
+                <a:latin typeface="Share Tech"/>
+                <a:ea typeface="Share Tech"/>
+                <a:cs typeface="Share Tech"/>
+                <a:sym typeface="Share Tech"/>
+              </a:defRPr>
+            </a:lvl7pPr>
+            <a:lvl8pPr marR="0" lvl="7" algn="ctr" rtl="0">
+              <a:lnSpc>
+                <a:spcPct val="100000"/>
+              </a:lnSpc>
+              <a:spcBef>
+                <a:spcPts val="0"/>
+              </a:spcBef>
+              <a:spcAft>
+                <a:spcPts val="0"/>
+              </a:spcAft>
+              <a:buClr>
+                <a:srgbClr val="D9D9D9"/>
+              </a:buClr>
+              <a:buSzPts val="1800"/>
+              <a:buFont typeface="Share Tech"/>
+              <a:buNone/>
+              <a:defRPr sz="1800" b="0" i="0" u="none" strike="noStrike" cap="none">
+                <a:solidFill>
+                  <a:srgbClr val="D9D9D9"/>
+                </a:solidFill>
+                <a:latin typeface="Share Tech"/>
+                <a:ea typeface="Share Tech"/>
+                <a:cs typeface="Share Tech"/>
+                <a:sym typeface="Share Tech"/>
+              </a:defRPr>
+            </a:lvl8pPr>
+            <a:lvl9pPr marR="0" lvl="8" algn="ctr" rtl="0">
+              <a:lnSpc>
+                <a:spcPct val="100000"/>
+              </a:lnSpc>
+              <a:spcBef>
+                <a:spcPts val="0"/>
+              </a:spcBef>
+              <a:spcAft>
+                <a:spcPts val="0"/>
+              </a:spcAft>
+              <a:buClr>
+                <a:srgbClr val="D9D9D9"/>
+              </a:buClr>
+              <a:buSzPts val="1800"/>
+              <a:buFont typeface="Share Tech"/>
+              <a:buNone/>
+              <a:defRPr sz="1800" b="0" i="0" u="none" strike="noStrike" cap="none">
+                <a:solidFill>
+                  <a:srgbClr val="D9D9D9"/>
+                </a:solidFill>
+                <a:latin typeface="Share Tech"/>
+                <a:ea typeface="Share Tech"/>
+                <a:cs typeface="Share Tech"/>
+                <a:sym typeface="Share Tech"/>
+              </a:defRPr>
+            </a:lvl9pPr>
+          </a:lstStyle>
+          <a:p>
+            <a:pPr algn="ctr"/>
+            <a:r>
+              <a:rPr lang="en-US" dirty="0"/>
+              <a:t>Federal Vaccine Allocation Plan</a:t>
+            </a:r>
+          </a:p>
+        </p:txBody>
+      </p:sp>
+      <p:pic>
+        <p:nvPicPr>
+          <p:cNvPr id="26" name="Picture 25" descr="A picture containing shape&#10;&#10;Description automatically generated">
+            <a:extLst>
+              <a:ext uri="{FF2B5EF4-FFF2-40B4-BE49-F238E27FC236}">
+                <a16:creationId xmlns:a16="http://schemas.microsoft.com/office/drawing/2014/main" id="{E0BC289E-9EC6-084E-8608-9668D3DA6D2D}"/>
+              </a:ext>
+            </a:extLst>
+          </p:cNvPr>
+          <p:cNvPicPr>
+            <a:picLocks noChangeAspect="1"/>
+          </p:cNvPicPr>
+          <p:nvPr/>
+        </p:nvPicPr>
+        <p:blipFill>
+          <a:blip r:embed="rId3"/>
+          <a:stretch>
+            <a:fillRect/>
+          </a:stretch>
+        </p:blipFill>
+        <p:spPr>
+          <a:xfrm>
+            <a:off x="336248" y="1243832"/>
+            <a:ext cx="3894973" cy="2474728"/>
+          </a:xfrm>
+          <a:prstGeom prst="rect">
+            <a:avLst/>
+          </a:prstGeom>
+        </p:spPr>
+      </p:pic>
+      <p:sp>
+        <p:nvSpPr>
+          <p:cNvPr id="30" name="Google Shape;713;p34">
+            <a:extLst>
+              <a:ext uri="{FF2B5EF4-FFF2-40B4-BE49-F238E27FC236}">
+                <a16:creationId xmlns:a16="http://schemas.microsoft.com/office/drawing/2014/main" id="{F2F69585-DB03-CD4B-BBD3-D6BAF3D0E263}"/>
+              </a:ext>
+            </a:extLst>
+          </p:cNvPr>
+          <p:cNvSpPr txBox="1">
+            <a:spLocks/>
+          </p:cNvSpPr>
+          <p:nvPr/>
+        </p:nvSpPr>
+        <p:spPr>
+          <a:xfrm>
+            <a:off x="308344" y="3525520"/>
+            <a:ext cx="4605157" cy="1651000"/>
+          </a:xfrm>
+          <a:prstGeom prst="rect">
+            <a:avLst/>
+          </a:prstGeom>
+          <a:noFill/>
+          <a:ln>
+            <a:noFill/>
+          </a:ln>
+        </p:spPr>
+        <p:txBody>
+          <a:bodyPr spcFirstLastPara="1" wrap="square" lIns="182880" tIns="91425" rIns="91425" bIns="91425" anchor="b" anchorCtr="0">
+            <a:noAutofit/>
+          </a:bodyPr>
+          <a:lstStyle>
+            <a:defPPr marR="0" lvl="0" algn="l" rtl="0">
+              <a:lnSpc>
+                <a:spcPct val="100000"/>
+              </a:lnSpc>
+              <a:spcBef>
+                <a:spcPts val="0"/>
+              </a:spcBef>
+              <a:spcAft>
+                <a:spcPts val="0"/>
+              </a:spcAft>
+            </a:defPPr>
+            <a:lvl1pPr marR="0" lvl="0" algn="l" rtl="0">
+              <a:lnSpc>
+                <a:spcPct val="100000"/>
+              </a:lnSpc>
+              <a:spcBef>
+                <a:spcPts val="0"/>
+              </a:spcBef>
+              <a:spcAft>
+                <a:spcPts val="0"/>
+              </a:spcAft>
+              <a:buClr>
+                <a:srgbClr val="000000"/>
+              </a:buClr>
+              <a:buSzPts val="3600"/>
+              <a:buFont typeface="Share Tech"/>
+              <a:buNone/>
+              <a:defRPr sz="3000" b="0" i="0" u="none" strike="noStrike" cap="none">
+                <a:solidFill>
+                  <a:schemeClr val="lt1"/>
+                </a:solidFill>
+                <a:latin typeface="Share Tech"/>
+                <a:ea typeface="Share Tech"/>
+                <a:cs typeface="Share Tech"/>
+                <a:sym typeface="Share Tech"/>
+              </a:defRPr>
+            </a:lvl1pPr>
+            <a:lvl2pPr marR="0" lvl="1" algn="ctr" rtl="0">
+              <a:lnSpc>
+                <a:spcPct val="100000"/>
+              </a:lnSpc>
+              <a:spcBef>
+                <a:spcPts val="0"/>
+              </a:spcBef>
+              <a:spcAft>
+                <a:spcPts val="0"/>
+              </a:spcAft>
+              <a:buClr>
+                <a:srgbClr val="D9D9D9"/>
+              </a:buClr>
+              <a:buSzPts val="1800"/>
+              <a:buFont typeface="Share Tech"/>
+              <a:buNone/>
+              <a:defRPr sz="1800" b="0" i="0" u="none" strike="noStrike" cap="none">
+                <a:solidFill>
+                  <a:srgbClr val="D9D9D9"/>
+                </a:solidFill>
+                <a:latin typeface="Share Tech"/>
+                <a:ea typeface="Share Tech"/>
+                <a:cs typeface="Share Tech"/>
+                <a:sym typeface="Share Tech"/>
+              </a:defRPr>
+            </a:lvl2pPr>
+            <a:lvl3pPr marR="0" lvl="2" algn="ctr" rtl="0">
+              <a:lnSpc>
+                <a:spcPct val="100000"/>
+              </a:lnSpc>
+              <a:spcBef>
+                <a:spcPts val="0"/>
+              </a:spcBef>
+              <a:spcAft>
+                <a:spcPts val="0"/>
+              </a:spcAft>
+              <a:buClr>
+                <a:srgbClr val="D9D9D9"/>
+              </a:buClr>
+              <a:buSzPts val="1800"/>
+              <a:buFont typeface="Share Tech"/>
+              <a:buNone/>
+              <a:defRPr sz="1800" b="0" i="0" u="none" strike="noStrike" cap="none">
+                <a:solidFill>
+                  <a:srgbClr val="D9D9D9"/>
+                </a:solidFill>
+                <a:latin typeface="Share Tech"/>
+                <a:ea typeface="Share Tech"/>
+                <a:cs typeface="Share Tech"/>
+                <a:sym typeface="Share Tech"/>
+              </a:defRPr>
+            </a:lvl3pPr>
+            <a:lvl4pPr marR="0" lvl="3" algn="ctr" rtl="0">
+              <a:lnSpc>
+                <a:spcPct val="100000"/>
+              </a:lnSpc>
+              <a:spcBef>
+                <a:spcPts val="0"/>
+              </a:spcBef>
+              <a:spcAft>
+                <a:spcPts val="0"/>
+              </a:spcAft>
+              <a:buClr>
+                <a:srgbClr val="D9D9D9"/>
+              </a:buClr>
+              <a:buSzPts val="1800"/>
+              <a:buFont typeface="Share Tech"/>
+              <a:buNone/>
+              <a:defRPr sz="1800" b="0" i="0" u="none" strike="noStrike" cap="none">
+                <a:solidFill>
+                  <a:srgbClr val="D9D9D9"/>
+                </a:solidFill>
+                <a:latin typeface="Share Tech"/>
+                <a:ea typeface="Share Tech"/>
+                <a:cs typeface="Share Tech"/>
+                <a:sym typeface="Share Tech"/>
+              </a:defRPr>
+            </a:lvl4pPr>
+            <a:lvl5pPr marR="0" lvl="4" algn="ctr" rtl="0">
+              <a:lnSpc>
+                <a:spcPct val="100000"/>
+              </a:lnSpc>
+              <a:spcBef>
+                <a:spcPts val="0"/>
+              </a:spcBef>
+              <a:spcAft>
+                <a:spcPts val="0"/>
+              </a:spcAft>
+              <a:buClr>
+                <a:srgbClr val="D9D9D9"/>
+              </a:buClr>
+              <a:buSzPts val="1800"/>
+              <a:buFont typeface="Share Tech"/>
+              <a:buNone/>
+              <a:defRPr sz="1800" b="0" i="0" u="none" strike="noStrike" cap="none">
+                <a:solidFill>
+                  <a:srgbClr val="D9D9D9"/>
+                </a:solidFill>
+                <a:latin typeface="Share Tech"/>
+                <a:ea typeface="Share Tech"/>
+                <a:cs typeface="Share Tech"/>
+                <a:sym typeface="Share Tech"/>
+              </a:defRPr>
+            </a:lvl5pPr>
+            <a:lvl6pPr marR="0" lvl="5" algn="ctr" rtl="0">
+              <a:lnSpc>
+                <a:spcPct val="100000"/>
+              </a:lnSpc>
+              <a:spcBef>
+                <a:spcPts val="0"/>
+              </a:spcBef>
+              <a:spcAft>
+                <a:spcPts val="0"/>
+              </a:spcAft>
+              <a:buClr>
+                <a:srgbClr val="D9D9D9"/>
+              </a:buClr>
+              <a:buSzPts val="1800"/>
+              <a:buFont typeface="Share Tech"/>
+              <a:buNone/>
+              <a:defRPr sz="1800" b="0" i="0" u="none" strike="noStrike" cap="none">
+                <a:solidFill>
+                  <a:srgbClr val="D9D9D9"/>
+                </a:solidFill>
+                <a:latin typeface="Share Tech"/>
+                <a:ea typeface="Share Tech"/>
+                <a:cs typeface="Share Tech"/>
+                <a:sym typeface="Share Tech"/>
+              </a:defRPr>
+            </a:lvl6pPr>
+            <a:lvl7pPr marR="0" lvl="6" algn="ctr" rtl="0">
+              <a:lnSpc>
+                <a:spcPct val="100000"/>
+              </a:lnSpc>
+              <a:spcBef>
+                <a:spcPts val="0"/>
+              </a:spcBef>
+              <a:spcAft>
+                <a:spcPts val="0"/>
+              </a:spcAft>
+              <a:buClr>
+                <a:srgbClr val="D9D9D9"/>
+              </a:buClr>
+              <a:buSzPts val="1800"/>
+              <a:buFont typeface="Share Tech"/>
+              <a:buNone/>
+              <a:defRPr sz="1800" b="0" i="0" u="none" strike="noStrike" cap="none">
+                <a:solidFill>
+                  <a:srgbClr val="D9D9D9"/>
+                </a:solidFill>
+                <a:latin typeface="Share Tech"/>
+                <a:ea typeface="Share Tech"/>
+                <a:cs typeface="Share Tech"/>
+                <a:sym typeface="Share Tech"/>
+              </a:defRPr>
+            </a:lvl7pPr>
+            <a:lvl8pPr marR="0" lvl="7" algn="ctr" rtl="0">
+              <a:lnSpc>
+                <a:spcPct val="100000"/>
+              </a:lnSpc>
+              <a:spcBef>
+                <a:spcPts val="0"/>
+              </a:spcBef>
+              <a:spcAft>
+                <a:spcPts val="0"/>
+              </a:spcAft>
+              <a:buClr>
+                <a:srgbClr val="D9D9D9"/>
+              </a:buClr>
+              <a:buSzPts val="1800"/>
+              <a:buFont typeface="Share Tech"/>
+              <a:buNone/>
+              <a:defRPr sz="1800" b="0" i="0" u="none" strike="noStrike" cap="none">
+                <a:solidFill>
+                  <a:srgbClr val="D9D9D9"/>
+                </a:solidFill>
+                <a:latin typeface="Share Tech"/>
+                <a:ea typeface="Share Tech"/>
+                <a:cs typeface="Share Tech"/>
+                <a:sym typeface="Share Tech"/>
+              </a:defRPr>
+            </a:lvl8pPr>
+            <a:lvl9pPr marR="0" lvl="8" algn="ctr" rtl="0">
+              <a:lnSpc>
+                <a:spcPct val="100000"/>
+              </a:lnSpc>
+              <a:spcBef>
+                <a:spcPts val="0"/>
+              </a:spcBef>
+              <a:spcAft>
+                <a:spcPts val="0"/>
+              </a:spcAft>
+              <a:buClr>
+                <a:srgbClr val="D9D9D9"/>
+              </a:buClr>
+              <a:buSzPts val="1800"/>
+              <a:buFont typeface="Share Tech"/>
+              <a:buNone/>
+              <a:defRPr sz="1800" b="0" i="0" u="none" strike="noStrike" cap="none">
+                <a:solidFill>
+                  <a:srgbClr val="D9D9D9"/>
+                </a:solidFill>
+                <a:latin typeface="Share Tech"/>
+                <a:ea typeface="Share Tech"/>
+                <a:cs typeface="Share Tech"/>
+                <a:sym typeface="Share Tech"/>
+              </a:defRPr>
+            </a:lvl9pPr>
+          </a:lstStyle>
+          <a:p>
+            <a:pPr>
+              <a:buClr>
+                <a:schemeClr val="bg1"/>
+              </a:buClr>
+              <a:buSzPct val="100000"/>
+            </a:pPr>
+            <a:r>
+              <a:rPr lang="en-US" sz="1600" dirty="0">
+                <a:solidFill>
+                  <a:schemeClr val="bg1"/>
+                </a:solidFill>
+              </a:rPr>
+              <a:t>Total doses allocated (Jan 28</a:t>
+            </a:r>
+            <a:r>
+              <a:rPr lang="en-US" sz="1600" baseline="30000" dirty="0">
+                <a:solidFill>
+                  <a:schemeClr val="bg1"/>
+                </a:solidFill>
+              </a:rPr>
+              <a:t>th</a:t>
+            </a:r>
+            <a:r>
+              <a:rPr lang="en-US" sz="1600" dirty="0">
+                <a:solidFill>
+                  <a:schemeClr val="bg1"/>
+                </a:solidFill>
+              </a:rPr>
+              <a:t> 2021) = 48 million</a:t>
+            </a:r>
+          </a:p>
+          <a:p>
+            <a:pPr>
+              <a:buClr>
+                <a:schemeClr val="bg1"/>
+              </a:buClr>
+              <a:buSzPct val="100000"/>
+            </a:pPr>
+            <a:r>
+              <a:rPr lang="en-US" sz="1600" dirty="0">
+                <a:solidFill>
+                  <a:schemeClr val="bg1"/>
+                </a:solidFill>
+              </a:rPr>
+              <a:t>Total doses ordered (</a:t>
+            </a:r>
+            <a:r>
+              <a:rPr lang="en-US" sz="1600" dirty="0">
+                <a:solidFill>
+                  <a:schemeClr val="tx2"/>
+                </a:solidFill>
+              </a:rPr>
+              <a:t>July 31</a:t>
+            </a:r>
+            <a:r>
+              <a:rPr lang="en-US" sz="1600" baseline="30000" dirty="0">
+                <a:solidFill>
+                  <a:schemeClr val="tx2"/>
+                </a:solidFill>
+              </a:rPr>
+              <a:t>st</a:t>
+            </a:r>
+            <a:r>
+              <a:rPr lang="en-US" sz="1600" dirty="0">
+                <a:solidFill>
+                  <a:schemeClr val="tx2"/>
+                </a:solidFill>
+              </a:rPr>
+              <a:t> 2021</a:t>
+            </a:r>
+            <a:r>
+              <a:rPr lang="en-US" sz="1600" dirty="0">
+                <a:solidFill>
+                  <a:schemeClr val="bg1"/>
+                </a:solidFill>
+              </a:rPr>
+              <a:t>) = 600 million </a:t>
+            </a:r>
+          </a:p>
+          <a:p>
+            <a:pPr lvl="1">
+              <a:buClr>
+                <a:schemeClr val="bg1"/>
+              </a:buClr>
+              <a:buSzPct val="100000"/>
+            </a:pPr>
+            <a:endParaRPr lang="en-US" sz="1600" dirty="0">
+              <a:solidFill>
+                <a:schemeClr val="tx1">
+                  <a:lumMod val="20000"/>
+                  <a:lumOff val="80000"/>
+                </a:schemeClr>
+              </a:solidFill>
+            </a:endParaRPr>
+          </a:p>
+          <a:p>
+            <a:r>
+              <a:rPr lang="en-US" sz="1600" dirty="0">
+                <a:solidFill>
+                  <a:schemeClr val="bg1"/>
+                </a:solidFill>
+              </a:rPr>
+              <a:t> </a:t>
+            </a:r>
+          </a:p>
+        </p:txBody>
+      </p:sp>
+      <p:pic>
+        <p:nvPicPr>
+          <p:cNvPr id="31" name="Picture 30" descr="A picture containing light, night, dark&#10;&#10;Description automatically generated">
+            <a:extLst>
+              <a:ext uri="{FF2B5EF4-FFF2-40B4-BE49-F238E27FC236}">
+                <a16:creationId xmlns:a16="http://schemas.microsoft.com/office/drawing/2014/main" id="{E6B224C1-47F5-AC40-B231-955E00489A85}"/>
+              </a:ext>
+            </a:extLst>
+          </p:cNvPr>
+          <p:cNvPicPr>
+            <a:picLocks noChangeAspect="1"/>
+          </p:cNvPicPr>
+          <p:nvPr/>
+        </p:nvPicPr>
+        <p:blipFill>
+          <a:blip r:embed="rId4"/>
+          <a:stretch>
+            <a:fillRect/>
+          </a:stretch>
+        </p:blipFill>
+        <p:spPr>
+          <a:xfrm>
+            <a:off x="6243034" y="1381518"/>
+            <a:ext cx="1991509" cy="2362729"/>
+          </a:xfrm>
+          <a:prstGeom prst="rect">
+            <a:avLst/>
+          </a:prstGeom>
+        </p:spPr>
+      </p:pic>
+      <p:cxnSp>
+        <p:nvCxnSpPr>
+          <p:cNvPr id="33" name="Straight Arrow Connector 32">
+            <a:extLst>
+              <a:ext uri="{FF2B5EF4-FFF2-40B4-BE49-F238E27FC236}">
+                <a16:creationId xmlns:a16="http://schemas.microsoft.com/office/drawing/2014/main" id="{8F233898-16C0-7243-9C75-F7E9DD1BF368}"/>
+              </a:ext>
+            </a:extLst>
+          </p:cNvPr>
+          <p:cNvCxnSpPr>
+            <a:cxnSpLocks/>
+          </p:cNvCxnSpPr>
+          <p:nvPr/>
+        </p:nvCxnSpPr>
+        <p:spPr>
+          <a:xfrm>
+            <a:off x="4418892" y="3413305"/>
+            <a:ext cx="986128" cy="0"/>
+          </a:xfrm>
+          <a:prstGeom prst="straightConnector1">
+            <a:avLst/>
+          </a:prstGeom>
+          <a:ln w="127000">
+            <a:tailEnd type="triangle"/>
+          </a:ln>
+        </p:spPr>
+        <p:style>
+          <a:lnRef idx="1">
+            <a:schemeClr val="accent1"/>
+          </a:lnRef>
+          <a:fillRef idx="0">
+            <a:schemeClr val="accent1"/>
+          </a:fillRef>
+          <a:effectRef idx="0">
+            <a:schemeClr val="accent1"/>
+          </a:effectRef>
+          <a:fontRef idx="minor">
+            <a:schemeClr val="tx1"/>
+          </a:fontRef>
+        </p:style>
+      </p:cxnSp>
+      <p:pic>
+        <p:nvPicPr>
+          <p:cNvPr id="51" name="Picture 50">
+            <a:extLst>
+              <a:ext uri="{FF2B5EF4-FFF2-40B4-BE49-F238E27FC236}">
+                <a16:creationId xmlns:a16="http://schemas.microsoft.com/office/drawing/2014/main" id="{A799A522-1E3E-7C4A-AAE5-328F96CA531E}"/>
+              </a:ext>
+            </a:extLst>
+          </p:cNvPr>
+          <p:cNvPicPr>
+            <a:picLocks noChangeAspect="1"/>
+          </p:cNvPicPr>
+          <p:nvPr/>
+        </p:nvPicPr>
+        <p:blipFill>
+          <a:blip r:embed="rId2">
+            <a:alphaModFix amt="15000"/>
+          </a:blip>
+          <a:stretch>
+            <a:fillRect/>
+          </a:stretch>
+        </p:blipFill>
+        <p:spPr>
+          <a:xfrm>
+            <a:off x="1162769" y="1981200"/>
+            <a:ext cx="975360" cy="975360"/>
+          </a:xfrm>
+          <a:prstGeom prst="rect">
+            <a:avLst/>
+          </a:prstGeom>
+        </p:spPr>
+      </p:pic>
+      <p:pic>
+        <p:nvPicPr>
+          <p:cNvPr id="52" name="Picture 51">
+            <a:extLst>
+              <a:ext uri="{FF2B5EF4-FFF2-40B4-BE49-F238E27FC236}">
+                <a16:creationId xmlns:a16="http://schemas.microsoft.com/office/drawing/2014/main" id="{CBEA7077-82CB-4344-B489-854FD1B68639}"/>
+              </a:ext>
+            </a:extLst>
+          </p:cNvPr>
+          <p:cNvPicPr>
+            <a:picLocks noChangeAspect="1"/>
+          </p:cNvPicPr>
+          <p:nvPr/>
+        </p:nvPicPr>
+        <p:blipFill>
+          <a:blip r:embed="rId2">
+            <a:alphaModFix amt="5000"/>
+          </a:blip>
+          <a:stretch>
+            <a:fillRect/>
+          </a:stretch>
+        </p:blipFill>
+        <p:spPr>
+          <a:xfrm>
+            <a:off x="943541" y="1981200"/>
+            <a:ext cx="975360" cy="975360"/>
+          </a:xfrm>
+          <a:prstGeom prst="rect">
+            <a:avLst/>
+          </a:prstGeom>
+        </p:spPr>
+      </p:pic>
+      <p:pic>
+        <p:nvPicPr>
+          <p:cNvPr id="53" name="Picture 52">
+            <a:extLst>
+              <a:ext uri="{FF2B5EF4-FFF2-40B4-BE49-F238E27FC236}">
+                <a16:creationId xmlns:a16="http://schemas.microsoft.com/office/drawing/2014/main" id="{32996887-5918-324A-9936-B71E6D621A33}"/>
+              </a:ext>
+            </a:extLst>
+          </p:cNvPr>
+          <p:cNvPicPr>
+            <a:picLocks noChangeAspect="1"/>
+          </p:cNvPicPr>
+          <p:nvPr/>
+        </p:nvPicPr>
+        <p:blipFill>
+          <a:blip r:embed="rId2">
+            <a:alphaModFix amt="5000"/>
+          </a:blip>
+          <a:stretch>
+            <a:fillRect/>
+          </a:stretch>
+        </p:blipFill>
+        <p:spPr>
+          <a:xfrm>
+            <a:off x="696425" y="1981200"/>
+            <a:ext cx="975360" cy="975360"/>
+          </a:xfrm>
+          <a:prstGeom prst="rect">
+            <a:avLst/>
+          </a:prstGeom>
+        </p:spPr>
+      </p:pic>
+      <p:pic>
+        <p:nvPicPr>
+          <p:cNvPr id="54" name="Picture 53">
+            <a:extLst>
+              <a:ext uri="{FF2B5EF4-FFF2-40B4-BE49-F238E27FC236}">
+                <a16:creationId xmlns:a16="http://schemas.microsoft.com/office/drawing/2014/main" id="{E2D154CD-746C-A348-A4D6-253A5A8A41FB}"/>
+              </a:ext>
+            </a:extLst>
+          </p:cNvPr>
+          <p:cNvPicPr>
+            <a:picLocks noChangeAspect="1"/>
+          </p:cNvPicPr>
+          <p:nvPr/>
+        </p:nvPicPr>
+        <p:blipFill>
+          <a:blip r:embed="rId2">
+            <a:alphaModFix amt="5000"/>
+          </a:blip>
+          <a:stretch>
+            <a:fillRect/>
+          </a:stretch>
+        </p:blipFill>
+        <p:spPr>
+          <a:xfrm>
+            <a:off x="437636" y="1981200"/>
+            <a:ext cx="975360" cy="975360"/>
+          </a:xfrm>
+          <a:prstGeom prst="rect">
+            <a:avLst/>
+          </a:prstGeom>
+        </p:spPr>
+      </p:pic>
+      <p:sp>
+        <p:nvSpPr>
+          <p:cNvPr id="56" name="Google Shape;713;p34">
+            <a:extLst>
+              <a:ext uri="{FF2B5EF4-FFF2-40B4-BE49-F238E27FC236}">
+                <a16:creationId xmlns:a16="http://schemas.microsoft.com/office/drawing/2014/main" id="{C101635D-CC7D-6A4F-9E20-35188830A4E6}"/>
+              </a:ext>
+            </a:extLst>
+          </p:cNvPr>
+          <p:cNvSpPr txBox="1">
+            <a:spLocks/>
+          </p:cNvSpPr>
+          <p:nvPr/>
+        </p:nvSpPr>
+        <p:spPr>
+          <a:xfrm>
+            <a:off x="2481537" y="2354927"/>
+            <a:ext cx="4605157" cy="1090608"/>
+          </a:xfrm>
+          <a:prstGeom prst="rect">
+            <a:avLst/>
+          </a:prstGeom>
+          <a:noFill/>
+          <a:ln>
+            <a:noFill/>
+          </a:ln>
+        </p:spPr>
+        <p:txBody>
+          <a:bodyPr spcFirstLastPara="1" wrap="square" lIns="182880" tIns="91425" rIns="91425" bIns="91425" anchor="b" anchorCtr="0">
+            <a:noAutofit/>
+          </a:bodyPr>
+          <a:lstStyle>
+            <a:defPPr marR="0" lvl="0" algn="l" rtl="0">
+              <a:lnSpc>
+                <a:spcPct val="100000"/>
+              </a:lnSpc>
+              <a:spcBef>
+                <a:spcPts val="0"/>
+              </a:spcBef>
+              <a:spcAft>
+                <a:spcPts val="0"/>
+              </a:spcAft>
+            </a:defPPr>
+            <a:lvl1pPr marR="0" lvl="0" algn="l" rtl="0">
+              <a:lnSpc>
+                <a:spcPct val="100000"/>
+              </a:lnSpc>
+              <a:spcBef>
+                <a:spcPts val="0"/>
+              </a:spcBef>
+              <a:spcAft>
+                <a:spcPts val="0"/>
+              </a:spcAft>
+              <a:buClr>
+                <a:srgbClr val="000000"/>
+              </a:buClr>
+              <a:buSzPts val="3600"/>
+              <a:buFont typeface="Share Tech"/>
+              <a:buNone/>
+              <a:defRPr sz="3000" b="0" i="0" u="none" strike="noStrike" cap="none">
+                <a:solidFill>
+                  <a:schemeClr val="lt1"/>
+                </a:solidFill>
+                <a:latin typeface="Share Tech"/>
+                <a:ea typeface="Share Tech"/>
+                <a:cs typeface="Share Tech"/>
+                <a:sym typeface="Share Tech"/>
+              </a:defRPr>
+            </a:lvl1pPr>
+            <a:lvl2pPr marR="0" lvl="1" algn="ctr" rtl="0">
+              <a:lnSpc>
+                <a:spcPct val="100000"/>
+              </a:lnSpc>
+              <a:spcBef>
+                <a:spcPts val="0"/>
+              </a:spcBef>
+              <a:spcAft>
+                <a:spcPts val="0"/>
+              </a:spcAft>
+              <a:buClr>
+                <a:srgbClr val="D9D9D9"/>
+              </a:buClr>
+              <a:buSzPts val="1800"/>
+              <a:buFont typeface="Share Tech"/>
+              <a:buNone/>
+              <a:defRPr sz="1800" b="0" i="0" u="none" strike="noStrike" cap="none">
+                <a:solidFill>
+                  <a:srgbClr val="D9D9D9"/>
+                </a:solidFill>
+                <a:latin typeface="Share Tech"/>
+                <a:ea typeface="Share Tech"/>
+                <a:cs typeface="Share Tech"/>
+                <a:sym typeface="Share Tech"/>
+              </a:defRPr>
+            </a:lvl2pPr>
+            <a:lvl3pPr marR="0" lvl="2" algn="ctr" rtl="0">
+              <a:lnSpc>
+                <a:spcPct val="100000"/>
+              </a:lnSpc>
+              <a:spcBef>
+                <a:spcPts val="0"/>
+              </a:spcBef>
+              <a:spcAft>
+                <a:spcPts val="0"/>
+              </a:spcAft>
+              <a:buClr>
+                <a:srgbClr val="D9D9D9"/>
+              </a:buClr>
+              <a:buSzPts val="1800"/>
+              <a:buFont typeface="Share Tech"/>
+              <a:buNone/>
+              <a:defRPr sz="1800" b="0" i="0" u="none" strike="noStrike" cap="none">
+                <a:solidFill>
+                  <a:srgbClr val="D9D9D9"/>
+                </a:solidFill>
+                <a:latin typeface="Share Tech"/>
+                <a:ea typeface="Share Tech"/>
+                <a:cs typeface="Share Tech"/>
+                <a:sym typeface="Share Tech"/>
+              </a:defRPr>
+            </a:lvl3pPr>
+            <a:lvl4pPr marR="0" lvl="3" algn="ctr" rtl="0">
+              <a:lnSpc>
+                <a:spcPct val="100000"/>
+              </a:lnSpc>
+              <a:spcBef>
+                <a:spcPts val="0"/>
+              </a:spcBef>
+              <a:spcAft>
+                <a:spcPts val="0"/>
+              </a:spcAft>
+              <a:buClr>
+                <a:srgbClr val="D9D9D9"/>
+              </a:buClr>
+              <a:buSzPts val="1800"/>
+              <a:buFont typeface="Share Tech"/>
+              <a:buNone/>
+              <a:defRPr sz="1800" b="0" i="0" u="none" strike="noStrike" cap="none">
+                <a:solidFill>
+                  <a:srgbClr val="D9D9D9"/>
+                </a:solidFill>
+                <a:latin typeface="Share Tech"/>
+                <a:ea typeface="Share Tech"/>
+                <a:cs typeface="Share Tech"/>
+                <a:sym typeface="Share Tech"/>
+              </a:defRPr>
+            </a:lvl4pPr>
+            <a:lvl5pPr marR="0" lvl="4" algn="ctr" rtl="0">
+              <a:lnSpc>
+                <a:spcPct val="100000"/>
+              </a:lnSpc>
+              <a:spcBef>
+                <a:spcPts val="0"/>
+              </a:spcBef>
+              <a:spcAft>
+                <a:spcPts val="0"/>
+              </a:spcAft>
+              <a:buClr>
+                <a:srgbClr val="D9D9D9"/>
+              </a:buClr>
+              <a:buSzPts val="1800"/>
+              <a:buFont typeface="Share Tech"/>
+              <a:buNone/>
+              <a:defRPr sz="1800" b="0" i="0" u="none" strike="noStrike" cap="none">
+                <a:solidFill>
+                  <a:srgbClr val="D9D9D9"/>
+                </a:solidFill>
+                <a:latin typeface="Share Tech"/>
+                <a:ea typeface="Share Tech"/>
+                <a:cs typeface="Share Tech"/>
+                <a:sym typeface="Share Tech"/>
+              </a:defRPr>
+            </a:lvl5pPr>
+            <a:lvl6pPr marR="0" lvl="5" algn="ctr" rtl="0">
+              <a:lnSpc>
+                <a:spcPct val="100000"/>
+              </a:lnSpc>
+              <a:spcBef>
+                <a:spcPts val="0"/>
+              </a:spcBef>
+              <a:spcAft>
+                <a:spcPts val="0"/>
+              </a:spcAft>
+              <a:buClr>
+                <a:srgbClr val="D9D9D9"/>
+              </a:buClr>
+              <a:buSzPts val="1800"/>
+              <a:buFont typeface="Share Tech"/>
+              <a:buNone/>
+              <a:defRPr sz="1800" b="0" i="0" u="none" strike="noStrike" cap="none">
+                <a:solidFill>
+                  <a:srgbClr val="D9D9D9"/>
+                </a:solidFill>
+                <a:latin typeface="Share Tech"/>
+                <a:ea typeface="Share Tech"/>
+                <a:cs typeface="Share Tech"/>
+                <a:sym typeface="Share Tech"/>
+              </a:defRPr>
+            </a:lvl6pPr>
+            <a:lvl7pPr marR="0" lvl="6" algn="ctr" rtl="0">
+              <a:lnSpc>
+                <a:spcPct val="100000"/>
+              </a:lnSpc>
+              <a:spcBef>
+                <a:spcPts val="0"/>
+              </a:spcBef>
+              <a:spcAft>
+                <a:spcPts val="0"/>
+              </a:spcAft>
+              <a:buClr>
+                <a:srgbClr val="D9D9D9"/>
+              </a:buClr>
+              <a:buSzPts val="1800"/>
+              <a:buFont typeface="Share Tech"/>
+              <a:buNone/>
+              <a:defRPr sz="1800" b="0" i="0" u="none" strike="noStrike" cap="none">
+                <a:solidFill>
+                  <a:srgbClr val="D9D9D9"/>
+                </a:solidFill>
+                <a:latin typeface="Share Tech"/>
+                <a:ea typeface="Share Tech"/>
+                <a:cs typeface="Share Tech"/>
+                <a:sym typeface="Share Tech"/>
+              </a:defRPr>
+            </a:lvl7pPr>
+            <a:lvl8pPr marR="0" lvl="7" algn="ctr" rtl="0">
+              <a:lnSpc>
+                <a:spcPct val="100000"/>
+              </a:lnSpc>
+              <a:spcBef>
+                <a:spcPts val="0"/>
+              </a:spcBef>
+              <a:spcAft>
+                <a:spcPts val="0"/>
+              </a:spcAft>
+              <a:buClr>
+                <a:srgbClr val="D9D9D9"/>
+              </a:buClr>
+              <a:buSzPts val="1800"/>
+              <a:buFont typeface="Share Tech"/>
+              <a:buNone/>
+              <a:defRPr sz="1800" b="0" i="0" u="none" strike="noStrike" cap="none">
+                <a:solidFill>
+                  <a:srgbClr val="D9D9D9"/>
+                </a:solidFill>
+                <a:latin typeface="Share Tech"/>
+                <a:ea typeface="Share Tech"/>
+                <a:cs typeface="Share Tech"/>
+                <a:sym typeface="Share Tech"/>
+              </a:defRPr>
+            </a:lvl8pPr>
+            <a:lvl9pPr marR="0" lvl="8" algn="ctr" rtl="0">
+              <a:lnSpc>
+                <a:spcPct val="100000"/>
+              </a:lnSpc>
+              <a:spcBef>
+                <a:spcPts val="0"/>
+              </a:spcBef>
+              <a:spcAft>
+                <a:spcPts val="0"/>
+              </a:spcAft>
+              <a:buClr>
+                <a:srgbClr val="D9D9D9"/>
+              </a:buClr>
+              <a:buSzPts val="1800"/>
+              <a:buFont typeface="Share Tech"/>
+              <a:buNone/>
+              <a:defRPr sz="1800" b="0" i="0" u="none" strike="noStrike" cap="none">
+                <a:solidFill>
+                  <a:srgbClr val="D9D9D9"/>
+                </a:solidFill>
+                <a:latin typeface="Share Tech"/>
+                <a:ea typeface="Share Tech"/>
+                <a:cs typeface="Share Tech"/>
+                <a:sym typeface="Share Tech"/>
+              </a:defRPr>
+            </a:lvl9pPr>
+          </a:lstStyle>
+          <a:p>
+            <a:pPr algn="ctr">
+              <a:buClr>
+                <a:schemeClr val="bg1"/>
+              </a:buClr>
+              <a:buSzPct val="100000"/>
+            </a:pPr>
+            <a:r>
+              <a:rPr lang="en-US" sz="1600" dirty="0">
+                <a:solidFill>
+                  <a:schemeClr val="tx2"/>
+                </a:solidFill>
+              </a:rPr>
+              <a:t>2.8 million/week</a:t>
+            </a:r>
+          </a:p>
+          <a:p>
+            <a:pPr algn="ctr">
+              <a:buClr>
+                <a:schemeClr val="bg1"/>
+              </a:buClr>
+              <a:buSzPct val="100000"/>
+            </a:pPr>
+            <a:r>
+              <a:rPr lang="en-US" sz="1600" dirty="0">
+                <a:solidFill>
+                  <a:schemeClr val="bg1"/>
+                </a:solidFill>
+              </a:rPr>
+              <a:t>(1.4 million people)</a:t>
+            </a:r>
+          </a:p>
+          <a:p>
+            <a:r>
+              <a:rPr lang="en-US" sz="1600" dirty="0">
+                <a:solidFill>
+                  <a:schemeClr val="bg1"/>
+                </a:solidFill>
+              </a:rPr>
+              <a:t> </a:t>
+            </a:r>
+          </a:p>
+        </p:txBody>
+      </p:sp>
+      <p:sp>
+        <p:nvSpPr>
+          <p:cNvPr id="57" name="Google Shape;713;p34">
+            <a:extLst>
+              <a:ext uri="{FF2B5EF4-FFF2-40B4-BE49-F238E27FC236}">
+                <a16:creationId xmlns:a16="http://schemas.microsoft.com/office/drawing/2014/main" id="{D4D13561-B009-894E-B2B7-8824A24CDD91}"/>
+              </a:ext>
+            </a:extLst>
+          </p:cNvPr>
+          <p:cNvSpPr txBox="1">
+            <a:spLocks/>
+          </p:cNvSpPr>
+          <p:nvPr/>
+        </p:nvSpPr>
+        <p:spPr>
+          <a:xfrm>
+            <a:off x="4725427" y="3525520"/>
+            <a:ext cx="4605157" cy="1651000"/>
+          </a:xfrm>
+          <a:prstGeom prst="rect">
+            <a:avLst/>
+          </a:prstGeom>
+          <a:noFill/>
+          <a:ln>
+            <a:noFill/>
+          </a:ln>
+        </p:spPr>
+        <p:txBody>
+          <a:bodyPr spcFirstLastPara="1" wrap="square" lIns="182880" tIns="91425" rIns="91425" bIns="91425" anchor="b" anchorCtr="0">
+            <a:noAutofit/>
+          </a:bodyPr>
+          <a:lstStyle>
+            <a:defPPr marR="0" lvl="0" algn="l" rtl="0">
+              <a:lnSpc>
+                <a:spcPct val="100000"/>
+              </a:lnSpc>
+              <a:spcBef>
+                <a:spcPts val="0"/>
+              </a:spcBef>
+              <a:spcAft>
+                <a:spcPts val="0"/>
+              </a:spcAft>
+            </a:defPPr>
+            <a:lvl1pPr marR="0" lvl="0" algn="l" rtl="0">
+              <a:lnSpc>
+                <a:spcPct val="100000"/>
+              </a:lnSpc>
+              <a:spcBef>
+                <a:spcPts val="0"/>
+              </a:spcBef>
+              <a:spcAft>
+                <a:spcPts val="0"/>
+              </a:spcAft>
+              <a:buClr>
+                <a:srgbClr val="000000"/>
+              </a:buClr>
+              <a:buSzPts val="3600"/>
+              <a:buFont typeface="Share Tech"/>
+              <a:buNone/>
+              <a:defRPr sz="3000" b="0" i="0" u="none" strike="noStrike" cap="none">
+                <a:solidFill>
+                  <a:schemeClr val="lt1"/>
+                </a:solidFill>
+                <a:latin typeface="Share Tech"/>
+                <a:ea typeface="Share Tech"/>
+                <a:cs typeface="Share Tech"/>
+                <a:sym typeface="Share Tech"/>
+              </a:defRPr>
+            </a:lvl1pPr>
+            <a:lvl2pPr marR="0" lvl="1" algn="ctr" rtl="0">
+              <a:lnSpc>
+                <a:spcPct val="100000"/>
+              </a:lnSpc>
+              <a:spcBef>
+                <a:spcPts val="0"/>
+              </a:spcBef>
+              <a:spcAft>
+                <a:spcPts val="0"/>
+              </a:spcAft>
+              <a:buClr>
+                <a:srgbClr val="D9D9D9"/>
+              </a:buClr>
+              <a:buSzPts val="1800"/>
+              <a:buFont typeface="Share Tech"/>
+              <a:buNone/>
+              <a:defRPr sz="1800" b="0" i="0" u="none" strike="noStrike" cap="none">
+                <a:solidFill>
+                  <a:srgbClr val="D9D9D9"/>
+                </a:solidFill>
+                <a:latin typeface="Share Tech"/>
+                <a:ea typeface="Share Tech"/>
+                <a:cs typeface="Share Tech"/>
+                <a:sym typeface="Share Tech"/>
+              </a:defRPr>
+            </a:lvl2pPr>
+            <a:lvl3pPr marR="0" lvl="2" algn="ctr" rtl="0">
+              <a:lnSpc>
+                <a:spcPct val="100000"/>
+              </a:lnSpc>
+              <a:spcBef>
+                <a:spcPts val="0"/>
+              </a:spcBef>
+              <a:spcAft>
+                <a:spcPts val="0"/>
+              </a:spcAft>
+              <a:buClr>
+                <a:srgbClr val="D9D9D9"/>
+              </a:buClr>
+              <a:buSzPts val="1800"/>
+              <a:buFont typeface="Share Tech"/>
+              <a:buNone/>
+              <a:defRPr sz="1800" b="0" i="0" u="none" strike="noStrike" cap="none">
+                <a:solidFill>
+                  <a:srgbClr val="D9D9D9"/>
+                </a:solidFill>
+                <a:latin typeface="Share Tech"/>
+                <a:ea typeface="Share Tech"/>
+                <a:cs typeface="Share Tech"/>
+                <a:sym typeface="Share Tech"/>
+              </a:defRPr>
+            </a:lvl3pPr>
+            <a:lvl4pPr marR="0" lvl="3" algn="ctr" rtl="0">
+              <a:lnSpc>
+                <a:spcPct val="100000"/>
+              </a:lnSpc>
+              <a:spcBef>
+                <a:spcPts val="0"/>
+              </a:spcBef>
+              <a:spcAft>
+                <a:spcPts val="0"/>
+              </a:spcAft>
+              <a:buClr>
+                <a:srgbClr val="D9D9D9"/>
+              </a:buClr>
+              <a:buSzPts val="1800"/>
+              <a:buFont typeface="Share Tech"/>
+              <a:buNone/>
+              <a:defRPr sz="1800" b="0" i="0" u="none" strike="noStrike" cap="none">
+                <a:solidFill>
+                  <a:srgbClr val="D9D9D9"/>
+                </a:solidFill>
+                <a:latin typeface="Share Tech"/>
+                <a:ea typeface="Share Tech"/>
+                <a:cs typeface="Share Tech"/>
+                <a:sym typeface="Share Tech"/>
+              </a:defRPr>
+            </a:lvl4pPr>
+            <a:lvl5pPr marR="0" lvl="4" algn="ctr" rtl="0">
+              <a:lnSpc>
+                <a:spcPct val="100000"/>
+              </a:lnSpc>
+              <a:spcBef>
+                <a:spcPts val="0"/>
+              </a:spcBef>
+              <a:spcAft>
+                <a:spcPts val="0"/>
+              </a:spcAft>
+              <a:buClr>
+                <a:srgbClr val="D9D9D9"/>
+              </a:buClr>
+              <a:buSzPts val="1800"/>
+              <a:buFont typeface="Share Tech"/>
+              <a:buNone/>
+              <a:defRPr sz="1800" b="0" i="0" u="none" strike="noStrike" cap="none">
+                <a:solidFill>
+                  <a:srgbClr val="D9D9D9"/>
+                </a:solidFill>
+                <a:latin typeface="Share Tech"/>
+                <a:ea typeface="Share Tech"/>
+                <a:cs typeface="Share Tech"/>
+                <a:sym typeface="Share Tech"/>
+              </a:defRPr>
+            </a:lvl5pPr>
+            <a:lvl6pPr marR="0" lvl="5" algn="ctr" rtl="0">
+              <a:lnSpc>
+                <a:spcPct val="100000"/>
+              </a:lnSpc>
+              <a:spcBef>
+                <a:spcPts val="0"/>
+              </a:spcBef>
+              <a:spcAft>
+                <a:spcPts val="0"/>
+              </a:spcAft>
+              <a:buClr>
+                <a:srgbClr val="D9D9D9"/>
+              </a:buClr>
+              <a:buSzPts val="1800"/>
+              <a:buFont typeface="Share Tech"/>
+              <a:buNone/>
+              <a:defRPr sz="1800" b="0" i="0" u="none" strike="noStrike" cap="none">
+                <a:solidFill>
+                  <a:srgbClr val="D9D9D9"/>
+                </a:solidFill>
+                <a:latin typeface="Share Tech"/>
+                <a:ea typeface="Share Tech"/>
+                <a:cs typeface="Share Tech"/>
+                <a:sym typeface="Share Tech"/>
+              </a:defRPr>
+            </a:lvl6pPr>
+            <a:lvl7pPr marR="0" lvl="6" algn="ctr" rtl="0">
+              <a:lnSpc>
+                <a:spcPct val="100000"/>
+              </a:lnSpc>
+              <a:spcBef>
+                <a:spcPts val="0"/>
+              </a:spcBef>
+              <a:spcAft>
+                <a:spcPts val="0"/>
+              </a:spcAft>
+              <a:buClr>
+                <a:srgbClr val="D9D9D9"/>
+              </a:buClr>
+              <a:buSzPts val="1800"/>
+              <a:buFont typeface="Share Tech"/>
+              <a:buNone/>
+              <a:defRPr sz="1800" b="0" i="0" u="none" strike="noStrike" cap="none">
+                <a:solidFill>
+                  <a:srgbClr val="D9D9D9"/>
+                </a:solidFill>
+                <a:latin typeface="Share Tech"/>
+                <a:ea typeface="Share Tech"/>
+                <a:cs typeface="Share Tech"/>
+                <a:sym typeface="Share Tech"/>
+              </a:defRPr>
+            </a:lvl7pPr>
+            <a:lvl8pPr marR="0" lvl="7" algn="ctr" rtl="0">
+              <a:lnSpc>
+                <a:spcPct val="100000"/>
+              </a:lnSpc>
+              <a:spcBef>
+                <a:spcPts val="0"/>
+              </a:spcBef>
+              <a:spcAft>
+                <a:spcPts val="0"/>
+              </a:spcAft>
+              <a:buClr>
+                <a:srgbClr val="D9D9D9"/>
+              </a:buClr>
+              <a:buSzPts val="1800"/>
+              <a:buFont typeface="Share Tech"/>
+              <a:buNone/>
+              <a:defRPr sz="1800" b="0" i="0" u="none" strike="noStrike" cap="none">
+                <a:solidFill>
+                  <a:srgbClr val="D9D9D9"/>
+                </a:solidFill>
+                <a:latin typeface="Share Tech"/>
+                <a:ea typeface="Share Tech"/>
+                <a:cs typeface="Share Tech"/>
+                <a:sym typeface="Share Tech"/>
+              </a:defRPr>
+            </a:lvl8pPr>
+            <a:lvl9pPr marR="0" lvl="8" algn="ctr" rtl="0">
+              <a:lnSpc>
+                <a:spcPct val="100000"/>
+              </a:lnSpc>
+              <a:spcBef>
+                <a:spcPts val="0"/>
+              </a:spcBef>
+              <a:spcAft>
+                <a:spcPts val="0"/>
+              </a:spcAft>
+              <a:buClr>
+                <a:srgbClr val="D9D9D9"/>
+              </a:buClr>
+              <a:buSzPts val="1800"/>
+              <a:buFont typeface="Share Tech"/>
+              <a:buNone/>
+              <a:defRPr sz="1800" b="0" i="0" u="none" strike="noStrike" cap="none">
+                <a:solidFill>
+                  <a:srgbClr val="D9D9D9"/>
+                </a:solidFill>
+                <a:latin typeface="Share Tech"/>
+                <a:ea typeface="Share Tech"/>
+                <a:cs typeface="Share Tech"/>
+                <a:sym typeface="Share Tech"/>
+              </a:defRPr>
+            </a:lvl9pPr>
+          </a:lstStyle>
+          <a:p>
+            <a:pPr>
+              <a:buClr>
+                <a:schemeClr val="bg1"/>
+              </a:buClr>
+              <a:buSzPct val="100000"/>
+            </a:pPr>
+            <a:r>
+              <a:rPr lang="en-US" sz="1600" dirty="0">
+                <a:solidFill>
+                  <a:schemeClr val="bg1"/>
+                </a:solidFill>
+              </a:rPr>
+              <a:t>Total doses received (Jan 28</a:t>
+            </a:r>
+            <a:r>
+              <a:rPr lang="en-US" sz="1600" baseline="30000" dirty="0">
+                <a:solidFill>
+                  <a:schemeClr val="bg1"/>
+                </a:solidFill>
+              </a:rPr>
+              <a:t>th</a:t>
+            </a:r>
+            <a:r>
+              <a:rPr lang="en-US" sz="1600" dirty="0">
+                <a:solidFill>
+                  <a:schemeClr val="bg1"/>
+                </a:solidFill>
+              </a:rPr>
+              <a:t> 2021) = 5.5 million</a:t>
+            </a:r>
+          </a:p>
+          <a:p>
+            <a:pPr>
+              <a:buClr>
+                <a:schemeClr val="bg1"/>
+              </a:buClr>
+              <a:buSzPct val="100000"/>
+            </a:pPr>
+            <a:r>
+              <a:rPr lang="en-US" sz="1600" dirty="0">
+                <a:solidFill>
+                  <a:schemeClr val="bg1"/>
+                </a:solidFill>
+              </a:rPr>
+              <a:t>Total doses expected </a:t>
+            </a:r>
+            <a:r>
+              <a:rPr lang="en-US" sz="1600" dirty="0">
+                <a:solidFill>
+                  <a:schemeClr val="tx2"/>
+                </a:solidFill>
+              </a:rPr>
+              <a:t>(July 31</a:t>
+            </a:r>
+            <a:r>
+              <a:rPr lang="en-US" sz="1600" baseline="30000" dirty="0">
+                <a:solidFill>
+                  <a:schemeClr val="tx2"/>
+                </a:solidFill>
+              </a:rPr>
+              <a:t>st</a:t>
+            </a:r>
+            <a:r>
+              <a:rPr lang="en-US" sz="1600" dirty="0">
+                <a:solidFill>
+                  <a:schemeClr val="tx2"/>
+                </a:solidFill>
+              </a:rPr>
+              <a:t> 2021</a:t>
+            </a:r>
+            <a:r>
+              <a:rPr lang="en-US" sz="1600" dirty="0">
+                <a:solidFill>
+                  <a:schemeClr val="bg1"/>
+                </a:solidFill>
+              </a:rPr>
+              <a:t>) = 69 million </a:t>
+            </a:r>
+          </a:p>
+          <a:p>
+            <a:pPr lvl="1">
+              <a:buClr>
+                <a:schemeClr val="bg1"/>
+              </a:buClr>
+              <a:buSzPct val="100000"/>
+            </a:pPr>
+            <a:endParaRPr lang="en-US" sz="1600" dirty="0">
+              <a:solidFill>
+                <a:schemeClr val="tx1">
+                  <a:lumMod val="20000"/>
+                  <a:lumOff val="80000"/>
+                </a:schemeClr>
+              </a:solidFill>
+            </a:endParaRPr>
+          </a:p>
+          <a:p>
+            <a:r>
+              <a:rPr lang="en-US" sz="1600" dirty="0">
+                <a:solidFill>
+                  <a:schemeClr val="bg1"/>
+                </a:solidFill>
+              </a:rPr>
+              <a:t> </a:t>
+            </a:r>
+          </a:p>
+        </p:txBody>
+      </p:sp>
+      <p:pic>
+        <p:nvPicPr>
+          <p:cNvPr id="47" name="Picture 46" descr="Shape&#10;&#10;Description automatically generated with medium confidence">
+            <a:extLst>
+              <a:ext uri="{FF2B5EF4-FFF2-40B4-BE49-F238E27FC236}">
+                <a16:creationId xmlns:a16="http://schemas.microsoft.com/office/drawing/2014/main" id="{E48FE549-357A-F742-A5EF-1B6C08E849D6}"/>
+              </a:ext>
+            </a:extLst>
+          </p:cNvPr>
+          <p:cNvPicPr>
+            <a:picLocks noChangeAspect="1"/>
+          </p:cNvPicPr>
+          <p:nvPr/>
+        </p:nvPicPr>
+        <p:blipFill>
+          <a:blip r:embed="rId5">
+            <a:alphaModFix/>
+            <a:duotone>
+              <a:schemeClr val="accent1">
+                <a:shade val="45000"/>
+                <a:satMod val="135000"/>
+              </a:schemeClr>
+              <a:prstClr val="white"/>
+            </a:duotone>
+          </a:blip>
+          <a:stretch>
+            <a:fillRect/>
+          </a:stretch>
+        </p:blipFill>
+        <p:spPr>
+          <a:xfrm>
+            <a:off x="4204043" y="2051851"/>
+            <a:ext cx="1100652" cy="896306"/>
+          </a:xfrm>
+          <a:prstGeom prst="rect">
+            <a:avLst/>
+          </a:prstGeom>
+          <a:effectLst/>
+        </p:spPr>
+      </p:pic>
+      <p:pic>
+        <p:nvPicPr>
+          <p:cNvPr id="63" name="Picture 62">
+            <a:extLst>
+              <a:ext uri="{FF2B5EF4-FFF2-40B4-BE49-F238E27FC236}">
+                <a16:creationId xmlns:a16="http://schemas.microsoft.com/office/drawing/2014/main" id="{4CD4DEC7-6BDD-C34E-B160-6A4B56CCD06C}"/>
+              </a:ext>
+            </a:extLst>
+          </p:cNvPr>
+          <p:cNvPicPr>
+            <a:picLocks noChangeAspect="1"/>
+          </p:cNvPicPr>
+          <p:nvPr/>
+        </p:nvPicPr>
+        <p:blipFill>
+          <a:blip r:embed="rId2">
+            <a:alphaModFix amt="80000"/>
+          </a:blip>
+          <a:stretch>
+            <a:fillRect/>
+          </a:stretch>
+        </p:blipFill>
+        <p:spPr>
+          <a:xfrm>
+            <a:off x="6971003" y="2651429"/>
+            <a:ext cx="496132" cy="496132"/>
+          </a:xfrm>
+          <a:prstGeom prst="rect">
+            <a:avLst/>
+          </a:prstGeom>
+        </p:spPr>
+      </p:pic>
+    </p:spTree>
+    <p:extLst>
+      <p:ext uri="{BB962C8B-B14F-4D97-AF65-F5344CB8AC3E}">
+        <p14:creationId xmlns:p14="http://schemas.microsoft.com/office/powerpoint/2010/main" val="3571245669"/>
+      </p:ext>
+    </p:extLst>
+  </p:cSld>
+  <p:clrMapOvr>
+    <a:masterClrMapping/>
+  </p:clrMapOvr>
+</p:sld>
+</file>
+
+<file path=ppt/slides/slide14.xml><?xml version="1.0" encoding="utf-8"?>
+<p:sld xmlns:a="http://schemas.openxmlformats.org/drawingml/2006/main" xmlns:r="http://schemas.openxmlformats.org/officeDocument/2006/relationships" xmlns:p="http://schemas.openxmlformats.org/presentationml/2006/main" showMasterSp="0">
+  <p:cSld>
+    <p:spTree>
+      <p:nvGrpSpPr>
+        <p:cNvPr id="1" name="Shape 505"/>
+        <p:cNvGrpSpPr/>
+        <p:nvPr/>
+      </p:nvGrpSpPr>
+      <p:grpSpPr>
+        <a:xfrm>
+          <a:off x="0" y="0"/>
+          <a:ext cx="0" cy="0"/>
+          <a:chOff x="0" y="0"/>
+          <a:chExt cx="0" cy="0"/>
+        </a:xfrm>
+      </p:grpSpPr>
+      <p:sp>
+        <p:nvSpPr>
+          <p:cNvPr id="507" name="Google Shape;507;p28"/>
+          <p:cNvSpPr txBox="1">
+            <a:spLocks noGrp="1"/>
+          </p:cNvSpPr>
+          <p:nvPr>
+            <p:ph type="ctrTitle"/>
+          </p:nvPr>
+        </p:nvSpPr>
+        <p:spPr>
+          <a:xfrm>
+            <a:off x="434875" y="401207"/>
+            <a:ext cx="8277325" cy="577800"/>
+          </a:xfrm>
+          <a:prstGeom prst="rect">
+            <a:avLst/>
+          </a:prstGeom>
+        </p:spPr>
+        <p:txBody>
+          <a:bodyPr spcFirstLastPara="1" wrap="square" lIns="91425" tIns="91425" rIns="91425" bIns="91425" anchor="b" anchorCtr="0">
+            <a:noAutofit/>
+          </a:bodyPr>
+          <a:lstStyle/>
+          <a:p>
+            <a:pPr marL="0" lvl="0" indent="0" algn="l" rtl="0">
+              <a:spcBef>
+                <a:spcPts val="0"/>
+              </a:spcBef>
+              <a:spcAft>
+                <a:spcPts val="0"/>
+              </a:spcAft>
+              <a:buNone/>
+            </a:pPr>
+            <a:r>
+              <a:rPr lang="en" dirty="0"/>
+              <a:t>Conclusion </a:t>
+            </a:r>
+            <a:endParaRPr dirty="0"/>
+          </a:p>
+        </p:txBody>
+      </p:sp>
+      <p:sp>
+        <p:nvSpPr>
+          <p:cNvPr id="9" name="Google Shape;572;p29">
+            <a:extLst>
+              <a:ext uri="{FF2B5EF4-FFF2-40B4-BE49-F238E27FC236}">
+                <a16:creationId xmlns:a16="http://schemas.microsoft.com/office/drawing/2014/main" id="{7AFD4EC5-7980-5947-8C15-E2EEDAF19E10}"/>
+              </a:ext>
+            </a:extLst>
+          </p:cNvPr>
+          <p:cNvSpPr txBox="1">
+            <a:spLocks/>
+          </p:cNvSpPr>
+          <p:nvPr/>
+        </p:nvSpPr>
+        <p:spPr>
+          <a:xfrm>
+            <a:off x="942223" y="1230630"/>
+            <a:ext cx="7442434" cy="1441450"/>
+          </a:xfrm>
+          <a:prstGeom prst="rect">
+            <a:avLst/>
+          </a:prstGeom>
+          <a:noFill/>
+          <a:ln>
+            <a:noFill/>
+          </a:ln>
+        </p:spPr>
+        <p:txBody>
+          <a:bodyPr spcFirstLastPara="1" wrap="square" lIns="91425" tIns="91425" rIns="91425" bIns="91425" anchor="b" anchorCtr="0">
+            <a:noAutofit/>
+          </a:bodyPr>
+          <a:lstStyle>
+            <a:defPPr marR="0" lvl="0" algn="l" rtl="0">
+              <a:lnSpc>
+                <a:spcPct val="100000"/>
+              </a:lnSpc>
+              <a:spcBef>
+                <a:spcPts val="0"/>
+              </a:spcBef>
+              <a:spcAft>
+                <a:spcPts val="0"/>
+              </a:spcAft>
+            </a:defPPr>
+            <a:lvl1pPr marR="0" lvl="0" algn="l" rtl="0">
+              <a:lnSpc>
+                <a:spcPct val="100000"/>
+              </a:lnSpc>
+              <a:spcBef>
+                <a:spcPts val="0"/>
+              </a:spcBef>
+              <a:spcAft>
+                <a:spcPts val="0"/>
+              </a:spcAft>
+              <a:buClr>
+                <a:srgbClr val="000000"/>
+              </a:buClr>
+              <a:buSzPts val="3600"/>
+              <a:buFont typeface="Share Tech"/>
+              <a:buNone/>
+              <a:defRPr sz="3000" b="0" i="0" u="none" strike="noStrike" cap="none">
+                <a:solidFill>
+                  <a:schemeClr val="lt1"/>
+                </a:solidFill>
+                <a:latin typeface="Share Tech"/>
+                <a:ea typeface="Share Tech"/>
+                <a:cs typeface="Share Tech"/>
+                <a:sym typeface="Share Tech"/>
+              </a:defRPr>
+            </a:lvl1pPr>
+            <a:lvl2pPr marR="0" lvl="1" algn="ctr" rtl="0">
+              <a:lnSpc>
+                <a:spcPct val="100000"/>
+              </a:lnSpc>
+              <a:spcBef>
+                <a:spcPts val="0"/>
+              </a:spcBef>
+              <a:spcAft>
+                <a:spcPts val="0"/>
+              </a:spcAft>
+              <a:buClr>
+                <a:srgbClr val="D9D9D9"/>
+              </a:buClr>
+              <a:buSzPts val="1800"/>
+              <a:buFont typeface="Share Tech"/>
+              <a:buNone/>
+              <a:defRPr sz="1800" b="0" i="0" u="none" strike="noStrike" cap="none">
+                <a:solidFill>
+                  <a:srgbClr val="D9D9D9"/>
+                </a:solidFill>
+                <a:latin typeface="Share Tech"/>
+                <a:ea typeface="Share Tech"/>
+                <a:cs typeface="Share Tech"/>
+                <a:sym typeface="Share Tech"/>
+              </a:defRPr>
+            </a:lvl2pPr>
+            <a:lvl3pPr marR="0" lvl="2" algn="ctr" rtl="0">
+              <a:lnSpc>
+                <a:spcPct val="100000"/>
+              </a:lnSpc>
+              <a:spcBef>
+                <a:spcPts val="0"/>
+              </a:spcBef>
+              <a:spcAft>
+                <a:spcPts val="0"/>
+              </a:spcAft>
+              <a:buClr>
+                <a:srgbClr val="D9D9D9"/>
+              </a:buClr>
+              <a:buSzPts val="1800"/>
+              <a:buFont typeface="Share Tech"/>
+              <a:buNone/>
+              <a:defRPr sz="1800" b="0" i="0" u="none" strike="noStrike" cap="none">
+                <a:solidFill>
+                  <a:srgbClr val="D9D9D9"/>
+                </a:solidFill>
+                <a:latin typeface="Share Tech"/>
+                <a:ea typeface="Share Tech"/>
+                <a:cs typeface="Share Tech"/>
+                <a:sym typeface="Share Tech"/>
+              </a:defRPr>
+            </a:lvl3pPr>
+            <a:lvl4pPr marR="0" lvl="3" algn="ctr" rtl="0">
+              <a:lnSpc>
+                <a:spcPct val="100000"/>
+              </a:lnSpc>
+              <a:spcBef>
+                <a:spcPts val="0"/>
+              </a:spcBef>
+              <a:spcAft>
+                <a:spcPts val="0"/>
+              </a:spcAft>
+              <a:buClr>
+                <a:srgbClr val="D9D9D9"/>
+              </a:buClr>
+              <a:buSzPts val="1800"/>
+              <a:buFont typeface="Share Tech"/>
+              <a:buNone/>
+              <a:defRPr sz="1800" b="0" i="0" u="none" strike="noStrike" cap="none">
+                <a:solidFill>
+                  <a:srgbClr val="D9D9D9"/>
+                </a:solidFill>
+                <a:latin typeface="Share Tech"/>
+                <a:ea typeface="Share Tech"/>
+                <a:cs typeface="Share Tech"/>
+                <a:sym typeface="Share Tech"/>
+              </a:defRPr>
+            </a:lvl4pPr>
+            <a:lvl5pPr marR="0" lvl="4" algn="ctr" rtl="0">
+              <a:lnSpc>
+                <a:spcPct val="100000"/>
+              </a:lnSpc>
+              <a:spcBef>
+                <a:spcPts val="0"/>
+              </a:spcBef>
+              <a:spcAft>
+                <a:spcPts val="0"/>
+              </a:spcAft>
+              <a:buClr>
+                <a:srgbClr val="D9D9D9"/>
+              </a:buClr>
+              <a:buSzPts val="1800"/>
+              <a:buFont typeface="Share Tech"/>
+              <a:buNone/>
+              <a:defRPr sz="1800" b="0" i="0" u="none" strike="noStrike" cap="none">
+                <a:solidFill>
+                  <a:srgbClr val="D9D9D9"/>
+                </a:solidFill>
+                <a:latin typeface="Share Tech"/>
+                <a:ea typeface="Share Tech"/>
+                <a:cs typeface="Share Tech"/>
+                <a:sym typeface="Share Tech"/>
+              </a:defRPr>
+            </a:lvl5pPr>
+            <a:lvl6pPr marR="0" lvl="5" algn="ctr" rtl="0">
+              <a:lnSpc>
+                <a:spcPct val="100000"/>
+              </a:lnSpc>
+              <a:spcBef>
+                <a:spcPts val="0"/>
+              </a:spcBef>
+              <a:spcAft>
+                <a:spcPts val="0"/>
+              </a:spcAft>
+              <a:buClr>
+                <a:srgbClr val="D9D9D9"/>
+              </a:buClr>
+              <a:buSzPts val="1800"/>
+              <a:buFont typeface="Share Tech"/>
+              <a:buNone/>
+              <a:defRPr sz="1800" b="0" i="0" u="none" strike="noStrike" cap="none">
+                <a:solidFill>
+                  <a:srgbClr val="D9D9D9"/>
+                </a:solidFill>
+                <a:latin typeface="Share Tech"/>
+                <a:ea typeface="Share Tech"/>
+                <a:cs typeface="Share Tech"/>
+                <a:sym typeface="Share Tech"/>
+              </a:defRPr>
+            </a:lvl6pPr>
+            <a:lvl7pPr marR="0" lvl="6" algn="ctr" rtl="0">
+              <a:lnSpc>
+                <a:spcPct val="100000"/>
+              </a:lnSpc>
+              <a:spcBef>
+                <a:spcPts val="0"/>
+              </a:spcBef>
+              <a:spcAft>
+                <a:spcPts val="0"/>
+              </a:spcAft>
+              <a:buClr>
+                <a:srgbClr val="D9D9D9"/>
+              </a:buClr>
+              <a:buSzPts val="1800"/>
+              <a:buFont typeface="Share Tech"/>
+              <a:buNone/>
+              <a:defRPr sz="1800" b="0" i="0" u="none" strike="noStrike" cap="none">
+                <a:solidFill>
+                  <a:srgbClr val="D9D9D9"/>
+                </a:solidFill>
+                <a:latin typeface="Share Tech"/>
+                <a:ea typeface="Share Tech"/>
+                <a:cs typeface="Share Tech"/>
+                <a:sym typeface="Share Tech"/>
+              </a:defRPr>
+            </a:lvl7pPr>
+            <a:lvl8pPr marR="0" lvl="7" algn="ctr" rtl="0">
+              <a:lnSpc>
+                <a:spcPct val="100000"/>
+              </a:lnSpc>
+              <a:spcBef>
+                <a:spcPts val="0"/>
+              </a:spcBef>
+              <a:spcAft>
+                <a:spcPts val="0"/>
+              </a:spcAft>
+              <a:buClr>
+                <a:srgbClr val="D9D9D9"/>
+              </a:buClr>
+              <a:buSzPts val="1800"/>
+              <a:buFont typeface="Share Tech"/>
+              <a:buNone/>
+              <a:defRPr sz="1800" b="0" i="0" u="none" strike="noStrike" cap="none">
+                <a:solidFill>
+                  <a:srgbClr val="D9D9D9"/>
+                </a:solidFill>
+                <a:latin typeface="Share Tech"/>
+                <a:ea typeface="Share Tech"/>
+                <a:cs typeface="Share Tech"/>
+                <a:sym typeface="Share Tech"/>
+              </a:defRPr>
+            </a:lvl8pPr>
+            <a:lvl9pPr marR="0" lvl="8" algn="ctr" rtl="0">
+              <a:lnSpc>
+                <a:spcPct val="100000"/>
+              </a:lnSpc>
+              <a:spcBef>
+                <a:spcPts val="0"/>
+              </a:spcBef>
+              <a:spcAft>
+                <a:spcPts val="0"/>
+              </a:spcAft>
+              <a:buClr>
+                <a:srgbClr val="D9D9D9"/>
+              </a:buClr>
+              <a:buSzPts val="1800"/>
+              <a:buFont typeface="Share Tech"/>
+              <a:buNone/>
+              <a:defRPr sz="1800" b="0" i="0" u="none" strike="noStrike" cap="none">
+                <a:solidFill>
+                  <a:srgbClr val="D9D9D9"/>
+                </a:solidFill>
+                <a:latin typeface="Share Tech"/>
+                <a:ea typeface="Share Tech"/>
+                <a:cs typeface="Share Tech"/>
+                <a:sym typeface="Share Tech"/>
+              </a:defRPr>
+            </a:lvl9pPr>
+          </a:lstStyle>
+          <a:p>
+            <a:pPr marL="342900" indent="-342900">
+              <a:buClr>
+                <a:schemeClr val="bg1"/>
+              </a:buClr>
+              <a:buSzPct val="100000"/>
+              <a:buFontTx/>
+              <a:buChar char="-"/>
+            </a:pPr>
+            <a:r>
+              <a:rPr lang="en-US" sz="2400" dirty="0"/>
+              <a:t>forecasting is extremely difficult</a:t>
+            </a:r>
+          </a:p>
+          <a:p>
+            <a:pPr marL="342900" lvl="3" indent="-342900" algn="l">
+              <a:buClr>
+                <a:schemeClr val="bg1"/>
+              </a:buClr>
+              <a:buSzPct val="100000"/>
+              <a:buFontTx/>
+              <a:buChar char="-"/>
+            </a:pPr>
+            <a:r>
+              <a:rPr lang="en-US" sz="2000" dirty="0">
+                <a:solidFill>
+                  <a:schemeClr val="bg2">
+                    <a:lumMod val="10000"/>
+                    <a:lumOff val="90000"/>
+                  </a:schemeClr>
+                </a:solidFill>
+              </a:rPr>
+              <a:t>     currently, none of the existing models perform well</a:t>
+            </a:r>
+          </a:p>
+          <a:p>
+            <a:pPr marL="342900" lvl="1" indent="-342900" algn="l">
+              <a:buClr>
+                <a:schemeClr val="bg1"/>
+              </a:buClr>
+              <a:buSzPct val="100000"/>
+              <a:buFontTx/>
+              <a:buChar char="-"/>
+            </a:pPr>
+            <a:r>
+              <a:rPr lang="en-US" sz="2000" dirty="0">
+                <a:solidFill>
+                  <a:schemeClr val="bg2">
+                    <a:lumMod val="10000"/>
+                    <a:lumOff val="90000"/>
+                  </a:schemeClr>
+                </a:solidFill>
+              </a:rPr>
+              <a:t>     many unexpected factors can change the trends </a:t>
+            </a:r>
+          </a:p>
+          <a:p>
+            <a:pPr lvl="1" algn="l">
+              <a:buClr>
+                <a:schemeClr val="bg1"/>
+              </a:buClr>
+              <a:buSzPct val="100000"/>
+            </a:pPr>
+            <a:r>
+              <a:rPr lang="en-US" sz="2000" dirty="0">
+                <a:solidFill>
+                  <a:schemeClr val="bg2">
+                    <a:lumMod val="10000"/>
+                    <a:lumOff val="90000"/>
+                  </a:schemeClr>
+                </a:solidFill>
+              </a:rPr>
+              <a:t>          (govt policies, supply issues, distribution within the county, </a:t>
+            </a:r>
+            <a:r>
+              <a:rPr lang="en-US" sz="2000" dirty="0" err="1">
+                <a:solidFill>
+                  <a:schemeClr val="bg2">
+                    <a:lumMod val="10000"/>
+                    <a:lumOff val="90000"/>
+                  </a:schemeClr>
+                </a:solidFill>
+              </a:rPr>
+              <a:t>etc</a:t>
+            </a:r>
+            <a:r>
+              <a:rPr lang="en-US" sz="2000" dirty="0">
+                <a:solidFill>
+                  <a:schemeClr val="bg2">
+                    <a:lumMod val="10000"/>
+                    <a:lumOff val="90000"/>
+                  </a:schemeClr>
+                </a:solidFill>
+              </a:rPr>
+              <a:t>)</a:t>
+            </a:r>
+          </a:p>
+        </p:txBody>
+      </p:sp>
+      <p:sp>
+        <p:nvSpPr>
+          <p:cNvPr id="11" name="Google Shape;572;p29">
+            <a:extLst>
+              <a:ext uri="{FF2B5EF4-FFF2-40B4-BE49-F238E27FC236}">
+                <a16:creationId xmlns:a16="http://schemas.microsoft.com/office/drawing/2014/main" id="{02FE731C-0F7E-984C-8E60-A362AB94181E}"/>
+              </a:ext>
+            </a:extLst>
+          </p:cNvPr>
+          <p:cNvSpPr txBox="1">
+            <a:spLocks/>
+          </p:cNvSpPr>
+          <p:nvPr/>
+        </p:nvSpPr>
+        <p:spPr>
+          <a:xfrm>
+            <a:off x="942223" y="2923703"/>
+            <a:ext cx="7442434" cy="2374850"/>
+          </a:xfrm>
+          <a:prstGeom prst="rect">
+            <a:avLst/>
+          </a:prstGeom>
+          <a:noFill/>
+          <a:ln>
+            <a:noFill/>
+          </a:ln>
+        </p:spPr>
+        <p:txBody>
+          <a:bodyPr spcFirstLastPara="1" wrap="square" lIns="91425" tIns="91425" rIns="91425" bIns="91425" anchor="b" anchorCtr="0">
+            <a:noAutofit/>
+          </a:bodyPr>
+          <a:lstStyle>
+            <a:defPPr marR="0" lvl="0" algn="l" rtl="0">
+              <a:lnSpc>
+                <a:spcPct val="100000"/>
+              </a:lnSpc>
+              <a:spcBef>
+                <a:spcPts val="0"/>
+              </a:spcBef>
+              <a:spcAft>
+                <a:spcPts val="0"/>
+              </a:spcAft>
+            </a:defPPr>
+            <a:lvl1pPr marR="0" lvl="0" algn="l" rtl="0">
+              <a:lnSpc>
+                <a:spcPct val="100000"/>
+              </a:lnSpc>
+              <a:spcBef>
+                <a:spcPts val="0"/>
+              </a:spcBef>
+              <a:spcAft>
+                <a:spcPts val="0"/>
+              </a:spcAft>
+              <a:buClr>
+                <a:srgbClr val="000000"/>
+              </a:buClr>
+              <a:buSzPts val="3600"/>
+              <a:buFont typeface="Share Tech"/>
+              <a:buNone/>
+              <a:defRPr sz="3000" b="0" i="0" u="none" strike="noStrike" cap="none">
+                <a:solidFill>
+                  <a:schemeClr val="lt1"/>
+                </a:solidFill>
+                <a:latin typeface="Share Tech"/>
+                <a:ea typeface="Share Tech"/>
+                <a:cs typeface="Share Tech"/>
+                <a:sym typeface="Share Tech"/>
+              </a:defRPr>
+            </a:lvl1pPr>
+            <a:lvl2pPr marR="0" lvl="1" algn="ctr" rtl="0">
+              <a:lnSpc>
+                <a:spcPct val="100000"/>
+              </a:lnSpc>
+              <a:spcBef>
+                <a:spcPts val="0"/>
+              </a:spcBef>
+              <a:spcAft>
+                <a:spcPts val="0"/>
+              </a:spcAft>
+              <a:buClr>
+                <a:srgbClr val="D9D9D9"/>
+              </a:buClr>
+              <a:buSzPts val="1800"/>
+              <a:buFont typeface="Share Tech"/>
+              <a:buNone/>
+              <a:defRPr sz="1800" b="0" i="0" u="none" strike="noStrike" cap="none">
+                <a:solidFill>
+                  <a:srgbClr val="D9D9D9"/>
+                </a:solidFill>
+                <a:latin typeface="Share Tech"/>
+                <a:ea typeface="Share Tech"/>
+                <a:cs typeface="Share Tech"/>
+                <a:sym typeface="Share Tech"/>
+              </a:defRPr>
+            </a:lvl2pPr>
+            <a:lvl3pPr marR="0" lvl="2" algn="ctr" rtl="0">
+              <a:lnSpc>
+                <a:spcPct val="100000"/>
+              </a:lnSpc>
+              <a:spcBef>
+                <a:spcPts val="0"/>
+              </a:spcBef>
+              <a:spcAft>
+                <a:spcPts val="0"/>
+              </a:spcAft>
+              <a:buClr>
+                <a:srgbClr val="D9D9D9"/>
+              </a:buClr>
+              <a:buSzPts val="1800"/>
+              <a:buFont typeface="Share Tech"/>
+              <a:buNone/>
+              <a:defRPr sz="1800" b="0" i="0" u="none" strike="noStrike" cap="none">
+                <a:solidFill>
+                  <a:srgbClr val="D9D9D9"/>
+                </a:solidFill>
+                <a:latin typeface="Share Tech"/>
+                <a:ea typeface="Share Tech"/>
+                <a:cs typeface="Share Tech"/>
+                <a:sym typeface="Share Tech"/>
+              </a:defRPr>
+            </a:lvl3pPr>
+            <a:lvl4pPr marR="0" lvl="3" algn="ctr" rtl="0">
+              <a:lnSpc>
+                <a:spcPct val="100000"/>
+              </a:lnSpc>
+              <a:spcBef>
+                <a:spcPts val="0"/>
+              </a:spcBef>
+              <a:spcAft>
+                <a:spcPts val="0"/>
+              </a:spcAft>
+              <a:buClr>
+                <a:srgbClr val="D9D9D9"/>
+              </a:buClr>
+              <a:buSzPts val="1800"/>
+              <a:buFont typeface="Share Tech"/>
+              <a:buNone/>
+              <a:defRPr sz="1800" b="0" i="0" u="none" strike="noStrike" cap="none">
+                <a:solidFill>
+                  <a:srgbClr val="D9D9D9"/>
+                </a:solidFill>
+                <a:latin typeface="Share Tech"/>
+                <a:ea typeface="Share Tech"/>
+                <a:cs typeface="Share Tech"/>
+                <a:sym typeface="Share Tech"/>
+              </a:defRPr>
+            </a:lvl4pPr>
+            <a:lvl5pPr marR="0" lvl="4" algn="ctr" rtl="0">
+              <a:lnSpc>
+                <a:spcPct val="100000"/>
+              </a:lnSpc>
+              <a:spcBef>
+                <a:spcPts val="0"/>
+              </a:spcBef>
+              <a:spcAft>
+                <a:spcPts val="0"/>
+              </a:spcAft>
+              <a:buClr>
+                <a:srgbClr val="D9D9D9"/>
+              </a:buClr>
+              <a:buSzPts val="1800"/>
+              <a:buFont typeface="Share Tech"/>
+              <a:buNone/>
+              <a:defRPr sz="1800" b="0" i="0" u="none" strike="noStrike" cap="none">
+                <a:solidFill>
+                  <a:srgbClr val="D9D9D9"/>
+                </a:solidFill>
+                <a:latin typeface="Share Tech"/>
+                <a:ea typeface="Share Tech"/>
+                <a:cs typeface="Share Tech"/>
+                <a:sym typeface="Share Tech"/>
+              </a:defRPr>
+            </a:lvl5pPr>
+            <a:lvl6pPr marR="0" lvl="5" algn="ctr" rtl="0">
+              <a:lnSpc>
+                <a:spcPct val="100000"/>
+              </a:lnSpc>
+              <a:spcBef>
+                <a:spcPts val="0"/>
+              </a:spcBef>
+              <a:spcAft>
+                <a:spcPts val="0"/>
+              </a:spcAft>
+              <a:buClr>
+                <a:srgbClr val="D9D9D9"/>
+              </a:buClr>
+              <a:buSzPts val="1800"/>
+              <a:buFont typeface="Share Tech"/>
+              <a:buNone/>
+              <a:defRPr sz="1800" b="0" i="0" u="none" strike="noStrike" cap="none">
+                <a:solidFill>
+                  <a:srgbClr val="D9D9D9"/>
+                </a:solidFill>
+                <a:latin typeface="Share Tech"/>
+                <a:ea typeface="Share Tech"/>
+                <a:cs typeface="Share Tech"/>
+                <a:sym typeface="Share Tech"/>
+              </a:defRPr>
+            </a:lvl6pPr>
+            <a:lvl7pPr marR="0" lvl="6" algn="ctr" rtl="0">
+              <a:lnSpc>
+                <a:spcPct val="100000"/>
+              </a:lnSpc>
+              <a:spcBef>
+                <a:spcPts val="0"/>
+              </a:spcBef>
+              <a:spcAft>
+                <a:spcPts val="0"/>
+              </a:spcAft>
+              <a:buClr>
+                <a:srgbClr val="D9D9D9"/>
+              </a:buClr>
+              <a:buSzPts val="1800"/>
+              <a:buFont typeface="Share Tech"/>
+              <a:buNone/>
+              <a:defRPr sz="1800" b="0" i="0" u="none" strike="noStrike" cap="none">
+                <a:solidFill>
+                  <a:srgbClr val="D9D9D9"/>
+                </a:solidFill>
+                <a:latin typeface="Share Tech"/>
+                <a:ea typeface="Share Tech"/>
+                <a:cs typeface="Share Tech"/>
+                <a:sym typeface="Share Tech"/>
+              </a:defRPr>
+            </a:lvl7pPr>
+            <a:lvl8pPr marR="0" lvl="7" algn="ctr" rtl="0">
+              <a:lnSpc>
+                <a:spcPct val="100000"/>
+              </a:lnSpc>
+              <a:spcBef>
+                <a:spcPts val="0"/>
+              </a:spcBef>
+              <a:spcAft>
+                <a:spcPts val="0"/>
+              </a:spcAft>
+              <a:buClr>
+                <a:srgbClr val="D9D9D9"/>
+              </a:buClr>
+              <a:buSzPts val="1800"/>
+              <a:buFont typeface="Share Tech"/>
+              <a:buNone/>
+              <a:defRPr sz="1800" b="0" i="0" u="none" strike="noStrike" cap="none">
+                <a:solidFill>
+                  <a:srgbClr val="D9D9D9"/>
+                </a:solidFill>
+                <a:latin typeface="Share Tech"/>
+                <a:ea typeface="Share Tech"/>
+                <a:cs typeface="Share Tech"/>
+                <a:sym typeface="Share Tech"/>
+              </a:defRPr>
+            </a:lvl8pPr>
+            <a:lvl9pPr marR="0" lvl="8" algn="ctr" rtl="0">
+              <a:lnSpc>
+                <a:spcPct val="100000"/>
+              </a:lnSpc>
+              <a:spcBef>
+                <a:spcPts val="0"/>
+              </a:spcBef>
+              <a:spcAft>
+                <a:spcPts val="0"/>
+              </a:spcAft>
+              <a:buClr>
+                <a:srgbClr val="D9D9D9"/>
+              </a:buClr>
+              <a:buSzPts val="1800"/>
+              <a:buFont typeface="Share Tech"/>
+              <a:buNone/>
+              <a:defRPr sz="1800" b="0" i="0" u="none" strike="noStrike" cap="none">
+                <a:solidFill>
+                  <a:srgbClr val="D9D9D9"/>
+                </a:solidFill>
+                <a:latin typeface="Share Tech"/>
+                <a:ea typeface="Share Tech"/>
+                <a:cs typeface="Share Tech"/>
+                <a:sym typeface="Share Tech"/>
+              </a:defRPr>
+            </a:lvl9pPr>
+          </a:lstStyle>
+          <a:p>
+            <a:pPr marL="342900" lvl="1" indent="-342900">
+              <a:buClr>
+                <a:schemeClr val="bg1"/>
+              </a:buClr>
+              <a:buSzPct val="100000"/>
+              <a:buFontTx/>
+              <a:buChar char="-"/>
+            </a:pPr>
+            <a:endParaRPr lang="en-US" sz="2000" dirty="0"/>
+          </a:p>
+          <a:p>
+            <a:pPr marL="342900" indent="-342900">
+              <a:buClr>
+                <a:schemeClr val="bg1"/>
+              </a:buClr>
+              <a:buSzPct val="100000"/>
+              <a:buFontTx/>
+              <a:buChar char="-"/>
+            </a:pPr>
+            <a:r>
+              <a:rPr lang="en-US" sz="2400" dirty="0"/>
+              <a:t>mathematical models over ethics?    </a:t>
+            </a:r>
+          </a:p>
+          <a:p>
+            <a:pPr marL="342900" lvl="3" indent="-342900" algn="l">
+              <a:buClr>
+                <a:schemeClr val="bg1"/>
+              </a:buClr>
+              <a:buSzPct val="100000"/>
+              <a:buFontTx/>
+              <a:buChar char="-"/>
+            </a:pPr>
+            <a:r>
+              <a:rPr lang="en-US" sz="2000" dirty="0"/>
+              <a:t>     </a:t>
+            </a:r>
+            <a:r>
+              <a:rPr lang="en-US" sz="2000" dirty="0">
+                <a:solidFill>
+                  <a:schemeClr val="bg2">
+                    <a:lumMod val="10000"/>
+                    <a:lumOff val="90000"/>
+                  </a:schemeClr>
+                </a:solidFill>
+              </a:rPr>
+              <a:t>can we justify “optimizing” for the state? </a:t>
+            </a:r>
+          </a:p>
+          <a:p>
+            <a:pPr marL="342900" lvl="1" indent="-342900" algn="l">
+              <a:buClr>
+                <a:schemeClr val="bg1"/>
+              </a:buClr>
+              <a:buSzPct val="100000"/>
+              <a:buFontTx/>
+              <a:buChar char="-"/>
+            </a:pPr>
+            <a:r>
+              <a:rPr lang="en-US" sz="2000" dirty="0">
+                <a:solidFill>
+                  <a:schemeClr val="bg2">
+                    <a:lumMod val="10000"/>
+                    <a:lumOff val="90000"/>
+                  </a:schemeClr>
+                </a:solidFill>
+              </a:rPr>
+              <a:t>     should race/gender/age/wealth be used to decide who gets the vaccine first?</a:t>
+            </a:r>
+          </a:p>
+          <a:p>
+            <a:pPr>
+              <a:buClr>
+                <a:schemeClr val="bg1"/>
+              </a:buClr>
+              <a:buSzPct val="100000"/>
+            </a:pPr>
+            <a:br>
+              <a:rPr lang="en-US" sz="2400" dirty="0"/>
+            </a:br>
+            <a:endParaRPr lang="en-US" sz="2400" dirty="0"/>
+          </a:p>
+        </p:txBody>
+      </p:sp>
+    </p:spTree>
+    <p:extLst>
+      <p:ext uri="{BB962C8B-B14F-4D97-AF65-F5344CB8AC3E}">
+        <p14:creationId xmlns:p14="http://schemas.microsoft.com/office/powerpoint/2010/main" val="106081735"/>
+      </p:ext>
+    </p:extLst>
+  </p:cSld>
+  <p:clrMapOvr>
+    <a:masterClrMapping/>
+  </p:clrMapOvr>
+</p:sld>
+</file>
+
 <file path=ppt/slides/slide2.xml><?xml version="1.0" encoding="utf-8"?>
 <p:sld xmlns:a="http://schemas.openxmlformats.org/drawingml/2006/main" xmlns:r="http://schemas.openxmlformats.org/officeDocument/2006/relationships" xmlns:p="http://schemas.openxmlformats.org/presentationml/2006/main" showMasterSp="0">
   <p:cSld>
@@ -19326,7 +24228,7 @@
         </p:nvSpPr>
         <p:spPr>
           <a:xfrm>
-            <a:off x="850783" y="3570817"/>
+            <a:off x="628985" y="3855297"/>
             <a:ext cx="7442434" cy="577800"/>
           </a:xfrm>
           <a:prstGeom prst="rect">
@@ -19352,36 +24254,21 @@
             </a:br>
             <a:r>
               <a:rPr lang="en" dirty="0"/>
-              <a:t>1. what is the current distribution protocol?</a:t>
+              <a:t>1. can we develop a model to forecast hot spots?</a:t>
             </a:r>
             <a:br>
               <a:rPr lang="en" dirty="0"/>
             </a:br>
             <a:r>
               <a:rPr lang="en" dirty="0"/>
-              <a:t>2. can we develop a model to forecast hot spots?</a:t>
+              <a:t>2. what is the current distribution protocol and how to modify it?</a:t>
             </a:r>
             <a:br>
               <a:rPr lang="en" dirty="0"/>
             </a:br>
             <a:r>
               <a:rPr lang="en" dirty="0"/>
-              <a:t>3. does this work?</a:t>
-            </a:r>
-            <a:br>
-              <a:rPr lang="en" dirty="0"/>
-            </a:br>
-            <a:r>
-              <a:rPr lang="en" dirty="0"/>
-              <a:t>   (  </a:t>
-            </a:r>
-            <a:r>
-              <a:rPr lang="en-US" dirty="0"/>
-              <a:t>I</a:t>
-            </a:r>
-            <a:r>
-              <a:rPr lang="en" dirty="0"/>
-              <a:t>f so, should we change the protocol?  )  </a:t>
+              <a:t>3. should we make the change?  </a:t>
             </a:r>
             <a:endParaRPr dirty="0"/>
           </a:p>
@@ -19396,11 +24283,11 @@
 </file>
 
 <file path=ppt/slides/slide5.xml><?xml version="1.0" encoding="utf-8"?>
-<p:sld xmlns:a="http://schemas.openxmlformats.org/drawingml/2006/main" xmlns:r="http://schemas.openxmlformats.org/officeDocument/2006/relationships" xmlns:p="http://schemas.openxmlformats.org/presentationml/2006/main" showMasterSp="0">
+<p:sld xmlns:a="http://schemas.openxmlformats.org/drawingml/2006/main" xmlns:r="http://schemas.openxmlformats.org/officeDocument/2006/relationships" xmlns:p="http://schemas.openxmlformats.org/presentationml/2006/main">
   <p:cSld>
     <p:spTree>
       <p:nvGrpSpPr>
-        <p:cNvPr id="1" name="Shape 712"/>
+        <p:cNvPr id="1" name=""/>
         <p:cNvGrpSpPr/>
         <p:nvPr/>
       </p:nvGrpSpPr>
@@ -19412,52 +24299,69 @@
           <a:chExt cx="0" cy="0"/>
         </a:xfrm>
       </p:grpSpPr>
-      <p:graphicFrame>
-        <p:nvGraphicFramePr>
-          <p:cNvPr id="6" name="Diagram 5">
+      <p:pic>
+        <p:nvPicPr>
+          <p:cNvPr id="1026" name="Picture 2">
             <a:extLst>
               <a:ext uri="{FF2B5EF4-FFF2-40B4-BE49-F238E27FC236}">
-                <a16:creationId xmlns:a16="http://schemas.microsoft.com/office/drawing/2014/main" id="{3B89AC25-AEFE-2042-88B8-7EA0804CB202}"/>
+                <a16:creationId xmlns:a16="http://schemas.microsoft.com/office/drawing/2014/main" id="{A469B868-E477-F34E-A9EF-C1B349379366}"/>
               </a:ext>
             </a:extLst>
           </p:cNvPr>
-          <p:cNvGraphicFramePr/>
-          <p:nvPr>
-            <p:extLst>
-              <p:ext uri="{D42A27DB-BD31-4B8C-83A1-F6EECF244321}">
-                <p14:modId xmlns:p14="http://schemas.microsoft.com/office/powerpoint/2010/main" val="3225560141"/>
-              </p:ext>
-            </p:extLst>
-          </p:nvPr>
-        </p:nvGraphicFramePr>
-        <p:xfrm>
-          <a:off x="354562" y="1023513"/>
-          <a:ext cx="8585421" cy="6161055"/>
-        </p:xfrm>
-        <a:graphic>
-          <a:graphicData uri="http://schemas.openxmlformats.org/drawingml/2006/diagram">
-            <dgm:relIds xmlns:dgm="http://schemas.openxmlformats.org/drawingml/2006/diagram" xmlns:r="http://schemas.openxmlformats.org/officeDocument/2006/relationships" r:dm="rId3" r:lo="rId4" r:qs="rId5" r:cs="rId6"/>
-          </a:graphicData>
-        </a:graphic>
-      </p:graphicFrame>
+          <p:cNvPicPr>
+            <a:picLocks noChangeAspect="1" noChangeArrowheads="1"/>
+          </p:cNvPicPr>
+          <p:nvPr/>
+        </p:nvPicPr>
+        <p:blipFill>
+          <a:blip r:embed="rId3">
+            <a:extLst>
+              <a:ext uri="{28A0092B-C50C-407E-A947-70E740481C1C}">
+                <a14:useLocalDpi xmlns:a14="http://schemas.microsoft.com/office/drawing/2010/main" val="0"/>
+              </a:ext>
+            </a:extLst>
+          </a:blip>
+          <a:srcRect/>
+          <a:stretch>
+            <a:fillRect/>
+          </a:stretch>
+        </p:blipFill>
+        <p:spPr bwMode="auto">
+          <a:xfrm>
+            <a:off x="1624838" y="382016"/>
+            <a:ext cx="5486400" cy="3291840"/>
+          </a:xfrm>
+          <a:prstGeom prst="rect">
+            <a:avLst/>
+          </a:prstGeom>
+          <a:noFill/>
+          <a:extLst>
+            <a:ext uri="{909E8E84-426E-40DD-AFC4-6F175D3DCCD1}">
+              <a14:hiddenFill xmlns:a14="http://schemas.microsoft.com/office/drawing/2010/main">
+                <a:solidFill>
+                  <a:srgbClr val="FFFFFF"/>
+                </a:solidFill>
+              </a14:hiddenFill>
+            </a:ext>
+          </a:extLst>
+        </p:spPr>
+      </p:pic>
       <p:sp>
         <p:nvSpPr>
-          <p:cNvPr id="5" name="Google Shape;571;p29">
+          <p:cNvPr id="7" name="Rectangle 6">
             <a:extLst>
               <a:ext uri="{FF2B5EF4-FFF2-40B4-BE49-F238E27FC236}">
-                <a16:creationId xmlns:a16="http://schemas.microsoft.com/office/drawing/2014/main" id="{A2CB7367-A508-2A4F-A1F5-4F047BADBFE8}"/>
+                <a16:creationId xmlns:a16="http://schemas.microsoft.com/office/drawing/2014/main" id="{BAB3EE0A-241F-A844-B3D8-1427B580ADF5}"/>
               </a:ext>
             </a:extLst>
           </p:cNvPr>
-          <p:cNvSpPr txBox="1">
-            <a:spLocks/>
-          </p:cNvSpPr>
+          <p:cNvSpPr/>
           <p:nvPr/>
         </p:nvSpPr>
         <p:spPr>
           <a:xfrm>
-            <a:off x="704353" y="445713"/>
-            <a:ext cx="7885838" cy="577800"/>
+            <a:off x="527557" y="3556000"/>
+            <a:ext cx="8328577" cy="1356019"/>
           </a:xfrm>
           <a:prstGeom prst="rect">
             <a:avLst/>
@@ -19471,258 +24375,148 @@
           <a:bodyPr spcFirstLastPara="1" wrap="square" lIns="91425" tIns="91425" rIns="91425" bIns="91425" anchor="b" anchorCtr="0">
             <a:noAutofit/>
           </a:bodyPr>
-          <a:lstStyle>
-            <a:defPPr marR="0" lvl="0" algn="l" rtl="0">
-              <a:lnSpc>
-                <a:spcPct val="100000"/>
-              </a:lnSpc>
-              <a:spcBef>
-                <a:spcPts val="0"/>
-              </a:spcBef>
-              <a:spcAft>
-                <a:spcPts val="0"/>
-              </a:spcAft>
-            </a:defPPr>
-            <a:lvl1pPr marR="0" lvl="0" algn="l" rtl="0">
-              <a:lnSpc>
-                <a:spcPct val="100000"/>
-              </a:lnSpc>
-              <a:spcBef>
-                <a:spcPts val="0"/>
-              </a:spcBef>
-              <a:spcAft>
-                <a:spcPts val="0"/>
-              </a:spcAft>
-              <a:buClr>
-                <a:srgbClr val="000000"/>
-              </a:buClr>
-              <a:buSzPts val="3600"/>
-              <a:buFont typeface="Share Tech"/>
-              <a:buNone/>
-              <a:defRPr sz="3000" b="0" i="0" u="none" strike="noStrike" cap="none">
-                <a:solidFill>
-                  <a:schemeClr val="lt1"/>
+          <a:lstStyle/>
+          <a:p>
+            <a:pPr>
+              <a:buClr>
+                <a:schemeClr val="bg1"/>
+              </a:buClr>
+              <a:buSzPts val="1800"/>
+            </a:pPr>
+            <a:r>
+              <a:rPr lang="en-US" sz="2000" dirty="0">
+                <a:solidFill>
+                  <a:schemeClr val="bg1"/>
                 </a:solidFill>
                 <a:latin typeface="Share Tech"/>
-                <a:ea typeface="Share Tech"/>
-                <a:cs typeface="Share Tech"/>
                 <a:sym typeface="Share Tech"/>
-              </a:defRPr>
-            </a:lvl1pPr>
-            <a:lvl2pPr marR="0" lvl="1" algn="ctr" rtl="0">
-              <a:lnSpc>
-                <a:spcPct val="100000"/>
-              </a:lnSpc>
-              <a:spcBef>
-                <a:spcPts val="0"/>
-              </a:spcBef>
-              <a:spcAft>
-                <a:spcPts val="0"/>
-              </a:spcAft>
-              <a:buClr>
-                <a:srgbClr val="D9D9D9"/>
+              </a:rPr>
+              <a:t>-  Pfizer and </a:t>
+            </a:r>
+            <a:r>
+              <a:rPr lang="en-US" sz="2000" dirty="0" err="1">
+                <a:solidFill>
+                  <a:schemeClr val="bg1"/>
+                </a:solidFill>
+                <a:latin typeface="Share Tech"/>
+                <a:sym typeface="Share Tech"/>
+              </a:rPr>
+              <a:t>Moderna</a:t>
+            </a:r>
+            <a:r>
+              <a:rPr lang="en-US" sz="2000" dirty="0">
+                <a:solidFill>
+                  <a:schemeClr val="bg1"/>
+                </a:solidFill>
+                <a:latin typeface="Share Tech"/>
+                <a:sym typeface="Share Tech"/>
+              </a:rPr>
+              <a:t> are vaccine suppliers </a:t>
+            </a:r>
+          </a:p>
+          <a:p>
+            <a:pPr>
+              <a:buClr>
+                <a:schemeClr val="bg1"/>
               </a:buClr>
               <a:buSzPts val="1800"/>
-              <a:buFont typeface="Share Tech"/>
-              <a:buNone/>
-              <a:defRPr sz="1800" b="0" i="0" u="none" strike="noStrike" cap="none">
-                <a:solidFill>
-                  <a:srgbClr val="D9D9D9"/>
+            </a:pPr>
+            <a:r>
+              <a:rPr lang="en-US" sz="2000" dirty="0">
+                <a:solidFill>
+                  <a:schemeClr val="bg1"/>
                 </a:solidFill>
                 <a:latin typeface="Share Tech"/>
-                <a:ea typeface="Share Tech"/>
-                <a:cs typeface="Share Tech"/>
                 <a:sym typeface="Share Tech"/>
-              </a:defRPr>
-            </a:lvl2pPr>
-            <a:lvl3pPr marR="0" lvl="2" algn="ctr" rtl="0">
-              <a:lnSpc>
-                <a:spcPct val="100000"/>
-              </a:lnSpc>
-              <a:spcBef>
-                <a:spcPts val="0"/>
-              </a:spcBef>
-              <a:spcAft>
-                <a:spcPts val="0"/>
-              </a:spcAft>
-              <a:buClr>
-                <a:srgbClr val="D9D9D9"/>
+              </a:rPr>
+              <a:t>-  From 12/14/2020 to 02/01/2021</a:t>
+            </a:r>
+          </a:p>
+          <a:p>
+            <a:pPr>
+              <a:buClr>
+                <a:schemeClr val="bg1"/>
               </a:buClr>
               <a:buSzPts val="1800"/>
-              <a:buFont typeface="Share Tech"/>
-              <a:buNone/>
-              <a:defRPr sz="1800" b="0" i="0" u="none" strike="noStrike" cap="none">
-                <a:solidFill>
-                  <a:srgbClr val="D9D9D9"/>
+            </a:pPr>
+            <a:r>
+              <a:rPr lang="en-US" sz="2000" dirty="0">
+                <a:solidFill>
+                  <a:schemeClr val="bg1"/>
                 </a:solidFill>
                 <a:latin typeface="Share Tech"/>
-                <a:ea typeface="Share Tech"/>
-                <a:cs typeface="Share Tech"/>
                 <a:sym typeface="Share Tech"/>
-              </a:defRPr>
-            </a:lvl3pPr>
-            <a:lvl4pPr marR="0" lvl="3" algn="ctr" rtl="0">
-              <a:lnSpc>
-                <a:spcPct val="100000"/>
-              </a:lnSpc>
-              <a:spcBef>
-                <a:spcPts val="0"/>
-              </a:spcBef>
-              <a:spcAft>
-                <a:spcPts val="0"/>
-              </a:spcAft>
-              <a:buClr>
-                <a:srgbClr val="D9D9D9"/>
-              </a:buClr>
-              <a:buSzPts val="1800"/>
-              <a:buFont typeface="Share Tech"/>
-              <a:buNone/>
-              <a:defRPr sz="1800" b="0" i="0" u="none" strike="noStrike" cap="none">
-                <a:solidFill>
-                  <a:srgbClr val="D9D9D9"/>
+              </a:rPr>
+              <a:t>-  Vaccine Allocation: </a:t>
+            </a:r>
+            <a:r>
+              <a:rPr lang="en-US" sz="2000" dirty="0">
+                <a:solidFill>
+                  <a:schemeClr val="tx1">
+                    <a:lumMod val="20000"/>
+                    <a:lumOff val="80000"/>
+                  </a:schemeClr>
                 </a:solidFill>
                 <a:latin typeface="Share Tech"/>
-                <a:ea typeface="Share Tech"/>
-                <a:cs typeface="Share Tech"/>
                 <a:sym typeface="Share Tech"/>
-              </a:defRPr>
-            </a:lvl4pPr>
-            <a:lvl5pPr marR="0" lvl="4" algn="ctr" rtl="0">
-              <a:lnSpc>
-                <a:spcPct val="100000"/>
-              </a:lnSpc>
-              <a:spcBef>
-                <a:spcPts val="0"/>
-              </a:spcBef>
-              <a:spcAft>
-                <a:spcPts val="0"/>
-              </a:spcAft>
-              <a:buClr>
-                <a:srgbClr val="D9D9D9"/>
-              </a:buClr>
-              <a:buSzPts val="1800"/>
-              <a:buFont typeface="Share Tech"/>
-              <a:buNone/>
-              <a:defRPr sz="1800" b="0" i="0" u="none" strike="noStrike" cap="none">
-                <a:solidFill>
-                  <a:srgbClr val="D9D9D9"/>
+              </a:rPr>
+              <a:t>California</a:t>
+            </a:r>
+            <a:r>
+              <a:rPr lang="en-US" sz="2000" dirty="0">
+                <a:solidFill>
+                  <a:schemeClr val="bg1"/>
                 </a:solidFill>
                 <a:latin typeface="Share Tech"/>
-                <a:ea typeface="Share Tech"/>
-                <a:cs typeface="Share Tech"/>
                 <a:sym typeface="Share Tech"/>
-              </a:defRPr>
-            </a:lvl5pPr>
-            <a:lvl6pPr marR="0" lvl="5" algn="ctr" rtl="0">
-              <a:lnSpc>
-                <a:spcPct val="100000"/>
-              </a:lnSpc>
-              <a:spcBef>
-                <a:spcPts val="0"/>
-              </a:spcBef>
-              <a:spcAft>
-                <a:spcPts val="0"/>
-              </a:spcAft>
-              <a:buClr>
-                <a:srgbClr val="D9D9D9"/>
-              </a:buClr>
-              <a:buSzPts val="1800"/>
-              <a:buFont typeface="Share Tech"/>
-              <a:buNone/>
-              <a:defRPr sz="1800" b="0" i="0" u="none" strike="noStrike" cap="none">
-                <a:solidFill>
-                  <a:srgbClr val="D9D9D9"/>
+              </a:rPr>
+              <a:t>: 4,226,100; </a:t>
+            </a:r>
+            <a:r>
+              <a:rPr lang="en-US" sz="2000" dirty="0">
+                <a:solidFill>
+                  <a:schemeClr val="tx1">
+                    <a:lumMod val="20000"/>
+                    <a:lumOff val="80000"/>
+                  </a:schemeClr>
                 </a:solidFill>
                 <a:latin typeface="Share Tech"/>
-                <a:ea typeface="Share Tech"/>
-                <a:cs typeface="Share Tech"/>
                 <a:sym typeface="Share Tech"/>
-              </a:defRPr>
-            </a:lvl6pPr>
-            <a:lvl7pPr marR="0" lvl="6" algn="ctr" rtl="0">
-              <a:lnSpc>
-                <a:spcPct val="100000"/>
-              </a:lnSpc>
-              <a:spcBef>
-                <a:spcPts val="0"/>
-              </a:spcBef>
-              <a:spcAft>
-                <a:spcPts val="0"/>
-              </a:spcAft>
-              <a:buClr>
-                <a:srgbClr val="D9D9D9"/>
-              </a:buClr>
-              <a:buSzPts val="1800"/>
-              <a:buFont typeface="Share Tech"/>
-              <a:buNone/>
-              <a:defRPr sz="1800" b="0" i="0" u="none" strike="noStrike" cap="none">
-                <a:solidFill>
-                  <a:srgbClr val="D9D9D9"/>
+              </a:rPr>
+              <a:t>Texas</a:t>
+            </a:r>
+            <a:r>
+              <a:rPr lang="en-US" sz="2000" dirty="0">
+                <a:solidFill>
+                  <a:schemeClr val="bg1"/>
                 </a:solidFill>
                 <a:latin typeface="Share Tech"/>
-                <a:ea typeface="Share Tech"/>
-                <a:cs typeface="Share Tech"/>
                 <a:sym typeface="Share Tech"/>
-              </a:defRPr>
-            </a:lvl7pPr>
-            <a:lvl8pPr marR="0" lvl="7" algn="ctr" rtl="0">
-              <a:lnSpc>
-                <a:spcPct val="100000"/>
-              </a:lnSpc>
-              <a:spcBef>
-                <a:spcPts val="0"/>
-              </a:spcBef>
-              <a:spcAft>
-                <a:spcPts val="0"/>
-              </a:spcAft>
-              <a:buClr>
-                <a:srgbClr val="D9D9D9"/>
-              </a:buClr>
-              <a:buSzPts val="1800"/>
-              <a:buFont typeface="Share Tech"/>
-              <a:buNone/>
-              <a:defRPr sz="1800" b="0" i="0" u="none" strike="noStrike" cap="none">
-                <a:solidFill>
-                  <a:srgbClr val="D9D9D9"/>
+              </a:rPr>
+              <a:t>: 2,894,925; </a:t>
+            </a:r>
+            <a:r>
+              <a:rPr lang="en-US" sz="2000" dirty="0">
+                <a:solidFill>
+                  <a:schemeClr val="tx1">
+                    <a:lumMod val="20000"/>
+                    <a:lumOff val="80000"/>
+                  </a:schemeClr>
                 </a:solidFill>
                 <a:latin typeface="Share Tech"/>
-                <a:ea typeface="Share Tech"/>
-                <a:cs typeface="Share Tech"/>
                 <a:sym typeface="Share Tech"/>
-              </a:defRPr>
-            </a:lvl8pPr>
-            <a:lvl9pPr marR="0" lvl="8" algn="ctr" rtl="0">
-              <a:lnSpc>
-                <a:spcPct val="100000"/>
-              </a:lnSpc>
-              <a:spcBef>
-                <a:spcPts val="0"/>
-              </a:spcBef>
-              <a:spcAft>
-                <a:spcPts val="0"/>
-              </a:spcAft>
-              <a:buClr>
-                <a:srgbClr val="D9D9D9"/>
-              </a:buClr>
-              <a:buSzPts val="1800"/>
-              <a:buFont typeface="Share Tech"/>
-              <a:buNone/>
-              <a:defRPr sz="1800" b="0" i="0" u="none" strike="noStrike" cap="none">
-                <a:solidFill>
-                  <a:srgbClr val="D9D9D9"/>
+              </a:rPr>
+              <a:t>Florida</a:t>
+            </a:r>
+            <a:r>
+              <a:rPr lang="en-US" sz="2000" dirty="0">
+                <a:solidFill>
+                  <a:schemeClr val="bg1"/>
                 </a:solidFill>
                 <a:latin typeface="Share Tech"/>
-                <a:ea typeface="Share Tech"/>
-                <a:cs typeface="Share Tech"/>
                 <a:sym typeface="Share Tech"/>
-              </a:defRPr>
-            </a:lvl9pPr>
-          </a:lstStyle>
-          <a:p>
-            <a:pPr algn="ctr"/>
-            <a:r>
-              <a:rPr lang="en-US" dirty="0"/>
-              <a:t>Current Vaccine Distribution Plan</a:t>
+              </a:rPr>
+              <a:t>: 2,313,050</a:t>
             </a:r>
           </a:p>
         </p:txBody>
@@ -19730,7 +24524,7 @@
     </p:spTree>
     <p:extLst>
       <p:ext uri="{BB962C8B-B14F-4D97-AF65-F5344CB8AC3E}">
-        <p14:creationId xmlns:p14="http://schemas.microsoft.com/office/powerpoint/2010/main" val="2940985759"/>
+        <p14:creationId xmlns:p14="http://schemas.microsoft.com/office/powerpoint/2010/main" val="2942791610"/>
       </p:ext>
     </p:extLst>
   </p:cSld>
@@ -19757,35 +24551,57 @@
           <a:chExt cx="0" cy="0"/>
         </a:xfrm>
       </p:grpSpPr>
-      <p:sp>
-        <p:nvSpPr>
-          <p:cNvPr id="2" name="Title 1">
+      <p:pic>
+        <p:nvPicPr>
+          <p:cNvPr id="2050" name="Picture 2">
             <a:extLst>
               <a:ext uri="{FF2B5EF4-FFF2-40B4-BE49-F238E27FC236}">
-                <a16:creationId xmlns:a16="http://schemas.microsoft.com/office/drawing/2014/main" id="{EDDC7620-9B34-9043-A137-1D50EC203FA7}"/>
+                <a16:creationId xmlns:a16="http://schemas.microsoft.com/office/drawing/2014/main" id="{786D0732-0F53-414E-B0E6-8C45BCD3EE1F}"/>
               </a:ext>
             </a:extLst>
           </p:cNvPr>
-          <p:cNvSpPr>
-            <a:spLocks noGrp="1"/>
-          </p:cNvSpPr>
-          <p:nvPr>
-            <p:ph type="ctrTitle"/>
-          </p:nvPr>
-        </p:nvSpPr>
-        <p:spPr/>
-        <p:txBody>
-          <a:bodyPr/>
-          <a:lstStyle/>
-          <a:p>
-            <a:endParaRPr lang="en-US"/>
-          </a:p>
-        </p:txBody>
-      </p:sp>
+          <p:cNvPicPr>
+            <a:picLocks noChangeAspect="1" noChangeArrowheads="1"/>
+          </p:cNvPicPr>
+          <p:nvPr/>
+        </p:nvPicPr>
+        <p:blipFill>
+          <a:blip r:embed="rId2">
+            <a:extLst>
+              <a:ext uri="{28A0092B-C50C-407E-A947-70E740481C1C}">
+                <a14:useLocalDpi xmlns:a14="http://schemas.microsoft.com/office/drawing/2010/main" val="0"/>
+              </a:ext>
+            </a:extLst>
+          </a:blip>
+          <a:srcRect/>
+          <a:stretch>
+            <a:fillRect/>
+          </a:stretch>
+        </p:blipFill>
+        <p:spPr bwMode="auto">
+          <a:xfrm>
+            <a:off x="676656" y="435102"/>
+            <a:ext cx="7619524" cy="4063746"/>
+          </a:xfrm>
+          <a:prstGeom prst="rect">
+            <a:avLst/>
+          </a:prstGeom>
+          <a:noFill/>
+          <a:extLst>
+            <a:ext uri="{909E8E84-426E-40DD-AFC4-6F175D3DCCD1}">
+              <a14:hiddenFill xmlns:a14="http://schemas.microsoft.com/office/drawing/2010/main">
+                <a:solidFill>
+                  <a:srgbClr val="FFFFFF"/>
+                </a:solidFill>
+              </a14:hiddenFill>
+            </a:ext>
+          </a:extLst>
+        </p:spPr>
+      </p:pic>
     </p:spTree>
     <p:extLst>
       <p:ext uri="{BB962C8B-B14F-4D97-AF65-F5344CB8AC3E}">
-        <p14:creationId xmlns:p14="http://schemas.microsoft.com/office/powerpoint/2010/main" val="559931721"/>
+        <p14:creationId xmlns:p14="http://schemas.microsoft.com/office/powerpoint/2010/main" val="503887895"/>
       </p:ext>
     </p:extLst>
   </p:cSld>
@@ -19796,11 +24612,183 @@
 </file>
 
 <file path=ppt/slides/slide7.xml><?xml version="1.0" encoding="utf-8"?>
-<p:sld xmlns:a="http://schemas.openxmlformats.org/drawingml/2006/main" xmlns:r="http://schemas.openxmlformats.org/officeDocument/2006/relationships" xmlns:p="http://schemas.openxmlformats.org/presentationml/2006/main" showMasterSp="0">
+<p:sld xmlns:a="http://schemas.openxmlformats.org/drawingml/2006/main" xmlns:r="http://schemas.openxmlformats.org/officeDocument/2006/relationships" xmlns:p="http://schemas.openxmlformats.org/presentationml/2006/main">
   <p:cSld>
     <p:spTree>
       <p:nvGrpSpPr>
-        <p:cNvPr id="1" name="Shape 505"/>
+        <p:cNvPr id="1" name=""/>
+        <p:cNvGrpSpPr/>
+        <p:nvPr/>
+      </p:nvGrpSpPr>
+      <p:grpSpPr>
+        <a:xfrm>
+          <a:off x="0" y="0"/>
+          <a:ext cx="0" cy="0"/>
+          <a:chOff x="0" y="0"/>
+          <a:chExt cx="0" cy="0"/>
+        </a:xfrm>
+      </p:grpSpPr>
+      <p:pic>
+        <p:nvPicPr>
+          <p:cNvPr id="3074" name="Picture 2">
+            <a:extLst>
+              <a:ext uri="{FF2B5EF4-FFF2-40B4-BE49-F238E27FC236}">
+                <a16:creationId xmlns:a16="http://schemas.microsoft.com/office/drawing/2014/main" id="{33007835-648E-4C46-AA65-00091128182F}"/>
+              </a:ext>
+            </a:extLst>
+          </p:cNvPr>
+          <p:cNvPicPr>
+            <a:picLocks noChangeAspect="1" noChangeArrowheads="1"/>
+          </p:cNvPicPr>
+          <p:nvPr/>
+        </p:nvPicPr>
+        <p:blipFill>
+          <a:blip r:embed="rId3">
+            <a:extLst>
+              <a:ext uri="{28A0092B-C50C-407E-A947-70E740481C1C}">
+                <a14:useLocalDpi xmlns:a14="http://schemas.microsoft.com/office/drawing/2010/main" val="0"/>
+              </a:ext>
+            </a:extLst>
+          </a:blip>
+          <a:srcRect/>
+          <a:stretch>
+            <a:fillRect/>
+          </a:stretch>
+        </p:blipFill>
+        <p:spPr bwMode="auto">
+          <a:xfrm>
+            <a:off x="1257723" y="590550"/>
+            <a:ext cx="6437376" cy="3218688"/>
+          </a:xfrm>
+          <a:prstGeom prst="rect">
+            <a:avLst/>
+          </a:prstGeom>
+          <a:solidFill>
+            <a:schemeClr val="bg1"/>
+          </a:solidFill>
+        </p:spPr>
+      </p:pic>
+      <p:sp>
+        <p:nvSpPr>
+          <p:cNvPr id="2" name="Rectangle 1">
+            <a:extLst>
+              <a:ext uri="{FF2B5EF4-FFF2-40B4-BE49-F238E27FC236}">
+                <a16:creationId xmlns:a16="http://schemas.microsoft.com/office/drawing/2014/main" id="{2A7F89E5-E45A-6C4F-B351-1F7157288FA8}"/>
+              </a:ext>
+            </a:extLst>
+          </p:cNvPr>
+          <p:cNvSpPr/>
+          <p:nvPr/>
+        </p:nvSpPr>
+        <p:spPr>
+          <a:xfrm>
+            <a:off x="601133" y="4061135"/>
+            <a:ext cx="8542867" cy="796615"/>
+          </a:xfrm>
+          <a:prstGeom prst="rect">
+            <a:avLst/>
+          </a:prstGeom>
+          <a:noFill/>
+          <a:ln>
+            <a:noFill/>
+          </a:ln>
+        </p:spPr>
+        <p:txBody>
+          <a:bodyPr spcFirstLastPara="1" wrap="square" lIns="91425" tIns="91425" rIns="91425" bIns="91425" anchor="b" anchorCtr="0">
+            <a:noAutofit/>
+          </a:bodyPr>
+          <a:lstStyle/>
+          <a:p>
+            <a:pPr>
+              <a:buClr>
+                <a:schemeClr val="bg1"/>
+              </a:buClr>
+              <a:buSzPts val="1800"/>
+            </a:pPr>
+            <a:r>
+              <a:rPr lang="en-US" sz="2000" dirty="0">
+                <a:solidFill>
+                  <a:schemeClr val="bg1"/>
+                </a:solidFill>
+                <a:latin typeface="Share Tech"/>
+              </a:rPr>
+              <a:t>-   From 1/16 to 1/27</a:t>
+            </a:r>
+          </a:p>
+          <a:p>
+            <a:pPr>
+              <a:buClr>
+                <a:schemeClr val="bg1"/>
+              </a:buClr>
+              <a:buSzPts val="1800"/>
+            </a:pPr>
+            <a:r>
+              <a:rPr lang="en-US" sz="2000" dirty="0">
+                <a:solidFill>
+                  <a:schemeClr val="bg1"/>
+                </a:solidFill>
+                <a:latin typeface="Share Tech"/>
+              </a:rPr>
+              <a:t>-   California got </a:t>
+            </a:r>
+            <a:r>
+              <a:rPr lang="en-US" sz="2000" dirty="0">
+                <a:solidFill>
+                  <a:schemeClr val="tx2"/>
+                </a:solidFill>
+                <a:latin typeface="Share Tech"/>
+              </a:rPr>
+              <a:t>5,340,275 </a:t>
+            </a:r>
+            <a:r>
+              <a:rPr lang="en-US" sz="2000" dirty="0">
+                <a:solidFill>
+                  <a:schemeClr val="bg1"/>
+                </a:solidFill>
+                <a:latin typeface="Share Tech"/>
+              </a:rPr>
+              <a:t>distribution, but only </a:t>
+            </a:r>
+            <a:r>
+              <a:rPr lang="en-US" sz="2000" dirty="0">
+                <a:solidFill>
+                  <a:schemeClr val="tx2"/>
+                </a:solidFill>
+                <a:latin typeface="Share Tech"/>
+              </a:rPr>
+              <a:t>2,446,577</a:t>
+            </a:r>
+            <a:r>
+              <a:rPr lang="en-US" sz="2000" dirty="0">
+                <a:solidFill>
+                  <a:schemeClr val="bg1"/>
+                </a:solidFill>
+                <a:latin typeface="Share Tech"/>
+              </a:rPr>
+              <a:t> got administered</a:t>
+            </a:r>
+          </a:p>
+        </p:txBody>
+      </p:sp>
+    </p:spTree>
+    <p:extLst>
+      <p:ext uri="{BB962C8B-B14F-4D97-AF65-F5344CB8AC3E}">
+        <p14:creationId xmlns:p14="http://schemas.microsoft.com/office/powerpoint/2010/main" val="3005659432"/>
+      </p:ext>
+    </p:extLst>
+  </p:cSld>
+  <p:clrMapOvr>
+    <a:masterClrMapping/>
+  </p:clrMapOvr>
+</p:sld>
+</file>
+
+<file path=ppt/slides/slide8.xml><?xml version="1.0" encoding="utf-8"?>
+<p:sld xmlns:a="http://schemas.openxmlformats.org/drawingml/2006/main" xmlns:r="http://schemas.openxmlformats.org/officeDocument/2006/relationships" xmlns:p="http://schemas.openxmlformats.org/presentationml/2006/main">
+  <p:cSld>
+    <p:spTree>
+      <p:nvGrpSpPr>
+        <p:cNvPr id="1" name="Shape 193"/>
         <p:cNvGrpSpPr/>
         <p:nvPr/>
       </p:nvGrpSpPr>
@@ -19814,18 +24802,18 @@
       </p:grpSpPr>
       <p:sp>
         <p:nvSpPr>
-          <p:cNvPr id="507" name="Google Shape;507;p28"/>
+          <p:cNvPr id="194" name="Google Shape;194;p26"/>
           <p:cNvSpPr txBox="1">
             <a:spLocks noGrp="1"/>
           </p:cNvSpPr>
           <p:nvPr>
-            <p:ph type="ctrTitle"/>
+            <p:ph type="ctrTitle" idx="4294967295"/>
           </p:nvPr>
         </p:nvSpPr>
         <p:spPr>
           <a:xfrm>
-            <a:off x="434875" y="401207"/>
-            <a:ext cx="8277325" cy="577800"/>
+            <a:off x="863600" y="726123"/>
+            <a:ext cx="2686050" cy="577850"/>
           </a:xfrm>
           <a:prstGeom prst="rect">
             <a:avLst/>
@@ -19847,162 +24835,135 @@
               <a:buNone/>
             </a:pPr>
             <a:r>
-              <a:rPr lang="en" dirty="0"/>
-              <a:t>How does our model compare to existing models? </a:t>
+              <a:rPr lang="en" sz="3000" dirty="0"/>
+              <a:t>Modeling - RNN</a:t>
             </a:r>
-            <a:endParaRPr dirty="0"/>
+            <a:endParaRPr sz="3000" dirty="0"/>
           </a:p>
         </p:txBody>
       </p:sp>
-      <p:pic>
-        <p:nvPicPr>
-          <p:cNvPr id="3" name="Picture 2" descr="Chart, line chart&#10;&#10;Description automatically generated">
-            <a:extLst>
-              <a:ext uri="{FF2B5EF4-FFF2-40B4-BE49-F238E27FC236}">
-                <a16:creationId xmlns:a16="http://schemas.microsoft.com/office/drawing/2014/main" id="{3E124702-E373-864B-A3CD-3095309A5971}"/>
-              </a:ext>
-            </a:extLst>
-          </p:cNvPr>
-          <p:cNvPicPr>
-            <a:picLocks noChangeAspect="1"/>
-          </p:cNvPicPr>
-          <p:nvPr/>
-        </p:nvPicPr>
-        <p:blipFill rotWithShape="1">
-          <a:blip r:embed="rId3"/>
-          <a:srcRect r="21430"/>
-          <a:stretch/>
-        </p:blipFill>
+      <p:sp>
+        <p:nvSpPr>
+          <p:cNvPr id="195" name="Google Shape;195;p26"/>
+          <p:cNvSpPr txBox="1">
+            <a:spLocks noGrp="1"/>
+          </p:cNvSpPr>
+          <p:nvPr>
+            <p:ph type="body" idx="4294967295"/>
+          </p:nvPr>
+        </p:nvSpPr>
         <p:spPr>
           <a:xfrm>
-            <a:off x="416440" y="1315724"/>
-            <a:ext cx="3089315" cy="1737566"/>
+            <a:off x="447040" y="1760061"/>
+            <a:ext cx="8422640" cy="2090737"/>
           </a:xfrm>
           <a:prstGeom prst="rect">
             <a:avLst/>
           </a:prstGeom>
         </p:spPr>
-      </p:pic>
-      <p:pic>
-        <p:nvPicPr>
-          <p:cNvPr id="8" name="Picture 7" descr="Chart, line chart&#10;&#10;Description automatically generated">
-            <a:extLst>
-              <a:ext uri="{FF2B5EF4-FFF2-40B4-BE49-F238E27FC236}">
-                <a16:creationId xmlns:a16="http://schemas.microsoft.com/office/drawing/2014/main" id="{2F715137-CD70-2B45-B83D-6BDC842C7A49}"/>
-              </a:ext>
-            </a:extLst>
-          </p:cNvPr>
-          <p:cNvPicPr>
-            <a:picLocks noChangeAspect="1"/>
-          </p:cNvPicPr>
-          <p:nvPr/>
-        </p:nvPicPr>
-        <p:blipFill rotWithShape="1">
-          <a:blip r:embed="rId4"/>
-          <a:srcRect t="-1" r="21430" b="1833"/>
-          <a:stretch/>
-        </p:blipFill>
-        <p:spPr>
-          <a:xfrm>
-            <a:off x="416439" y="3053290"/>
-            <a:ext cx="3089315" cy="1737567"/>
-          </a:xfrm>
-          <a:prstGeom prst="rect">
-            <a:avLst/>
-          </a:prstGeom>
-        </p:spPr>
-      </p:pic>
-      <p:pic>
-        <p:nvPicPr>
-          <p:cNvPr id="10" name="Picture 9" descr="Chart, line chart&#10;&#10;Description automatically generated">
-            <a:extLst>
-              <a:ext uri="{FF2B5EF4-FFF2-40B4-BE49-F238E27FC236}">
-                <a16:creationId xmlns:a16="http://schemas.microsoft.com/office/drawing/2014/main" id="{AE5BF972-6A31-DD48-A453-CEEA75E085D8}"/>
-              </a:ext>
-            </a:extLst>
-          </p:cNvPr>
-          <p:cNvPicPr>
-            <a:picLocks noChangeAspect="1"/>
-          </p:cNvPicPr>
-          <p:nvPr/>
-        </p:nvPicPr>
-        <p:blipFill rotWithShape="1">
-          <a:blip r:embed="rId5"/>
-          <a:srcRect r="21430"/>
-          <a:stretch/>
-        </p:blipFill>
-        <p:spPr>
-          <a:xfrm>
-            <a:off x="3505754" y="3027586"/>
-            <a:ext cx="3089315" cy="1770676"/>
-          </a:xfrm>
-          <a:prstGeom prst="rect">
-            <a:avLst/>
-          </a:prstGeom>
-        </p:spPr>
-      </p:pic>
-      <p:pic>
-        <p:nvPicPr>
-          <p:cNvPr id="12" name="Picture 11" descr="Chart, line chart&#10;&#10;Description automatically generated">
-            <a:extLst>
-              <a:ext uri="{FF2B5EF4-FFF2-40B4-BE49-F238E27FC236}">
-                <a16:creationId xmlns:a16="http://schemas.microsoft.com/office/drawing/2014/main" id="{7C527A82-530E-4F4D-9D1D-4FBBB2B0F8EC}"/>
-              </a:ext>
-            </a:extLst>
-          </p:cNvPr>
-          <p:cNvPicPr>
-            <a:picLocks noChangeAspect="1"/>
-          </p:cNvPicPr>
-          <p:nvPr/>
-        </p:nvPicPr>
-        <p:blipFill rotWithShape="1">
-          <a:blip r:embed="rId6"/>
-          <a:srcRect r="21430"/>
-          <a:stretch/>
-        </p:blipFill>
-        <p:spPr>
-          <a:xfrm>
-            <a:off x="3505754" y="1316936"/>
-            <a:ext cx="3089315" cy="1713369"/>
-          </a:xfrm>
-          <a:prstGeom prst="rect">
-            <a:avLst/>
-          </a:prstGeom>
-        </p:spPr>
-      </p:pic>
-      <p:pic>
-        <p:nvPicPr>
-          <p:cNvPr id="14" name="Picture 13" descr="Chart, line chart&#10;&#10;Description automatically generated">
-            <a:extLst>
-              <a:ext uri="{FF2B5EF4-FFF2-40B4-BE49-F238E27FC236}">
-                <a16:creationId xmlns:a16="http://schemas.microsoft.com/office/drawing/2014/main" id="{04681D61-8E34-F244-8C6E-29114E4FBD47}"/>
-              </a:ext>
-            </a:extLst>
-          </p:cNvPr>
-          <p:cNvPicPr>
-            <a:picLocks noChangeAspect="1"/>
-          </p:cNvPicPr>
-          <p:nvPr/>
-        </p:nvPicPr>
-        <p:blipFill rotWithShape="1">
-          <a:blip r:embed="rId5"/>
-          <a:srcRect l="77421" t="8370" b="9220"/>
-          <a:stretch/>
-        </p:blipFill>
-        <p:spPr>
-          <a:xfrm>
-            <a:off x="6593518" y="1315723"/>
-            <a:ext cx="2111478" cy="3470549"/>
-          </a:xfrm>
-          <a:prstGeom prst="rect">
-            <a:avLst/>
-          </a:prstGeom>
-        </p:spPr>
-      </p:pic>
+        <p:txBody>
+          <a:bodyPr spcFirstLastPara="1" wrap="square" lIns="91425" tIns="91425" rIns="91425" bIns="91425" anchor="t" anchorCtr="0">
+            <a:noAutofit/>
+          </a:bodyPr>
+          <a:lstStyle/>
+          <a:p>
+            <a:pPr lvl="0" algn="l" rtl="0">
+              <a:spcBef>
+                <a:spcPts val="0"/>
+              </a:spcBef>
+              <a:spcAft>
+                <a:spcPts val="0"/>
+              </a:spcAft>
+              <a:buSzPts val="1800"/>
+              <a:buFontTx/>
+              <a:buChar char="-"/>
+            </a:pPr>
+            <a:r>
+              <a:rPr lang="en" sz="2400" dirty="0">
+                <a:latin typeface="Share Tech" pitchFamily="2" charset="77"/>
+              </a:rPr>
+              <a:t>As time series and geospatial data is hard to visualize in slides, we will be using an interactive web app to go through our modeling process</a:t>
+            </a:r>
+          </a:p>
+          <a:p>
+            <a:pPr marL="114300" lvl="0" indent="0" algn="l" rtl="0">
+              <a:spcBef>
+                <a:spcPts val="0"/>
+              </a:spcBef>
+              <a:spcAft>
+                <a:spcPts val="0"/>
+              </a:spcAft>
+              <a:buSzPts val="1800"/>
+              <a:buNone/>
+            </a:pPr>
+            <a:endParaRPr sz="2400" dirty="0">
+              <a:latin typeface="Share Tech" pitchFamily="2" charset="77"/>
+            </a:endParaRPr>
+          </a:p>
+          <a:p>
+            <a:pPr marL="114300" lvl="0" indent="0" algn="l" rtl="0">
+              <a:spcBef>
+                <a:spcPts val="0"/>
+              </a:spcBef>
+              <a:spcAft>
+                <a:spcPts val="0"/>
+              </a:spcAft>
+              <a:buSzPts val="1800"/>
+              <a:buNone/>
+            </a:pPr>
+            <a:r>
+              <a:rPr lang="en" sz="2400" dirty="0">
+                <a:latin typeface="Share Tech" pitchFamily="2" charset="77"/>
+              </a:rPr>
+              <a:t>-    Visit this link to follow along: </a:t>
+            </a:r>
+            <a:r>
+              <a:rPr lang="en" sz="2400" u="sng" dirty="0">
+                <a:solidFill>
+                  <a:schemeClr val="tx2">
+                    <a:lumMod val="90000"/>
+                  </a:schemeClr>
+                </a:solidFill>
+                <a:latin typeface="Share Tech" pitchFamily="2" charset="77"/>
+                <a:hlinkClick r:id="rId3">
+                  <a:extLst>
+                    <a:ext uri="{A12FA001-AC4F-418D-AE19-62706E023703}">
+                      <ahyp:hlinkClr xmlns:ahyp="http://schemas.microsoft.com/office/drawing/2018/hyperlinkcolor" val="tx"/>
+                    </a:ext>
+                  </a:extLst>
+                </a:hlinkClick>
+              </a:rPr>
+              <a:t>https://covid.jesseptao.com</a:t>
+            </a:r>
+            <a:endParaRPr sz="2400" dirty="0">
+              <a:solidFill>
+                <a:schemeClr val="tx2">
+                  <a:lumMod val="90000"/>
+                </a:schemeClr>
+              </a:solidFill>
+              <a:latin typeface="Share Tech" pitchFamily="2" charset="77"/>
+            </a:endParaRPr>
+          </a:p>
+          <a:p>
+            <a:pPr marL="457200" lvl="0" indent="0" algn="l" rtl="0">
+              <a:spcBef>
+                <a:spcPts val="0"/>
+              </a:spcBef>
+              <a:spcAft>
+                <a:spcPts val="0"/>
+              </a:spcAft>
+              <a:buNone/>
+            </a:pPr>
+            <a:endParaRPr sz="2400" dirty="0">
+              <a:latin typeface="Share Tech" pitchFamily="2" charset="77"/>
+            </a:endParaRPr>
+          </a:p>
+        </p:txBody>
+      </p:sp>
     </p:spTree>
     <p:extLst>
       <p:ext uri="{BB962C8B-B14F-4D97-AF65-F5344CB8AC3E}">
-        <p14:creationId xmlns:p14="http://schemas.microsoft.com/office/powerpoint/2010/main" val="3134637107"/>
+        <p14:creationId xmlns:p14="http://schemas.microsoft.com/office/powerpoint/2010/main" val="4054795991"/>
       </p:ext>
     </p:extLst>
   </p:cSld>
@@ -20012,12 +24973,12 @@
 </p:sld>
 </file>
 
-<file path=ppt/slides/slide8.xml><?xml version="1.0" encoding="utf-8"?>
-<p:sld xmlns:a="http://schemas.openxmlformats.org/drawingml/2006/main" xmlns:r="http://schemas.openxmlformats.org/officeDocument/2006/relationships" xmlns:p="http://schemas.openxmlformats.org/presentationml/2006/main" showMasterSp="0">
+<file path=ppt/slides/slide9.xml><?xml version="1.0" encoding="utf-8"?>
+<p:sld xmlns:a="http://schemas.openxmlformats.org/drawingml/2006/main" xmlns:r="http://schemas.openxmlformats.org/officeDocument/2006/relationships" xmlns:p="http://schemas.openxmlformats.org/presentationml/2006/main">
   <p:cSld>
     <p:spTree>
       <p:nvGrpSpPr>
-        <p:cNvPr id="1" name="Shape 505"/>
+        <p:cNvPr id="1" name=""/>
         <p:cNvGrpSpPr/>
         <p:nvPr/>
       </p:nvGrpSpPr>
@@ -20031,52 +24992,62 @@
       </p:grpSpPr>
       <p:sp>
         <p:nvSpPr>
-          <p:cNvPr id="507" name="Google Shape;507;p28"/>
-          <p:cNvSpPr txBox="1">
-            <a:spLocks noGrp="1"/>
-          </p:cNvSpPr>
-          <p:nvPr>
-            <p:ph type="ctrTitle"/>
-          </p:nvPr>
+          <p:cNvPr id="2" name="Rectangle 1">
+            <a:extLst>
+              <a:ext uri="{FF2B5EF4-FFF2-40B4-BE49-F238E27FC236}">
+                <a16:creationId xmlns:a16="http://schemas.microsoft.com/office/drawing/2014/main" id="{B0DEC1FC-483E-E44E-967D-07DA91454020}"/>
+              </a:ext>
+            </a:extLst>
+          </p:cNvPr>
+          <p:cNvSpPr/>
+          <p:nvPr/>
         </p:nvSpPr>
         <p:spPr>
           <a:xfrm>
-            <a:off x="434875" y="401207"/>
-            <a:ext cx="8277325" cy="577800"/>
+            <a:off x="71120" y="945515"/>
+            <a:ext cx="9001760" cy="4012565"/>
           </a:xfrm>
           <a:prstGeom prst="rect">
             <a:avLst/>
           </a:prstGeom>
+          <a:solidFill>
+            <a:schemeClr val="bg1"/>
+          </a:solidFill>
+          <a:ln>
+            <a:noFill/>
+          </a:ln>
         </p:spPr>
+        <p:style>
+          <a:lnRef idx="2">
+            <a:schemeClr val="accent1">
+              <a:shade val="50000"/>
+            </a:schemeClr>
+          </a:lnRef>
+          <a:fillRef idx="1">
+            <a:schemeClr val="accent1"/>
+          </a:fillRef>
+          <a:effectRef idx="0">
+            <a:schemeClr val="accent1"/>
+          </a:effectRef>
+          <a:fontRef idx="minor">
+            <a:schemeClr val="lt1"/>
+          </a:fontRef>
+        </p:style>
         <p:txBody>
-          <a:bodyPr spcFirstLastPara="1" wrap="square" lIns="91425" tIns="91425" rIns="91425" bIns="91425" anchor="b" anchorCtr="0">
-            <a:noAutofit/>
-          </a:bodyPr>
+          <a:bodyPr rtlCol="0" anchor="ctr"/>
           <a:lstStyle/>
           <a:p>
-            <a:pPr marL="0" lvl="0" indent="0" algn="l" rtl="0">
-              <a:spcBef>
-                <a:spcPts val="0"/>
-              </a:spcBef>
-              <a:spcAft>
-                <a:spcPts val="0"/>
-              </a:spcAft>
-              <a:buNone/>
-            </a:pPr>
-            <a:r>
-              <a:rPr lang="en" dirty="0"/>
-              <a:t>Conclusion </a:t>
-            </a:r>
-            <a:endParaRPr dirty="0"/>
+            <a:pPr algn="ctr"/>
+            <a:endParaRPr lang="en-US"/>
           </a:p>
         </p:txBody>
       </p:sp>
       <p:sp>
         <p:nvSpPr>
-          <p:cNvPr id="9" name="Google Shape;572;p29">
+          <p:cNvPr id="5" name="Google Shape;194;p26">
             <a:extLst>
               <a:ext uri="{FF2B5EF4-FFF2-40B4-BE49-F238E27FC236}">
-                <a16:creationId xmlns:a16="http://schemas.microsoft.com/office/drawing/2014/main" id="{7AFD4EC5-7980-5947-8C15-E2EEDAF19E10}"/>
+                <a16:creationId xmlns:a16="http://schemas.microsoft.com/office/drawing/2014/main" id="{E3A5686A-914D-004A-AF71-E84AA84B9029}"/>
               </a:ext>
             </a:extLst>
           </p:cNvPr>
@@ -20087,8 +25058,8 @@
         </p:nvSpPr>
         <p:spPr>
           <a:xfrm>
-            <a:off x="942223" y="1230630"/>
-            <a:ext cx="7442434" cy="1441450"/>
+            <a:off x="274320" y="365760"/>
+            <a:ext cx="5913120" cy="577850"/>
           </a:xfrm>
           <a:prstGeom prst="rect">
             <a:avLst/>
@@ -20125,12 +25096,12 @@
                 <a:spcPts val="0"/>
               </a:spcAft>
               <a:buClr>
-                <a:srgbClr val="000000"/>
-              </a:buClr>
-              <a:buSzPts val="3600"/>
+                <a:schemeClr val="lt1"/>
+              </a:buClr>
+              <a:buSzPts val="2800"/>
               <a:buFont typeface="Share Tech"/>
               <a:buNone/>
-              <a:defRPr sz="3000" b="0" i="0" u="none" strike="noStrike" cap="none">
+              <a:defRPr sz="2800" b="0" i="0" u="none" strike="noStrike" cap="none">
                 <a:solidFill>
                   <a:schemeClr val="lt1"/>
                 </a:solidFill>
@@ -20140,7 +25111,7 @@
                 <a:sym typeface="Share Tech"/>
               </a:defRPr>
             </a:lvl1pPr>
-            <a:lvl2pPr marR="0" lvl="1" algn="ctr" rtl="0">
+            <a:lvl2pPr marR="0" lvl="1" algn="l" rtl="0">
               <a:lnSpc>
                 <a:spcPct val="100000"/>
               </a:lnSpc>
@@ -20151,14 +25122,14 @@
                 <a:spcPts val="0"/>
               </a:spcAft>
               <a:buClr>
-                <a:srgbClr val="D9D9D9"/>
-              </a:buClr>
-              <a:buSzPts val="1800"/>
+                <a:schemeClr val="lt1"/>
+              </a:buClr>
+              <a:buSzPts val="2800"/>
               <a:buFont typeface="Share Tech"/>
               <a:buNone/>
-              <a:defRPr sz="1800" b="0" i="0" u="none" strike="noStrike" cap="none">
-                <a:solidFill>
-                  <a:srgbClr val="D9D9D9"/>
+              <a:defRPr sz="2800" b="0" i="0" u="none" strike="noStrike" cap="none">
+                <a:solidFill>
+                  <a:schemeClr val="lt1"/>
                 </a:solidFill>
                 <a:latin typeface="Share Tech"/>
                 <a:ea typeface="Share Tech"/>
@@ -20166,7 +25137,7 @@
                 <a:sym typeface="Share Tech"/>
               </a:defRPr>
             </a:lvl2pPr>
-            <a:lvl3pPr marR="0" lvl="2" algn="ctr" rtl="0">
+            <a:lvl3pPr marR="0" lvl="2" algn="l" rtl="0">
               <a:lnSpc>
                 <a:spcPct val="100000"/>
               </a:lnSpc>
@@ -20177,14 +25148,14 @@
                 <a:spcPts val="0"/>
               </a:spcAft>
               <a:buClr>
-                <a:srgbClr val="D9D9D9"/>
-              </a:buClr>
-              <a:buSzPts val="1800"/>
+                <a:schemeClr val="lt1"/>
+              </a:buClr>
+              <a:buSzPts val="2800"/>
               <a:buFont typeface="Share Tech"/>
               <a:buNone/>
-              <a:defRPr sz="1800" b="0" i="0" u="none" strike="noStrike" cap="none">
-                <a:solidFill>
-                  <a:srgbClr val="D9D9D9"/>
+              <a:defRPr sz="2800" b="0" i="0" u="none" strike="noStrike" cap="none">
+                <a:solidFill>
+                  <a:schemeClr val="lt1"/>
                 </a:solidFill>
                 <a:latin typeface="Share Tech"/>
                 <a:ea typeface="Share Tech"/>
@@ -20192,7 +25163,7 @@
                 <a:sym typeface="Share Tech"/>
               </a:defRPr>
             </a:lvl3pPr>
-            <a:lvl4pPr marR="0" lvl="3" algn="ctr" rtl="0">
+            <a:lvl4pPr marR="0" lvl="3" algn="l" rtl="0">
               <a:lnSpc>
                 <a:spcPct val="100000"/>
               </a:lnSpc>
@@ -20203,14 +25174,14 @@
                 <a:spcPts val="0"/>
               </a:spcAft>
               <a:buClr>
-                <a:srgbClr val="D9D9D9"/>
-              </a:buClr>
-              <a:buSzPts val="1800"/>
+                <a:schemeClr val="lt1"/>
+              </a:buClr>
+              <a:buSzPts val="2800"/>
               <a:buFont typeface="Share Tech"/>
               <a:buNone/>
-              <a:defRPr sz="1800" b="0" i="0" u="none" strike="noStrike" cap="none">
-                <a:solidFill>
-                  <a:srgbClr val="D9D9D9"/>
+              <a:defRPr sz="2800" b="0" i="0" u="none" strike="noStrike" cap="none">
+                <a:solidFill>
+                  <a:schemeClr val="lt1"/>
                 </a:solidFill>
                 <a:latin typeface="Share Tech"/>
                 <a:ea typeface="Share Tech"/>
@@ -20218,7 +25189,7 @@
                 <a:sym typeface="Share Tech"/>
               </a:defRPr>
             </a:lvl4pPr>
-            <a:lvl5pPr marR="0" lvl="4" algn="ctr" rtl="0">
+            <a:lvl5pPr marR="0" lvl="4" algn="l" rtl="0">
               <a:lnSpc>
                 <a:spcPct val="100000"/>
               </a:lnSpc>
@@ -20229,14 +25200,14 @@
                 <a:spcPts val="0"/>
               </a:spcAft>
               <a:buClr>
-                <a:srgbClr val="D9D9D9"/>
-              </a:buClr>
-              <a:buSzPts val="1800"/>
+                <a:schemeClr val="lt1"/>
+              </a:buClr>
+              <a:buSzPts val="2800"/>
               <a:buFont typeface="Share Tech"/>
               <a:buNone/>
-              <a:defRPr sz="1800" b="0" i="0" u="none" strike="noStrike" cap="none">
-                <a:solidFill>
-                  <a:srgbClr val="D9D9D9"/>
+              <a:defRPr sz="2800" b="0" i="0" u="none" strike="noStrike" cap="none">
+                <a:solidFill>
+                  <a:schemeClr val="lt1"/>
                 </a:solidFill>
                 <a:latin typeface="Share Tech"/>
                 <a:ea typeface="Share Tech"/>
@@ -20244,7 +25215,7 @@
                 <a:sym typeface="Share Tech"/>
               </a:defRPr>
             </a:lvl5pPr>
-            <a:lvl6pPr marR="0" lvl="5" algn="ctr" rtl="0">
+            <a:lvl6pPr marR="0" lvl="5" algn="l" rtl="0">
               <a:lnSpc>
                 <a:spcPct val="100000"/>
               </a:lnSpc>
@@ -20255,14 +25226,14 @@
                 <a:spcPts val="0"/>
               </a:spcAft>
               <a:buClr>
-                <a:srgbClr val="D9D9D9"/>
-              </a:buClr>
-              <a:buSzPts val="1800"/>
+                <a:schemeClr val="lt1"/>
+              </a:buClr>
+              <a:buSzPts val="2800"/>
               <a:buFont typeface="Share Tech"/>
               <a:buNone/>
-              <a:defRPr sz="1800" b="0" i="0" u="none" strike="noStrike" cap="none">
-                <a:solidFill>
-                  <a:srgbClr val="D9D9D9"/>
+              <a:defRPr sz="2800" b="0" i="0" u="none" strike="noStrike" cap="none">
+                <a:solidFill>
+                  <a:schemeClr val="lt1"/>
                 </a:solidFill>
                 <a:latin typeface="Share Tech"/>
                 <a:ea typeface="Share Tech"/>
@@ -20270,7 +25241,7 @@
                 <a:sym typeface="Share Tech"/>
               </a:defRPr>
             </a:lvl6pPr>
-            <a:lvl7pPr marR="0" lvl="6" algn="ctr" rtl="0">
+            <a:lvl7pPr marR="0" lvl="6" algn="l" rtl="0">
               <a:lnSpc>
                 <a:spcPct val="100000"/>
               </a:lnSpc>
@@ -20281,14 +25252,14 @@
                 <a:spcPts val="0"/>
               </a:spcAft>
               <a:buClr>
-                <a:srgbClr val="D9D9D9"/>
-              </a:buClr>
-              <a:buSzPts val="1800"/>
+                <a:schemeClr val="lt1"/>
+              </a:buClr>
+              <a:buSzPts val="2800"/>
               <a:buFont typeface="Share Tech"/>
               <a:buNone/>
-              <a:defRPr sz="1800" b="0" i="0" u="none" strike="noStrike" cap="none">
-                <a:solidFill>
-                  <a:srgbClr val="D9D9D9"/>
+              <a:defRPr sz="2800" b="0" i="0" u="none" strike="noStrike" cap="none">
+                <a:solidFill>
+                  <a:schemeClr val="lt1"/>
                 </a:solidFill>
                 <a:latin typeface="Share Tech"/>
                 <a:ea typeface="Share Tech"/>
@@ -20296,7 +25267,7 @@
                 <a:sym typeface="Share Tech"/>
               </a:defRPr>
             </a:lvl7pPr>
-            <a:lvl8pPr marR="0" lvl="7" algn="ctr" rtl="0">
+            <a:lvl8pPr marR="0" lvl="7" algn="l" rtl="0">
               <a:lnSpc>
                 <a:spcPct val="100000"/>
               </a:lnSpc>
@@ -20307,14 +25278,14 @@
                 <a:spcPts val="0"/>
               </a:spcAft>
               <a:buClr>
-                <a:srgbClr val="D9D9D9"/>
-              </a:buClr>
-              <a:buSzPts val="1800"/>
+                <a:schemeClr val="lt1"/>
+              </a:buClr>
+              <a:buSzPts val="2800"/>
               <a:buFont typeface="Share Tech"/>
               <a:buNone/>
-              <a:defRPr sz="1800" b="0" i="0" u="none" strike="noStrike" cap="none">
-                <a:solidFill>
-                  <a:srgbClr val="D9D9D9"/>
+              <a:defRPr sz="2800" b="0" i="0" u="none" strike="noStrike" cap="none">
+                <a:solidFill>
+                  <a:schemeClr val="lt1"/>
                 </a:solidFill>
                 <a:latin typeface="Share Tech"/>
                 <a:ea typeface="Share Tech"/>
@@ -20322,7 +25293,7 @@
                 <a:sym typeface="Share Tech"/>
               </a:defRPr>
             </a:lvl8pPr>
-            <a:lvl9pPr marR="0" lvl="8" algn="ctr" rtl="0">
+            <a:lvl9pPr marR="0" lvl="8" algn="l" rtl="0">
               <a:lnSpc>
                 <a:spcPct val="100000"/>
               </a:lnSpc>
@@ -20333,14 +25304,14 @@
                 <a:spcPts val="0"/>
               </a:spcAft>
               <a:buClr>
-                <a:srgbClr val="D9D9D9"/>
-              </a:buClr>
-              <a:buSzPts val="1800"/>
+                <a:schemeClr val="lt1"/>
+              </a:buClr>
+              <a:buSzPts val="2800"/>
               <a:buFont typeface="Share Tech"/>
               <a:buNone/>
-              <a:defRPr sz="1800" b="0" i="0" u="none" strike="noStrike" cap="none">
-                <a:solidFill>
-                  <a:srgbClr val="D9D9D9"/>
+              <a:defRPr sz="2800" b="0" i="0" u="none" strike="noStrike" cap="none">
+                <a:solidFill>
+                  <a:schemeClr val="lt1"/>
                 </a:solidFill>
                 <a:latin typeface="Share Tech"/>
                 <a:ea typeface="Share Tech"/>
@@ -20350,110 +25321,207 @@
             </a:lvl9pPr>
           </a:lstStyle>
           <a:p>
-            <a:pPr marL="342900" indent="-342900">
-              <a:buClr>
-                <a:schemeClr val="bg1"/>
-              </a:buClr>
-              <a:buSzPct val="100000"/>
-              <a:buFontTx/>
-              <a:buChar char="-"/>
-            </a:pPr>
             <a:r>
-              <a:rPr lang="en-US" sz="2400" dirty="0"/>
-              <a:t>forecasting is extremely difficult</a:t>
-            </a:r>
-          </a:p>
-          <a:p>
-            <a:pPr marL="342900" lvl="3" indent="-342900" algn="l">
-              <a:buClr>
-                <a:schemeClr val="bg1"/>
-              </a:buClr>
-              <a:buSzPct val="100000"/>
-              <a:buFontTx/>
-              <a:buChar char="-"/>
-            </a:pPr>
-            <a:r>
-              <a:rPr lang="en-US" sz="2000" dirty="0">
-                <a:solidFill>
-                  <a:schemeClr val="bg2">
-                    <a:lumMod val="10000"/>
-                    <a:lumOff val="90000"/>
-                  </a:schemeClr>
-                </a:solidFill>
-              </a:rPr>
-              <a:t>     currently, none of the existing models perform well</a:t>
-            </a:r>
-          </a:p>
-          <a:p>
-            <a:pPr marL="342900" lvl="1" indent="-342900" algn="l">
-              <a:buClr>
-                <a:schemeClr val="bg1"/>
-              </a:buClr>
-              <a:buSzPct val="100000"/>
-              <a:buFontTx/>
-              <a:buChar char="-"/>
-            </a:pPr>
-            <a:r>
-              <a:rPr lang="en-US" sz="2000" dirty="0">
-                <a:solidFill>
-                  <a:schemeClr val="bg2">
-                    <a:lumMod val="10000"/>
-                    <a:lumOff val="90000"/>
-                  </a:schemeClr>
-                </a:solidFill>
-              </a:rPr>
-              <a:t>     many unexpected factors can change the trends </a:t>
-            </a:r>
-          </a:p>
-          <a:p>
-            <a:pPr lvl="1" algn="l">
-              <a:buClr>
-                <a:schemeClr val="bg1"/>
-              </a:buClr>
-              <a:buSzPct val="100000"/>
-            </a:pPr>
-            <a:r>
-              <a:rPr lang="en-US" sz="2000" dirty="0">
-                <a:solidFill>
-                  <a:schemeClr val="bg2">
-                    <a:lumMod val="10000"/>
-                    <a:lumOff val="90000"/>
-                  </a:schemeClr>
-                </a:solidFill>
-              </a:rPr>
-              <a:t>          (govt policies, supply issues, distribution within the county, </a:t>
-            </a:r>
-            <a:r>
-              <a:rPr lang="en-US" sz="2000" dirty="0" err="1">
-                <a:solidFill>
-                  <a:schemeClr val="bg2">
-                    <a:lumMod val="10000"/>
-                    <a:lumOff val="90000"/>
-                  </a:schemeClr>
-                </a:solidFill>
-              </a:rPr>
-              <a:t>etc</a:t>
-            </a:r>
-            <a:r>
-              <a:rPr lang="en-US" sz="2000" dirty="0">
-                <a:solidFill>
-                  <a:schemeClr val="bg2">
-                    <a:lumMod val="10000"/>
-                    <a:lumOff val="90000"/>
-                  </a:schemeClr>
-                </a:solidFill>
-              </a:rPr>
-              <a:t>)</a:t>
+              <a:rPr lang="en-US" sz="3000" dirty="0"/>
+              <a:t>Modeling –ARIMA</a:t>
             </a:r>
           </a:p>
         </p:txBody>
       </p:sp>
+      <p:pic>
+        <p:nvPicPr>
+          <p:cNvPr id="6146" name="Picture 2">
+            <a:extLst>
+              <a:ext uri="{FF2B5EF4-FFF2-40B4-BE49-F238E27FC236}">
+                <a16:creationId xmlns:a16="http://schemas.microsoft.com/office/drawing/2014/main" id="{D67AF56A-6F21-0948-959E-D1CD9C9A1DCC}"/>
+              </a:ext>
+            </a:extLst>
+          </p:cNvPr>
+          <p:cNvPicPr>
+            <a:picLocks noChangeAspect="1" noChangeArrowheads="1"/>
+          </p:cNvPicPr>
+          <p:nvPr/>
+        </p:nvPicPr>
+        <p:blipFill>
+          <a:blip r:embed="rId2">
+            <a:extLst>
+              <a:ext uri="{28A0092B-C50C-407E-A947-70E740481C1C}">
+                <a14:useLocalDpi xmlns:a14="http://schemas.microsoft.com/office/drawing/2010/main" val="0"/>
+              </a:ext>
+            </a:extLst>
+          </a:blip>
+          <a:srcRect/>
+          <a:stretch>
+            <a:fillRect/>
+          </a:stretch>
+        </p:blipFill>
+        <p:spPr bwMode="auto">
+          <a:xfrm>
+            <a:off x="71120" y="945515"/>
+            <a:ext cx="4471488" cy="1737360"/>
+          </a:xfrm>
+          <a:prstGeom prst="rect">
+            <a:avLst/>
+          </a:prstGeom>
+          <a:noFill/>
+          <a:extLst>
+            <a:ext uri="{909E8E84-426E-40DD-AFC4-6F175D3DCCD1}">
+              <a14:hiddenFill xmlns:a14="http://schemas.microsoft.com/office/drawing/2010/main">
+                <a:solidFill>
+                  <a:srgbClr val="FFFFFF"/>
+                </a:solidFill>
+              </a14:hiddenFill>
+            </a:ext>
+          </a:extLst>
+        </p:spPr>
+      </p:pic>
+      <p:pic>
+        <p:nvPicPr>
+          <p:cNvPr id="6148" name="Picture 4">
+            <a:extLst>
+              <a:ext uri="{FF2B5EF4-FFF2-40B4-BE49-F238E27FC236}">
+                <a16:creationId xmlns:a16="http://schemas.microsoft.com/office/drawing/2014/main" id="{32237616-6E44-2148-BC17-93FB431AC026}"/>
+              </a:ext>
+            </a:extLst>
+          </p:cNvPr>
+          <p:cNvPicPr>
+            <a:picLocks noChangeAspect="1" noChangeArrowheads="1"/>
+          </p:cNvPicPr>
+          <p:nvPr/>
+        </p:nvPicPr>
+        <p:blipFill>
+          <a:blip r:embed="rId3">
+            <a:extLst>
+              <a:ext uri="{28A0092B-C50C-407E-A947-70E740481C1C}">
+                <a14:useLocalDpi xmlns:a14="http://schemas.microsoft.com/office/drawing/2010/main" val="0"/>
+              </a:ext>
+            </a:extLst>
+          </a:blip>
+          <a:srcRect/>
+          <a:stretch>
+            <a:fillRect/>
+          </a:stretch>
+        </p:blipFill>
+        <p:spPr bwMode="auto">
+          <a:xfrm>
+            <a:off x="71120" y="3149600"/>
+            <a:ext cx="4471489" cy="1737360"/>
+          </a:xfrm>
+          <a:prstGeom prst="rect">
+            <a:avLst/>
+          </a:prstGeom>
+          <a:noFill/>
+          <a:extLst>
+            <a:ext uri="{909E8E84-426E-40DD-AFC4-6F175D3DCCD1}">
+              <a14:hiddenFill xmlns:a14="http://schemas.microsoft.com/office/drawing/2010/main">
+                <a:solidFill>
+                  <a:srgbClr val="FFFFFF"/>
+                </a:solidFill>
+              </a14:hiddenFill>
+            </a:ext>
+          </a:extLst>
+        </p:spPr>
+      </p:pic>
+      <p:pic>
+        <p:nvPicPr>
+          <p:cNvPr id="6150" name="Picture 6">
+            <a:extLst>
+              <a:ext uri="{FF2B5EF4-FFF2-40B4-BE49-F238E27FC236}">
+                <a16:creationId xmlns:a16="http://schemas.microsoft.com/office/drawing/2014/main" id="{58FC5166-E240-B149-8073-EB4A6FBF6E2C}"/>
+              </a:ext>
+            </a:extLst>
+          </p:cNvPr>
+          <p:cNvPicPr>
+            <a:picLocks noChangeAspect="1" noChangeArrowheads="1"/>
+          </p:cNvPicPr>
+          <p:nvPr/>
+        </p:nvPicPr>
+        <p:blipFill>
+          <a:blip r:embed="rId4">
+            <a:extLst>
+              <a:ext uri="{28A0092B-C50C-407E-A947-70E740481C1C}">
+                <a14:useLocalDpi xmlns:a14="http://schemas.microsoft.com/office/drawing/2010/main" val="0"/>
+              </a:ext>
+            </a:extLst>
+          </a:blip>
+          <a:srcRect/>
+          <a:stretch>
+            <a:fillRect/>
+          </a:stretch>
+        </p:blipFill>
+        <p:spPr bwMode="auto">
+          <a:xfrm>
+            <a:off x="4516118" y="945515"/>
+            <a:ext cx="4471489" cy="1737360"/>
+          </a:xfrm>
+          <a:prstGeom prst="rect">
+            <a:avLst/>
+          </a:prstGeom>
+          <a:noFill/>
+          <a:extLst>
+            <a:ext uri="{909E8E84-426E-40DD-AFC4-6F175D3DCCD1}">
+              <a14:hiddenFill xmlns:a14="http://schemas.microsoft.com/office/drawing/2010/main">
+                <a:solidFill>
+                  <a:srgbClr val="FFFFFF"/>
+                </a:solidFill>
+              </a14:hiddenFill>
+            </a:ext>
+          </a:extLst>
+        </p:spPr>
+      </p:pic>
+      <p:pic>
+        <p:nvPicPr>
+          <p:cNvPr id="6152" name="Picture 8">
+            <a:extLst>
+              <a:ext uri="{FF2B5EF4-FFF2-40B4-BE49-F238E27FC236}">
+                <a16:creationId xmlns:a16="http://schemas.microsoft.com/office/drawing/2014/main" id="{AFCE1A98-4454-4A4D-8081-109122F9AAB9}"/>
+              </a:ext>
+            </a:extLst>
+          </p:cNvPr>
+          <p:cNvPicPr>
+            <a:picLocks noChangeAspect="1" noChangeArrowheads="1"/>
+          </p:cNvPicPr>
+          <p:nvPr/>
+        </p:nvPicPr>
+        <p:blipFill>
+          <a:blip r:embed="rId5">
+            <a:extLst>
+              <a:ext uri="{28A0092B-C50C-407E-A947-70E740481C1C}">
+                <a14:useLocalDpi xmlns:a14="http://schemas.microsoft.com/office/drawing/2010/main" val="0"/>
+              </a:ext>
+            </a:extLst>
+          </a:blip>
+          <a:srcRect/>
+          <a:stretch>
+            <a:fillRect/>
+          </a:stretch>
+        </p:blipFill>
+        <p:spPr bwMode="auto">
+          <a:xfrm>
+            <a:off x="4516119" y="3149600"/>
+            <a:ext cx="4471490" cy="1737360"/>
+          </a:xfrm>
+          <a:prstGeom prst="rect">
+            <a:avLst/>
+          </a:prstGeom>
+          <a:noFill/>
+          <a:extLst>
+            <a:ext uri="{909E8E84-426E-40DD-AFC4-6F175D3DCCD1}">
+              <a14:hiddenFill xmlns:a14="http://schemas.microsoft.com/office/drawing/2010/main">
+                <a:solidFill>
+                  <a:srgbClr val="FFFFFF"/>
+                </a:solidFill>
+              </a14:hiddenFill>
+            </a:ext>
+          </a:extLst>
+        </p:spPr>
+      </p:pic>
       <p:sp>
         <p:nvSpPr>
-          <p:cNvPr id="11" name="Google Shape;572;p29">
+          <p:cNvPr id="12" name="Google Shape;713;p34">
             <a:extLst>
               <a:ext uri="{FF2B5EF4-FFF2-40B4-BE49-F238E27FC236}">
-                <a16:creationId xmlns:a16="http://schemas.microsoft.com/office/drawing/2014/main" id="{02FE731C-0F7E-984C-8E60-A362AB94181E}"/>
+                <a16:creationId xmlns:a16="http://schemas.microsoft.com/office/drawing/2014/main" id="{9BB7E70E-4FDB-8642-8129-D7BA329440DA}"/>
               </a:ext>
             </a:extLst>
           </p:cNvPr>
@@ -20464,8 +25532,8 @@
         </p:nvSpPr>
         <p:spPr>
           <a:xfrm>
-            <a:off x="942223" y="2923703"/>
-            <a:ext cx="7442434" cy="2374850"/>
+            <a:off x="651418" y="2677795"/>
+            <a:ext cx="6330588" cy="1651000"/>
           </a:xfrm>
           <a:prstGeom prst="rect">
             <a:avLst/>
@@ -20476,7 +25544,7 @@
           </a:ln>
         </p:spPr>
         <p:txBody>
-          <a:bodyPr spcFirstLastPara="1" wrap="square" lIns="91425" tIns="91425" rIns="91425" bIns="91425" anchor="b" anchorCtr="0">
+          <a:bodyPr spcFirstLastPara="1" wrap="square" lIns="182880" tIns="91425" rIns="91425" bIns="91425" anchor="b" anchorCtr="0">
             <a:noAutofit/>
           </a:bodyPr>
           <a:lstStyle>
@@ -20727,74 +25795,32 @@
             </a:lvl9pPr>
           </a:lstStyle>
           <a:p>
-            <a:pPr marL="342900" lvl="1" indent="-342900">
+            <a:pPr>
               <a:buClr>
                 <a:schemeClr val="bg1"/>
               </a:buClr>
               <a:buSzPct val="100000"/>
-              <a:buFontTx/>
-              <a:buChar char="-"/>
             </a:pPr>
-            <a:endParaRPr lang="en-US" sz="2000" dirty="0"/>
+            <a:endParaRPr lang="en-US" sz="1800" b="1" dirty="0">
+              <a:solidFill>
+                <a:schemeClr val="bg2"/>
+              </a:solidFill>
+            </a:endParaRPr>
           </a:p>
           <a:p>
-            <a:pPr marL="342900" indent="-342900">
+            <a:pPr>
               <a:buClr>
                 <a:schemeClr val="bg1"/>
               </a:buClr>
               <a:buSzPct val="100000"/>
-              <a:buFontTx/>
-              <a:buChar char="-"/>
             </a:pPr>
             <a:r>
-              <a:rPr lang="en-US" sz="2400" dirty="0"/>
-              <a:t>mathematical models over ethics?    </a:t>
-            </a:r>
-          </a:p>
-          <a:p>
-            <a:pPr marL="342900" lvl="3" indent="-342900" algn="l">
-              <a:buClr>
-                <a:schemeClr val="bg1"/>
-              </a:buClr>
-              <a:buSzPct val="100000"/>
-              <a:buFontTx/>
-              <a:buChar char="-"/>
-            </a:pPr>
-            <a:r>
-              <a:rPr lang="en-US" sz="2000" dirty="0"/>
-              <a:t>     </a:t>
-            </a:r>
-            <a:r>
-              <a:rPr lang="en-US" sz="2000" dirty="0">
-                <a:solidFill>
-                  <a:schemeClr val="bg2">
-                    <a:lumMod val="10000"/>
-                    <a:lumOff val="90000"/>
-                  </a:schemeClr>
+              <a:rPr lang="en-US" sz="1800" b="1" dirty="0">
+                <a:solidFill>
+                  <a:schemeClr val="bg2"/>
                 </a:solidFill>
               </a:rPr>
-              <a:t>can we justify “optimizing” for the state? </a:t>
-            </a:r>
-          </a:p>
-          <a:p>
-            <a:pPr marL="342900" lvl="1" indent="-342900" algn="l">
-              <a:buClr>
-                <a:schemeClr val="bg1"/>
-              </a:buClr>
-              <a:buSzPct val="100000"/>
-              <a:buFontTx/>
-              <a:buChar char="-"/>
-            </a:pPr>
-            <a:r>
-              <a:rPr lang="en-US" sz="2000" dirty="0">
-                <a:solidFill>
-                  <a:schemeClr val="bg2">
-                    <a:lumMod val="10000"/>
-                    <a:lumOff val="90000"/>
-                  </a:schemeClr>
-                </a:solidFill>
-              </a:rPr>
-              <a:t>     should race/gender/age/wealth be used to decide who gets the vaccine first?</a:t>
+              <a:t>Los Angeles                                                             Inyo</a:t>
             </a:r>
           </a:p>
           <a:p>
@@ -20804,17 +25830,125 @@
               </a:buClr>
               <a:buSzPct val="100000"/>
             </a:pPr>
-            <a:br>
-              <a:rPr lang="en-US" sz="2400" dirty="0"/>
-            </a:br>
-            <a:endParaRPr lang="en-US" sz="2400" dirty="0"/>
+            <a:endParaRPr lang="en-US" sz="1800" b="1" dirty="0">
+              <a:solidFill>
+                <a:schemeClr val="bg2"/>
+              </a:solidFill>
+            </a:endParaRPr>
+          </a:p>
+          <a:p>
+            <a:pPr>
+              <a:buClr>
+                <a:schemeClr val="bg1"/>
+              </a:buClr>
+              <a:buSzPct val="100000"/>
+            </a:pPr>
+            <a:endParaRPr lang="en-US" sz="1800" b="1" dirty="0">
+              <a:solidFill>
+                <a:schemeClr val="bg2"/>
+              </a:solidFill>
+            </a:endParaRPr>
+          </a:p>
+          <a:p>
+            <a:pPr>
+              <a:buClr>
+                <a:schemeClr val="bg1"/>
+              </a:buClr>
+              <a:buSzPct val="100000"/>
+            </a:pPr>
+            <a:endParaRPr lang="en-US" sz="1800" b="1" dirty="0">
+              <a:solidFill>
+                <a:schemeClr val="bg2"/>
+              </a:solidFill>
+            </a:endParaRPr>
+          </a:p>
+          <a:p>
+            <a:pPr>
+              <a:buClr>
+                <a:schemeClr val="bg1"/>
+              </a:buClr>
+              <a:buSzPct val="100000"/>
+            </a:pPr>
+            <a:endParaRPr lang="en-US" sz="1800" b="1" dirty="0">
+              <a:solidFill>
+                <a:schemeClr val="bg2"/>
+              </a:solidFill>
+            </a:endParaRPr>
+          </a:p>
+          <a:p>
+            <a:pPr>
+              <a:buClr>
+                <a:schemeClr val="bg1"/>
+              </a:buClr>
+              <a:buSzPct val="100000"/>
+            </a:pPr>
+            <a:endParaRPr lang="en-US" sz="1800" b="1" dirty="0">
+              <a:solidFill>
+                <a:schemeClr val="bg2"/>
+              </a:solidFill>
+            </a:endParaRPr>
+          </a:p>
+          <a:p>
+            <a:pPr>
+              <a:buClr>
+                <a:schemeClr val="bg1"/>
+              </a:buClr>
+              <a:buSzPct val="100000"/>
+            </a:pPr>
+            <a:endParaRPr lang="en-US" sz="1800" b="1" dirty="0">
+              <a:solidFill>
+                <a:schemeClr val="bg2"/>
+              </a:solidFill>
+            </a:endParaRPr>
+          </a:p>
+          <a:p>
+            <a:pPr>
+              <a:buClr>
+                <a:schemeClr val="bg1"/>
+              </a:buClr>
+              <a:buSzPct val="100000"/>
+            </a:pPr>
+            <a:endParaRPr lang="en-US" sz="1800" b="1" dirty="0">
+              <a:solidFill>
+                <a:schemeClr val="bg2"/>
+              </a:solidFill>
+            </a:endParaRPr>
+          </a:p>
+          <a:p>
+            <a:pPr>
+              <a:buClr>
+                <a:schemeClr val="bg1"/>
+              </a:buClr>
+              <a:buSzPct val="100000"/>
+            </a:pPr>
+            <a:endParaRPr lang="en-US" sz="1800" b="1" dirty="0">
+              <a:solidFill>
+                <a:schemeClr val="bg2"/>
+              </a:solidFill>
+            </a:endParaRPr>
+          </a:p>
+          <a:p>
+            <a:pPr>
+              <a:buClr>
+                <a:schemeClr val="bg1"/>
+              </a:buClr>
+              <a:buSzPct val="100000"/>
+            </a:pPr>
+            <a:r>
+              <a:rPr lang="en-US" sz="1800" b="1" dirty="0">
+                <a:solidFill>
+                  <a:schemeClr val="bg2"/>
+                </a:solidFill>
+              </a:rPr>
+              <a:t>Colusa                                                                     Riverside</a:t>
+            </a:r>
           </a:p>
         </p:txBody>
       </p:sp>
     </p:spTree>
     <p:extLst>
       <p:ext uri="{BB962C8B-B14F-4D97-AF65-F5344CB8AC3E}">
-        <p14:creationId xmlns:p14="http://schemas.microsoft.com/office/powerpoint/2010/main" val="106081735"/>
+        <p14:creationId xmlns:p14="http://schemas.microsoft.com/office/powerpoint/2010/main" val="1136390666"/>
       </p:ext>
     </p:extLst>
   </p:cSld>
